--- a/presentation/Golang.pptx
+++ b/presentation/Golang.pptx
@@ -8,6 +8,7 @@
     <p:sldId id="256" r:id="rId2"/>
     <p:sldId id="257" r:id="rId3"/>
     <p:sldId id="258" r:id="rId4"/>
+    <p:sldId id="259" r:id="rId5"/>
   </p:sldIdLst>
   <p:sldSz cx="12192000" cy="6858000"/>
   <p:notesSz cx="6858000" cy="9144000"/>
@@ -5402,6 +5403,13 @@
   <p:clrMapOvr>
     <a:masterClrMapping/>
   </p:clrMapOvr>
+  <p:timing>
+    <p:tnLst>
+      <p:par>
+        <p:cTn id="1" dur="indefinite" restart="never" nodeType="tmRoot"/>
+      </p:par>
+    </p:tnLst>
+  </p:timing>
 </p:sld>
 </file>
 
@@ -5550,6 +5558,13 @@
   <p:clrMapOvr>
     <a:masterClrMapping/>
   </p:clrMapOvr>
+  <p:timing>
+    <p:tnLst>
+      <p:par>
+        <p:cTn id="1" dur="indefinite" restart="never" nodeType="tmRoot"/>
+      </p:par>
+    </p:tnLst>
+  </p:timing>
 </p:sld>
 </file>
 
@@ -5755,6 +5770,505 @@
   <p:clrMapOvr>
     <a:masterClrMapping/>
   </p:clrMapOvr>
+  <p:timing>
+    <p:tnLst>
+      <p:par>
+        <p:cTn id="1" dur="indefinite" restart="never" nodeType="tmRoot"/>
+      </p:par>
+    </p:tnLst>
+  </p:timing>
+</p:sld>
+</file>
+
+<file path=ppt/slides/slide4.xml><?xml version="1.0" encoding="utf-8"?>
+<p:sld xmlns:a="http://schemas.openxmlformats.org/drawingml/2006/main" xmlns:r="http://schemas.openxmlformats.org/officeDocument/2006/relationships" xmlns:p="http://schemas.openxmlformats.org/presentationml/2006/main">
+  <p:cSld>
+    <p:spTree>
+      <p:nvGrpSpPr>
+        <p:cNvPr id="1" name=""/>
+        <p:cNvGrpSpPr/>
+        <p:nvPr/>
+      </p:nvGrpSpPr>
+      <p:grpSpPr>
+        <a:xfrm>
+          <a:off x="0" y="0"/>
+          <a:ext cx="0" cy="0"/>
+          <a:chOff x="0" y="0"/>
+          <a:chExt cx="0" cy="0"/>
+        </a:xfrm>
+      </p:grpSpPr>
+      <p:sp>
+        <p:nvSpPr>
+          <p:cNvPr id="2" name="Titel 1"/>
+          <p:cNvSpPr>
+            <a:spLocks noGrp="1"/>
+          </p:cNvSpPr>
+          <p:nvPr>
+            <p:ph type="title"/>
+          </p:nvPr>
+        </p:nvSpPr>
+        <p:spPr/>
+        <p:txBody>
+          <a:bodyPr/>
+          <a:lstStyle/>
+          <a:p>
+            <a:r>
+              <a:rPr lang="en-US" dirty="0" smtClean="0"/>
+              <a:t>Hallo World</a:t>
+            </a:r>
+            <a:endParaRPr lang="de-DE" dirty="0"/>
+          </a:p>
+        </p:txBody>
+      </p:sp>
+      <p:sp>
+        <p:nvSpPr>
+          <p:cNvPr id="3" name="Inhaltsplatzhalter 2"/>
+          <p:cNvSpPr>
+            <a:spLocks noGrp="1"/>
+          </p:cNvSpPr>
+          <p:nvPr>
+            <p:ph sz="half" idx="1"/>
+          </p:nvPr>
+        </p:nvSpPr>
+        <p:spPr/>
+        <p:txBody>
+          <a:bodyPr/>
+          <a:lstStyle/>
+          <a:p>
+            <a:r>
+              <a:rPr lang="en-US" dirty="0" smtClean="0"/>
+              <a:t>Hallo world</a:t>
+            </a:r>
+            <a:endParaRPr lang="de-DE" dirty="0"/>
+          </a:p>
+        </p:txBody>
+      </p:sp>
+      <p:pic>
+        <p:nvPicPr>
+          <p:cNvPr id="5" name="Inhaltsplatzhalter 4"/>
+          <p:cNvPicPr>
+            <a:picLocks noGrp="1" noChangeAspect="1"/>
+          </p:cNvPicPr>
+          <p:nvPr>
+            <p:ph sz="half" idx="2"/>
+          </p:nvPr>
+        </p:nvPicPr>
+        <p:blipFill>
+          <a:blip r:embed="rId2"/>
+          <a:stretch>
+            <a:fillRect/>
+          </a:stretch>
+        </p:blipFill>
+        <p:spPr>
+          <a:xfrm>
+            <a:off x="6867344" y="2222500"/>
+            <a:ext cx="3835761" cy="3638550"/>
+          </a:xfrm>
+          <a:prstGeom prst="rect">
+            <a:avLst/>
+          </a:prstGeom>
+        </p:spPr>
+      </p:pic>
+      <p:sp>
+        <p:nvSpPr>
+          <p:cNvPr id="6" name="Inhaltsplatzhalter 2"/>
+          <p:cNvSpPr txBox="1">
+            <a:spLocks/>
+          </p:cNvSpPr>
+          <p:nvPr/>
+        </p:nvSpPr>
+        <p:spPr>
+          <a:xfrm>
+            <a:off x="6625463" y="2222287"/>
+            <a:ext cx="5185873" cy="3638763"/>
+          </a:xfrm>
+          <a:prstGeom prst="rect">
+            <a:avLst/>
+          </a:prstGeom>
+          <a:effectLst>
+            <a:outerShdw blurRad="50800" dir="14400000">
+              <a:srgbClr val="000000">
+                <a:alpha val="40000"/>
+              </a:srgbClr>
+            </a:outerShdw>
+          </a:effectLst>
+        </p:spPr>
+        <p:txBody>
+          <a:bodyPr vert="horz" lIns="91440" tIns="45720" rIns="91440" bIns="45720" rtlCol="0" anchor="ctr">
+            <a:normAutofit/>
+          </a:bodyPr>
+          <a:lstStyle>
+            <a:lvl1pPr marL="342900" indent="-342900" algn="l" defTabSz="457200" rtl="0" eaLnBrk="1" latinLnBrk="0" hangingPunct="1">
+              <a:spcBef>
+                <a:spcPct val="20000"/>
+              </a:spcBef>
+              <a:spcAft>
+                <a:spcPts val="600"/>
+              </a:spcAft>
+              <a:buClr>
+                <a:schemeClr val="accent1"/>
+              </a:buClr>
+              <a:buFont typeface="Wingdings 2" charset="2"/>
+              <a:buChar char=""/>
+              <a:defRPr sz="1800" kern="1200">
+                <a:solidFill>
+                  <a:schemeClr val="tx1"/>
+                </a:solidFill>
+                <a:latin typeface="+mn-lt"/>
+                <a:ea typeface="+mn-ea"/>
+                <a:cs typeface="+mn-cs"/>
+              </a:defRPr>
+            </a:lvl1pPr>
+            <a:lvl2pPr marL="742950" indent="-285750" algn="l" defTabSz="457200" rtl="0" eaLnBrk="1" latinLnBrk="0" hangingPunct="1">
+              <a:spcBef>
+                <a:spcPct val="20000"/>
+              </a:spcBef>
+              <a:spcAft>
+                <a:spcPts val="600"/>
+              </a:spcAft>
+              <a:buClr>
+                <a:schemeClr val="accent1"/>
+              </a:buClr>
+              <a:buFont typeface="Wingdings 2" charset="2"/>
+              <a:buChar char=""/>
+              <a:defRPr sz="1600" kern="1200">
+                <a:solidFill>
+                  <a:schemeClr val="tx1"/>
+                </a:solidFill>
+                <a:latin typeface="+mn-lt"/>
+                <a:ea typeface="+mn-ea"/>
+                <a:cs typeface="+mn-cs"/>
+              </a:defRPr>
+            </a:lvl2pPr>
+            <a:lvl3pPr marL="1143000" indent="-228600" algn="l" defTabSz="457200" rtl="0" eaLnBrk="1" latinLnBrk="0" hangingPunct="1">
+              <a:spcBef>
+                <a:spcPct val="20000"/>
+              </a:spcBef>
+              <a:spcAft>
+                <a:spcPts val="600"/>
+              </a:spcAft>
+              <a:buClr>
+                <a:schemeClr val="accent1"/>
+              </a:buClr>
+              <a:buFont typeface="Wingdings 2" charset="2"/>
+              <a:buChar char=""/>
+              <a:defRPr sz="1400" kern="1200">
+                <a:solidFill>
+                  <a:schemeClr val="tx1"/>
+                </a:solidFill>
+                <a:latin typeface="+mn-lt"/>
+                <a:ea typeface="+mn-ea"/>
+                <a:cs typeface="+mn-cs"/>
+              </a:defRPr>
+            </a:lvl3pPr>
+            <a:lvl4pPr marL="1600200" indent="-228600" algn="l" defTabSz="457200" rtl="0" eaLnBrk="1" latinLnBrk="0" hangingPunct="1">
+              <a:spcBef>
+                <a:spcPct val="20000"/>
+              </a:spcBef>
+              <a:spcAft>
+                <a:spcPts val="600"/>
+              </a:spcAft>
+              <a:buClr>
+                <a:schemeClr val="accent1"/>
+              </a:buClr>
+              <a:buFont typeface="Wingdings 2" charset="2"/>
+              <a:buChar char=""/>
+              <a:defRPr sz="1200" kern="1200">
+                <a:solidFill>
+                  <a:schemeClr val="tx1"/>
+                </a:solidFill>
+                <a:latin typeface="+mn-lt"/>
+                <a:ea typeface="+mn-ea"/>
+                <a:cs typeface="+mn-cs"/>
+              </a:defRPr>
+            </a:lvl4pPr>
+            <a:lvl5pPr marL="2057400" indent="-228600" algn="l" defTabSz="457200" rtl="0" eaLnBrk="1" latinLnBrk="0" hangingPunct="1">
+              <a:spcBef>
+                <a:spcPct val="20000"/>
+              </a:spcBef>
+              <a:spcAft>
+                <a:spcPts val="600"/>
+              </a:spcAft>
+              <a:buClr>
+                <a:schemeClr val="accent1"/>
+              </a:buClr>
+              <a:buFont typeface="Wingdings 2" charset="2"/>
+              <a:buChar char=""/>
+              <a:defRPr sz="1200" kern="1200">
+                <a:solidFill>
+                  <a:schemeClr val="tx1"/>
+                </a:solidFill>
+                <a:latin typeface="+mn-lt"/>
+                <a:ea typeface="+mn-ea"/>
+                <a:cs typeface="+mn-cs"/>
+              </a:defRPr>
+            </a:lvl5pPr>
+            <a:lvl6pPr marL="2400000" indent="-228600" algn="l" defTabSz="457200" rtl="0" eaLnBrk="1" latinLnBrk="0" hangingPunct="1">
+              <a:spcBef>
+                <a:spcPct val="20000"/>
+              </a:spcBef>
+              <a:spcAft>
+                <a:spcPts val="600"/>
+              </a:spcAft>
+              <a:buClr>
+                <a:schemeClr val="accent1"/>
+              </a:buClr>
+              <a:buFont typeface="Wingdings 2" charset="2"/>
+              <a:buChar char=""/>
+              <a:defRPr sz="1200" kern="1200">
+                <a:solidFill>
+                  <a:schemeClr val="tx1"/>
+                </a:solidFill>
+                <a:latin typeface="+mn-lt"/>
+                <a:ea typeface="+mn-ea"/>
+                <a:cs typeface="+mn-cs"/>
+              </a:defRPr>
+            </a:lvl6pPr>
+            <a:lvl7pPr marL="2800000" indent="-228600" algn="l" defTabSz="457200" rtl="0" eaLnBrk="1" latinLnBrk="0" hangingPunct="1">
+              <a:spcBef>
+                <a:spcPct val="20000"/>
+              </a:spcBef>
+              <a:spcAft>
+                <a:spcPts val="600"/>
+              </a:spcAft>
+              <a:buClr>
+                <a:schemeClr val="accent1"/>
+              </a:buClr>
+              <a:buFont typeface="Wingdings 2" charset="2"/>
+              <a:buChar char=""/>
+              <a:defRPr sz="1200" kern="1200">
+                <a:solidFill>
+                  <a:schemeClr val="tx1"/>
+                </a:solidFill>
+                <a:latin typeface="+mn-lt"/>
+                <a:ea typeface="+mn-ea"/>
+                <a:cs typeface="+mn-cs"/>
+              </a:defRPr>
+            </a:lvl7pPr>
+            <a:lvl8pPr marL="3200000" indent="-228600" algn="l" defTabSz="457200" rtl="0" eaLnBrk="1" latinLnBrk="0" hangingPunct="1">
+              <a:spcBef>
+                <a:spcPct val="20000"/>
+              </a:spcBef>
+              <a:spcAft>
+                <a:spcPts val="600"/>
+              </a:spcAft>
+              <a:buClr>
+                <a:schemeClr val="accent1"/>
+              </a:buClr>
+              <a:buFont typeface="Wingdings 2" charset="2"/>
+              <a:buChar char=""/>
+              <a:defRPr sz="1200" kern="1200">
+                <a:solidFill>
+                  <a:schemeClr val="tx1"/>
+                </a:solidFill>
+                <a:latin typeface="+mn-lt"/>
+                <a:ea typeface="+mn-ea"/>
+                <a:cs typeface="+mn-cs"/>
+              </a:defRPr>
+            </a:lvl8pPr>
+            <a:lvl9pPr marL="3600000" indent="-228600" algn="l" defTabSz="457200" rtl="0" eaLnBrk="1" latinLnBrk="0" hangingPunct="1">
+              <a:spcBef>
+                <a:spcPct val="20000"/>
+              </a:spcBef>
+              <a:spcAft>
+                <a:spcPts val="600"/>
+              </a:spcAft>
+              <a:buClr>
+                <a:schemeClr val="accent1"/>
+              </a:buClr>
+              <a:buFont typeface="Wingdings 2" charset="2"/>
+              <a:buChar char=""/>
+              <a:defRPr sz="1200" kern="1200">
+                <a:solidFill>
+                  <a:schemeClr val="tx1"/>
+                </a:solidFill>
+                <a:latin typeface="+mn-lt"/>
+                <a:ea typeface="+mn-ea"/>
+                <a:cs typeface="+mn-cs"/>
+              </a:defRPr>
+            </a:lvl9pPr>
+          </a:lstStyle>
+          <a:p>
+            <a:pPr marL="0" indent="0">
+              <a:buNone/>
+            </a:pPr>
+            <a:r>
+              <a:rPr lang="en-US" dirty="0"/>
+              <a:t>i</a:t>
+            </a:r>
+            <a:r>
+              <a:rPr lang="en-US" dirty="0" smtClean="0"/>
+              <a:t>wssample.exe Martin</a:t>
+            </a:r>
+          </a:p>
+          <a:p>
+            <a:pPr marL="0" indent="0">
+              <a:buNone/>
+            </a:pPr>
+            <a:r>
+              <a:rPr lang="en-US" dirty="0" smtClean="0"/>
+              <a:t>-&gt; Hallo Martin. How are you</a:t>
+            </a:r>
+            <a:endParaRPr lang="de-DE" dirty="0"/>
+          </a:p>
+        </p:txBody>
+      </p:sp>
+    </p:spTree>
+    <p:extLst>
+      <p:ext uri="{BB962C8B-B14F-4D97-AF65-F5344CB8AC3E}">
+        <p14:creationId xmlns:p14="http://schemas.microsoft.com/office/powerpoint/2010/main" val="4290365639"/>
+      </p:ext>
+    </p:extLst>
+  </p:cSld>
+  <p:clrMapOvr>
+    <a:masterClrMapping/>
+  </p:clrMapOvr>
+  <p:timing>
+    <p:tnLst>
+      <p:par>
+        <p:cTn id="1" dur="indefinite" restart="never" nodeType="tmRoot">
+          <p:childTnLst>
+            <p:seq concurrent="1" nextAc="seek">
+              <p:cTn id="2" dur="indefinite" nodeType="mainSeq">
+                <p:childTnLst>
+                  <p:par>
+                    <p:cTn id="3" fill="hold">
+                      <p:stCondLst>
+                        <p:cond delay="indefinite"/>
+                      </p:stCondLst>
+                      <p:childTnLst>
+                        <p:par>
+                          <p:cTn id="4" fill="hold">
+                            <p:stCondLst>
+                              <p:cond delay="0"/>
+                            </p:stCondLst>
+                            <p:childTnLst>
+                              <p:par>
+                                <p:cTn id="5" presetID="35" presetClass="path" presetSubtype="0" accel="50000" decel="50000" fill="hold" nodeType="clickEffect">
+                                  <p:stCondLst>
+                                    <p:cond delay="0"/>
+                                  </p:stCondLst>
+                                  <p:childTnLst>
+                                    <p:animMotion origin="layout" path="M -2.91667E-6 -1.85185E-6 L -0.52461 -0.00254 " pathEditMode="relative" rAng="0" ptsTypes="AA">
+                                      <p:cBhvr>
+                                        <p:cTn id="6" dur="1500" fill="hold"/>
+                                        <p:tgtEl>
+                                          <p:spTgt spid="5"/>
+                                        </p:tgtEl>
+                                        <p:attrNameLst>
+                                          <p:attrName>ppt_x</p:attrName>
+                                          <p:attrName>ppt_y</p:attrName>
+                                        </p:attrNameLst>
+                                      </p:cBhvr>
+                                      <p:rCtr x="-26237" y="-139"/>
+                                    </p:animMotion>
+                                  </p:childTnLst>
+                                </p:cTn>
+                              </p:par>
+                              <p:par>
+                                <p:cTn id="7" presetID="2" presetClass="entr" presetSubtype="2" fill="hold" grpId="0" nodeType="withEffect">
+                                  <p:stCondLst>
+                                    <p:cond delay="500"/>
+                                  </p:stCondLst>
+                                  <p:childTnLst>
+                                    <p:set>
+                                      <p:cBhvr>
+                                        <p:cTn id="8" dur="1" fill="hold">
+                                          <p:stCondLst>
+                                            <p:cond delay="0"/>
+                                          </p:stCondLst>
+                                        </p:cTn>
+                                        <p:tgtEl>
+                                          <p:spTgt spid="6"/>
+                                        </p:tgtEl>
+                                        <p:attrNameLst>
+                                          <p:attrName>style.visibility</p:attrName>
+                                        </p:attrNameLst>
+                                      </p:cBhvr>
+                                      <p:to>
+                                        <p:strVal val="visible"/>
+                                      </p:to>
+                                    </p:set>
+                                    <p:anim calcmode="lin" valueType="num">
+                                      <p:cBhvr additive="base">
+                                        <p:cTn id="9" dur="1000" fill="hold"/>
+                                        <p:tgtEl>
+                                          <p:spTgt spid="6"/>
+                                        </p:tgtEl>
+                                        <p:attrNameLst>
+                                          <p:attrName>ppt_x</p:attrName>
+                                        </p:attrNameLst>
+                                      </p:cBhvr>
+                                      <p:tavLst>
+                                        <p:tav tm="0">
+                                          <p:val>
+                                            <p:strVal val="1+#ppt_w/2"/>
+                                          </p:val>
+                                        </p:tav>
+                                        <p:tav tm="100000">
+                                          <p:val>
+                                            <p:strVal val="#ppt_x"/>
+                                          </p:val>
+                                        </p:tav>
+                                      </p:tavLst>
+                                    </p:anim>
+                                    <p:anim calcmode="lin" valueType="num">
+                                      <p:cBhvr additive="base">
+                                        <p:cTn id="10" dur="1000" fill="hold"/>
+                                        <p:tgtEl>
+                                          <p:spTgt spid="6"/>
+                                        </p:tgtEl>
+                                        <p:attrNameLst>
+                                          <p:attrName>ppt_y</p:attrName>
+                                        </p:attrNameLst>
+                                      </p:cBhvr>
+                                      <p:tavLst>
+                                        <p:tav tm="0">
+                                          <p:val>
+                                            <p:strVal val="#ppt_y"/>
+                                          </p:val>
+                                        </p:tav>
+                                        <p:tav tm="100000">
+                                          <p:val>
+                                            <p:strVal val="#ppt_y"/>
+                                          </p:val>
+                                        </p:tav>
+                                      </p:tavLst>
+                                    </p:anim>
+                                  </p:childTnLst>
+                                </p:cTn>
+                              </p:par>
+                            </p:childTnLst>
+                          </p:cTn>
+                        </p:par>
+                      </p:childTnLst>
+                    </p:cTn>
+                  </p:par>
+                </p:childTnLst>
+              </p:cTn>
+              <p:prevCondLst>
+                <p:cond evt="onPrev" delay="0">
+                  <p:tgtEl>
+                    <p:sldTgt/>
+                  </p:tgtEl>
+                </p:cond>
+              </p:prevCondLst>
+              <p:nextCondLst>
+                <p:cond evt="onNext" delay="0">
+                  <p:tgtEl>
+                    <p:sldTgt/>
+                  </p:tgtEl>
+                </p:cond>
+              </p:nextCondLst>
+            </p:seq>
+          </p:childTnLst>
+        </p:cTn>
+      </p:par>
+    </p:tnLst>
+    <p:bldLst>
+      <p:bldP spid="6" grpId="0"/>
+    </p:bldLst>
+  </p:timing>
 </p:sld>
 </file>
 

--- a/presentation/Golang.pptx
+++ b/presentation/Golang.pptx
@@ -9,6 +9,17 @@
     <p:sldId id="257" r:id="rId3"/>
     <p:sldId id="258" r:id="rId4"/>
     <p:sldId id="259" r:id="rId5"/>
+    <p:sldId id="260" r:id="rId6"/>
+    <p:sldId id="268" r:id="rId7"/>
+    <p:sldId id="270" r:id="rId8"/>
+    <p:sldId id="261" r:id="rId9"/>
+    <p:sldId id="264" r:id="rId10"/>
+    <p:sldId id="265" r:id="rId11"/>
+    <p:sldId id="269" r:id="rId12"/>
+    <p:sldId id="263" r:id="rId13"/>
+    <p:sldId id="262" r:id="rId14"/>
+    <p:sldId id="266" r:id="rId15"/>
+    <p:sldId id="267" r:id="rId16"/>
   </p:sldIdLst>
   <p:sldSz cx="12192000" cy="6858000"/>
   <p:notesSz cx="6858000" cy="9144000"/>
@@ -107,6 +118,11 @@
       </a:defRPr>
     </a:lvl9pPr>
   </p:defaultTextStyle>
+  <p:extLst>
+    <p:ext uri="{EFAFB233-063F-42B5-8137-9DF3F51BA10A}">
+      <p15:sldGuideLst xmlns:p15="http://schemas.microsoft.com/office/powerpoint/2012/main"/>
+    </p:ext>
+  </p:extLst>
 </p:presentation>
 </file>
 
@@ -396,9 +412,9 @@
           <a:lstStyle/>
           <a:p>
             <a:fld id="{08B9EBBA-996F-894A-B54A-D6246ED52CEA}" type="datetimeFigureOut">
-              <a:rPr lang="en-US" dirty="0"/>
+              <a:rPr lang="en-US"/>
               <a:pPr/>
-              <a:t>12/12/2015</a:t>
+              <a:t>12/17/2015</a:t>
             </a:fld>
             <a:endParaRPr lang="en-US" dirty="0"/>
           </a:p>
@@ -439,7 +455,7 @@
           <a:lstStyle/>
           <a:p>
             <a:fld id="{D57F1E4F-1CFF-5643-939E-217C01CDF565}" type="slidenum">
-              <a:rPr lang="en-US" dirty="0"/>
+              <a:rPr lang="en-US"/>
               <a:pPr/>
               <a:t>‹Nr.›</a:t>
             </a:fld>
@@ -621,7 +637,7 @@
           </a:lstStyle>
           <a:p>
             <a:r>
-              <a:rPr lang="de-DE" smtClean="0"/>
+              <a:rPr lang="de-DE" dirty="0" smtClean="0"/>
               <a:t>Bild durch Klicken auf Symbol hinzufügen</a:t>
             </a:r>
             <a:endParaRPr lang="en-US" dirty="0"/>
@@ -711,9 +727,9 @@
           <a:lstStyle/>
           <a:p>
             <a:fld id="{18C79C5D-2A6F-F04D-97DA-BEF2467B64E4}" type="datetimeFigureOut">
-              <a:rPr lang="en-US" dirty="0"/>
+              <a:rPr lang="en-US"/>
               <a:pPr/>
-              <a:t>12/12/2015</a:t>
+              <a:t>12/17/2015</a:t>
             </a:fld>
             <a:endParaRPr lang="en-US" dirty="0"/>
           </a:p>
@@ -754,7 +770,7 @@
           <a:lstStyle/>
           <a:p>
             <a:fld id="{D57F1E4F-1CFF-5643-939E-217C01CDF565}" type="slidenum">
-              <a:rPr lang="en-US" dirty="0"/>
+              <a:rPr lang="en-US"/>
               <a:pPr/>
               <a:t>‹Nr.›</a:t>
             </a:fld>
@@ -1196,9 +1212,9 @@
           <a:lstStyle/>
           <a:p>
             <a:fld id="{8DFA1846-DA80-1C48-A609-854EA85C59AD}" type="datetimeFigureOut">
-              <a:rPr lang="en-US" dirty="0"/>
+              <a:rPr lang="en-US"/>
               <a:pPr/>
-              <a:t>12/12/2015</a:t>
+              <a:t>12/17/2015</a:t>
             </a:fld>
             <a:endParaRPr lang="en-US" dirty="0"/>
           </a:p>
@@ -1239,7 +1255,7 @@
           <a:lstStyle/>
           <a:p>
             <a:fld id="{D57F1E4F-1CFF-5643-939E-217C01CDF565}" type="slidenum">
-              <a:rPr lang="en-US" dirty="0"/>
+              <a:rPr lang="en-US"/>
               <a:pPr/>
               <a:t>‹Nr.›</a:t>
             </a:fld>
@@ -1562,9 +1578,9 @@
           <a:lstStyle/>
           <a:p>
             <a:fld id="{FBF54567-0DE4-3F47-BF90-CB84690072F9}" type="datetimeFigureOut">
-              <a:rPr lang="en-US" dirty="0"/>
+              <a:rPr lang="en-US"/>
               <a:pPr/>
-              <a:t>12/12/2015</a:t>
+              <a:t>12/17/2015</a:t>
             </a:fld>
             <a:endParaRPr lang="en-US" dirty="0"/>
           </a:p>
@@ -1605,7 +1621,7 @@
           <a:lstStyle/>
           <a:p>
             <a:fld id="{D57F1E4F-1CFF-5643-939E-217C01CDF565}" type="slidenum">
-              <a:rPr lang="en-US" dirty="0"/>
+              <a:rPr lang="en-US"/>
               <a:pPr/>
               <a:t>‹Nr.›</a:t>
             </a:fld>
@@ -1832,9 +1848,9 @@
           <a:lstStyle/>
           <a:p>
             <a:fld id="{C6C52C72-DE31-F449-A4ED-4C594FD91407}" type="datetimeFigureOut">
-              <a:rPr lang="en-US" dirty="0"/>
+              <a:rPr lang="en-US"/>
               <a:pPr/>
-              <a:t>12/12/2015</a:t>
+              <a:t>12/17/2015</a:t>
             </a:fld>
             <a:endParaRPr lang="en-US" dirty="0"/>
           </a:p>
@@ -1875,7 +1891,7 @@
           <a:lstStyle/>
           <a:p>
             <a:fld id="{D57F1E4F-1CFF-5643-939E-217C01CDF565}" type="slidenum">
-              <a:rPr lang="en-US" dirty="0"/>
+              <a:rPr lang="en-US"/>
               <a:pPr/>
               <a:t>‹Nr.›</a:t>
             </a:fld>
@@ -2114,9 +2130,9 @@
           <a:lstStyle/>
           <a:p>
             <a:fld id="{ED62726E-379B-B349-9EED-81ED093FA806}" type="datetimeFigureOut">
-              <a:rPr lang="en-US" dirty="0"/>
+              <a:rPr lang="en-US"/>
               <a:pPr/>
-              <a:t>12/12/2015</a:t>
+              <a:t>12/17/2015</a:t>
             </a:fld>
             <a:endParaRPr lang="en-US" dirty="0"/>
           </a:p>
@@ -2157,7 +2173,7 @@
           <a:lstStyle/>
           <a:p>
             <a:fld id="{D57F1E4F-1CFF-5643-939E-217C01CDF565}" type="slidenum">
-              <a:rPr lang="en-US" dirty="0"/>
+              <a:rPr lang="en-US"/>
               <a:pPr/>
               <a:t>‹Nr.›</a:t>
             </a:fld>
@@ -2394,9 +2410,9 @@
           <a:lstStyle/>
           <a:p>
             <a:fld id="{9B3A1323-8D79-1946-B0D7-40001CF92E9D}" type="datetimeFigureOut">
-              <a:rPr lang="en-US" dirty="0"/>
+              <a:rPr lang="en-US"/>
               <a:pPr/>
-              <a:t>12/12/2015</a:t>
+              <a:t>12/17/2015</a:t>
             </a:fld>
             <a:endParaRPr lang="en-US" dirty="0"/>
           </a:p>
@@ -2437,7 +2453,7 @@
           <a:lstStyle/>
           <a:p>
             <a:fld id="{D57F1E4F-1CFF-5643-939E-217C01CDF565}" type="slidenum">
-              <a:rPr lang="en-US" dirty="0"/>
+              <a:rPr lang="en-US"/>
               <a:pPr/>
               <a:t>‹Nr.›</a:t>
             </a:fld>
@@ -2734,9 +2750,9 @@
           <a:lstStyle/>
           <a:p>
             <a:fld id="{8DFA1846-DA80-1C48-A609-854EA85C59AD}" type="datetimeFigureOut">
-              <a:rPr lang="en-US" dirty="0"/>
+              <a:rPr lang="en-US"/>
               <a:pPr/>
-              <a:t>12/12/2015</a:t>
+              <a:t>12/17/2015</a:t>
             </a:fld>
             <a:endParaRPr lang="en-US" dirty="0"/>
           </a:p>
@@ -2777,7 +2793,7 @@
           <a:lstStyle/>
           <a:p>
             <a:fld id="{D57F1E4F-1CFF-5643-939E-217C01CDF565}" type="slidenum">
-              <a:rPr lang="en-US" dirty="0"/>
+              <a:rPr lang="en-US"/>
               <a:pPr/>
               <a:t>‹Nr.›</a:t>
             </a:fld>
@@ -3070,9 +3086,9 @@
           <a:lstStyle/>
           <a:p>
             <a:fld id="{57302355-E14B-8545-A8F8-0FE83CC9D524}" type="datetimeFigureOut">
-              <a:rPr lang="en-US" dirty="0"/>
+              <a:rPr lang="en-US"/>
               <a:pPr/>
-              <a:t>12/12/2015</a:t>
+              <a:t>12/17/2015</a:t>
             </a:fld>
             <a:endParaRPr lang="en-US" dirty="0"/>
           </a:p>
@@ -3113,7 +3129,7 @@
           <a:lstStyle/>
           <a:p>
             <a:fld id="{D57F1E4F-1CFF-5643-939E-217C01CDF565}" type="slidenum">
-              <a:rPr lang="en-US" dirty="0"/>
+              <a:rPr lang="en-US"/>
               <a:pPr/>
               <a:t>‹Nr.›</a:t>
             </a:fld>
@@ -3544,9 +3560,9 @@
           <a:lstStyle/>
           <a:p>
             <a:fld id="{02640F58-564D-2B4F-AE67-E407BA4FCF45}" type="datetimeFigureOut">
-              <a:rPr lang="en-US" dirty="0"/>
+              <a:rPr lang="en-US"/>
               <a:pPr/>
-              <a:t>12/12/2015</a:t>
+              <a:t>12/17/2015</a:t>
             </a:fld>
             <a:endParaRPr lang="en-US" dirty="0"/>
           </a:p>
@@ -3587,7 +3603,7 @@
           <a:lstStyle/>
           <a:p>
             <a:fld id="{D57F1E4F-1CFF-5643-939E-217C01CDF565}" type="slidenum">
-              <a:rPr lang="en-US" dirty="0"/>
+              <a:rPr lang="en-US"/>
               <a:pPr/>
               <a:t>‹Nr.›</a:t>
             </a:fld>
@@ -3762,9 +3778,9 @@
           <a:lstStyle/>
           <a:p>
             <a:fld id="{F13A34C8-038E-2045-AF43-DF7DBB8E0E9E}" type="datetimeFigureOut">
-              <a:rPr lang="en-US" dirty="0"/>
+              <a:rPr lang="en-US"/>
               <a:pPr/>
-              <a:t>12/12/2015</a:t>
+              <a:t>12/17/2015</a:t>
             </a:fld>
             <a:endParaRPr lang="en-US" dirty="0"/>
           </a:p>
@@ -3805,7 +3821,7 @@
           <a:lstStyle/>
           <a:p>
             <a:fld id="{D57F1E4F-1CFF-5643-939E-217C01CDF565}" type="slidenum">
-              <a:rPr lang="en-US" dirty="0"/>
+              <a:rPr lang="en-US"/>
               <a:pPr/>
               <a:t>‹Nr.›</a:t>
             </a:fld>
@@ -3854,9 +3870,9 @@
           <a:lstStyle/>
           <a:p>
             <a:fld id="{8818C68F-D26B-8F47-958C-23B49CF8A634}" type="datetimeFigureOut">
-              <a:rPr lang="en-US" dirty="0"/>
+              <a:rPr lang="en-US"/>
               <a:pPr/>
-              <a:t>12/12/2015</a:t>
+              <a:t>12/17/2015</a:t>
             </a:fld>
             <a:endParaRPr lang="en-US" dirty="0"/>
           </a:p>
@@ -3897,7 +3913,7 @@
           <a:lstStyle/>
           <a:p>
             <a:fld id="{D57F1E4F-1CFF-5643-939E-217C01CDF565}" type="slidenum">
-              <a:rPr lang="en-US" dirty="0"/>
+              <a:rPr lang="en-US"/>
               <a:pPr/>
               <a:t>‹Nr.›</a:t>
             </a:fld>
@@ -4318,9 +4334,9 @@
           <a:lstStyle/>
           <a:p>
             <a:fld id="{D0DF5E60-9974-AC48-9591-99C2BB44B7CF}" type="datetimeFigureOut">
-              <a:rPr lang="en-US" dirty="0"/>
+              <a:rPr lang="en-US"/>
               <a:pPr/>
-              <a:t>12/12/2015</a:t>
+              <a:t>12/17/2015</a:t>
             </a:fld>
             <a:endParaRPr lang="en-US" dirty="0"/>
           </a:p>
@@ -4361,7 +4377,7 @@
           <a:lstStyle/>
           <a:p>
             <a:fld id="{D57F1E4F-1CFF-5643-939E-217C01CDF565}" type="slidenum">
-              <a:rPr lang="en-US" dirty="0"/>
+              <a:rPr lang="en-US"/>
               <a:pPr/>
               <a:t>‹Nr.›</a:t>
             </a:fld>
@@ -4533,7 +4549,7 @@
           </a:lstStyle>
           <a:p>
             <a:r>
-              <a:rPr lang="de-DE" smtClean="0"/>
+              <a:rPr lang="de-DE" dirty="0" smtClean="0"/>
               <a:t>Bild durch Klicken auf Symbol hinzufügen</a:t>
             </a:r>
             <a:endParaRPr lang="en-US" dirty="0"/>
@@ -4628,9 +4644,9 @@
           <a:lstStyle/>
           <a:p>
             <a:fld id="{18C79C5D-2A6F-F04D-97DA-BEF2467B64E4}" type="datetimeFigureOut">
-              <a:rPr lang="en-US" dirty="0"/>
+              <a:rPr lang="en-US"/>
               <a:pPr/>
-              <a:t>12/12/2015</a:t>
+              <a:t>12/17/2015</a:t>
             </a:fld>
             <a:endParaRPr lang="en-US" dirty="0"/>
           </a:p>
@@ -4681,7 +4697,7 @@
           <a:lstStyle/>
           <a:p>
             <a:fld id="{D57F1E4F-1CFF-5643-939E-217C01CDF565}" type="slidenum">
-              <a:rPr lang="en-US" dirty="0"/>
+              <a:rPr lang="en-US"/>
               <a:pPr/>
               <a:t>‹Nr.›</a:t>
             </a:fld>
@@ -4895,9 +4911,9 @@
           </a:lstStyle>
           <a:p>
             <a:fld id="{09B482E8-6E0E-1B4F-B1FD-C69DB9E858D9}" type="datetimeFigureOut">
-              <a:rPr lang="en-US" dirty="0"/>
+              <a:rPr lang="en-US"/>
               <a:pPr/>
-              <a:t>12/12/2015</a:t>
+              <a:t>12/17/2015</a:t>
             </a:fld>
             <a:endParaRPr lang="en-US" dirty="0"/>
           </a:p>
@@ -4935,7 +4951,7 @@
           </a:lstStyle>
           <a:p>
             <a:fld id="{D57F1E4F-1CFF-5643-939E-217C01CDF565}" type="slidenum">
-              <a:rPr lang="en-US" dirty="0"/>
+              <a:rPr lang="en-US"/>
               <a:pPr/>
               <a:t>‹Nr.›</a:t>
             </a:fld>
@@ -5359,7 +5375,7 @@
           <a:lstStyle/>
           <a:p>
             <a:r>
-              <a:rPr lang="en-US" dirty="0" err="1" smtClean="0"/>
+              <a:rPr lang="de-DE" dirty="0" smtClean="0"/>
               <a:t>Golang</a:t>
             </a:r>
             <a:endParaRPr lang="de-DE" dirty="0"/>
@@ -5382,12 +5398,8 @@
           <a:lstStyle/>
           <a:p>
             <a:r>
-              <a:rPr lang="en-US" dirty="0" err="1" smtClean="0"/>
-              <a:t>Maritn</a:t>
-            </a:r>
-            <a:r>
               <a:rPr lang="en-US" dirty="0" smtClean="0"/>
-              <a:t> Starman</a:t>
+              <a:t>Martin Starman</a:t>
             </a:r>
             <a:endParaRPr lang="de-DE" dirty="0"/>
           </a:p>
@@ -5397,6 +5409,1516 @@
     <p:extLst>
       <p:ext uri="{BB962C8B-B14F-4D97-AF65-F5344CB8AC3E}">
         <p14:creationId xmlns:p14="http://schemas.microsoft.com/office/powerpoint/2010/main" val="668118672"/>
+      </p:ext>
+    </p:extLst>
+  </p:cSld>
+  <p:clrMapOvr>
+    <a:masterClrMapping/>
+  </p:clrMapOvr>
+  <p:timing>
+    <p:tnLst>
+      <p:par>
+        <p:cTn id="1" dur="indefinite" restart="never" nodeType="tmRoot"/>
+      </p:par>
+    </p:tnLst>
+  </p:timing>
+</p:sld>
+</file>
+
+<file path=ppt/slides/slide10.xml><?xml version="1.0" encoding="utf-8"?>
+<p:sld xmlns:a="http://schemas.openxmlformats.org/drawingml/2006/main" xmlns:r="http://schemas.openxmlformats.org/officeDocument/2006/relationships" xmlns:p="http://schemas.openxmlformats.org/presentationml/2006/main">
+  <p:cSld>
+    <p:spTree>
+      <p:nvGrpSpPr>
+        <p:cNvPr id="1" name=""/>
+        <p:cNvGrpSpPr/>
+        <p:nvPr/>
+      </p:nvGrpSpPr>
+      <p:grpSpPr>
+        <a:xfrm>
+          <a:off x="0" y="0"/>
+          <a:ext cx="0" cy="0"/>
+          <a:chOff x="0" y="0"/>
+          <a:chExt cx="0" cy="0"/>
+        </a:xfrm>
+      </p:grpSpPr>
+      <p:sp>
+        <p:nvSpPr>
+          <p:cNvPr id="5" name="Inhaltsplatzhalter 3"/>
+          <p:cNvSpPr>
+            <a:spLocks noGrp="1"/>
+          </p:cNvSpPr>
+          <p:nvPr>
+            <p:ph sz="half" idx="1"/>
+          </p:nvPr>
+        </p:nvSpPr>
+        <p:spPr/>
+        <p:txBody>
+          <a:bodyPr/>
+          <a:lstStyle/>
+          <a:p>
+            <a:r>
+              <a:rPr lang="de-DE" dirty="0" smtClean="0"/>
+              <a:t>[]</a:t>
+            </a:r>
+            <a:r>
+              <a:rPr lang="de-DE" dirty="0" err="1" smtClean="0">
+                <a:solidFill>
+                  <a:schemeClr val="accent4">
+                    <a:lumMod val="75000"/>
+                  </a:schemeClr>
+                </a:solidFill>
+              </a:rPr>
+              <a:t>string</a:t>
+            </a:r>
+            <a:r>
+              <a:rPr lang="de-DE" dirty="0" smtClean="0">
+                <a:solidFill>
+                  <a:schemeClr val="accent4">
+                    <a:lumMod val="75000"/>
+                  </a:schemeClr>
+                </a:solidFill>
+              </a:rPr>
+              <a:t> </a:t>
+            </a:r>
+            <a:r>
+              <a:rPr lang="de-DE" dirty="0" smtClean="0"/>
+              <a:t>(Slice)</a:t>
+            </a:r>
+            <a:endParaRPr lang="de-DE" dirty="0" smtClean="0">
+              <a:solidFill>
+                <a:schemeClr val="accent4">
+                  <a:lumMod val="75000"/>
+                </a:schemeClr>
+              </a:solidFill>
+            </a:endParaRPr>
+          </a:p>
+          <a:p>
+            <a:r>
+              <a:rPr lang="de-DE" dirty="0" smtClean="0"/>
+              <a:t>[3]</a:t>
+            </a:r>
+            <a:r>
+              <a:rPr lang="de-DE" dirty="0" err="1" smtClean="0">
+                <a:solidFill>
+                  <a:schemeClr val="accent4">
+                    <a:lumMod val="75000"/>
+                  </a:schemeClr>
+                </a:solidFill>
+              </a:rPr>
+              <a:t>string</a:t>
+            </a:r>
+            <a:r>
+              <a:rPr lang="de-DE" dirty="0" smtClean="0">
+                <a:solidFill>
+                  <a:schemeClr val="accent4">
+                    <a:lumMod val="75000"/>
+                  </a:schemeClr>
+                </a:solidFill>
+              </a:rPr>
+              <a:t> </a:t>
+            </a:r>
+            <a:r>
+              <a:rPr lang="de-DE" dirty="0" smtClean="0"/>
+              <a:t>(Array)</a:t>
+            </a:r>
+          </a:p>
+          <a:p>
+            <a:r>
+              <a:rPr lang="de-DE" dirty="0"/>
+              <a:t>b</a:t>
+            </a:r>
+            <a:r>
+              <a:rPr lang="de-DE" dirty="0" smtClean="0"/>
+              <a:t> := […]</a:t>
+            </a:r>
+            <a:r>
+              <a:rPr lang="de-DE" dirty="0" err="1" smtClean="0">
+                <a:solidFill>
+                  <a:schemeClr val="accent4">
+                    <a:lumMod val="75000"/>
+                  </a:schemeClr>
+                </a:solidFill>
+              </a:rPr>
+              <a:t>string</a:t>
+            </a:r>
+            <a:r>
+              <a:rPr lang="de-DE" dirty="0" smtClean="0"/>
+              <a:t>{</a:t>
+            </a:r>
+            <a:r>
+              <a:rPr lang="de-DE" dirty="0" smtClean="0">
+                <a:solidFill>
+                  <a:srgbClr val="FFC000"/>
+                </a:solidFill>
+              </a:rPr>
+              <a:t>„Hallo“</a:t>
+            </a:r>
+            <a:r>
+              <a:rPr lang="de-DE" dirty="0" smtClean="0"/>
+              <a:t>, </a:t>
+            </a:r>
+            <a:r>
+              <a:rPr lang="de-DE" dirty="0" smtClean="0">
+                <a:solidFill>
+                  <a:srgbClr val="FFC000"/>
+                </a:solidFill>
+              </a:rPr>
+              <a:t>„World“</a:t>
+            </a:r>
+            <a:r>
+              <a:rPr lang="de-DE" dirty="0" smtClean="0"/>
+              <a:t>} (Array)</a:t>
+            </a:r>
+          </a:p>
+          <a:p>
+            <a:r>
+              <a:rPr lang="de-DE" dirty="0" smtClean="0"/>
+              <a:t>a := b[0:1] (Slice)</a:t>
+            </a:r>
+            <a:endParaRPr lang="de-DE" dirty="0"/>
+          </a:p>
+        </p:txBody>
+      </p:sp>
+      <p:pic>
+        <p:nvPicPr>
+          <p:cNvPr id="9" name="Grafik 8"/>
+          <p:cNvPicPr>
+            <a:picLocks noChangeAspect="1"/>
+          </p:cNvPicPr>
+          <p:nvPr/>
+        </p:nvPicPr>
+        <p:blipFill>
+          <a:blip r:embed="rId2"/>
+          <a:stretch>
+            <a:fillRect/>
+          </a:stretch>
+        </p:blipFill>
+        <p:spPr>
+          <a:xfrm>
+            <a:off x="6004585" y="2338776"/>
+            <a:ext cx="5840283" cy="3939938"/>
+          </a:xfrm>
+          <a:prstGeom prst="rect">
+            <a:avLst/>
+          </a:prstGeom>
+        </p:spPr>
+      </p:pic>
+      <p:sp>
+        <p:nvSpPr>
+          <p:cNvPr id="2" name="Titel 1"/>
+          <p:cNvSpPr>
+            <a:spLocks noGrp="1"/>
+          </p:cNvSpPr>
+          <p:nvPr>
+            <p:ph type="title"/>
+          </p:nvPr>
+        </p:nvSpPr>
+        <p:spPr/>
+        <p:txBody>
+          <a:bodyPr/>
+          <a:lstStyle/>
+          <a:p>
+            <a:r>
+              <a:rPr lang="de-DE" dirty="0" smtClean="0"/>
+              <a:t>Array und Slices</a:t>
+            </a:r>
+            <a:endParaRPr lang="de-DE" dirty="0"/>
+          </a:p>
+        </p:txBody>
+      </p:sp>
+      <p:sp>
+        <p:nvSpPr>
+          <p:cNvPr id="4" name="Inhaltsplatzhalter 3"/>
+          <p:cNvSpPr>
+            <a:spLocks noGrp="1"/>
+          </p:cNvSpPr>
+          <p:nvPr>
+            <p:ph sz="half" idx="2"/>
+          </p:nvPr>
+        </p:nvSpPr>
+        <p:spPr/>
+        <p:txBody>
+          <a:bodyPr/>
+          <a:lstStyle/>
+          <a:p>
+            <a:pPr marL="0" indent="0">
+              <a:buNone/>
+            </a:pPr>
+            <a:r>
+              <a:rPr lang="de-DE" dirty="0" smtClean="0"/>
+              <a:t>-&gt; [Hallo Mannheim Wir lieben dich]</a:t>
+            </a:r>
+          </a:p>
+          <a:p>
+            <a:pPr marL="0" indent="0">
+              <a:buNone/>
+            </a:pPr>
+            <a:r>
+              <a:rPr lang="de-DE" dirty="0" smtClean="0"/>
+              <a:t>-&gt; [Hallo Mannheim], 2, 5</a:t>
+            </a:r>
+            <a:endParaRPr lang="de-DE" dirty="0"/>
+          </a:p>
+        </p:txBody>
+      </p:sp>
+    </p:spTree>
+    <p:extLst>
+      <p:ext uri="{BB962C8B-B14F-4D97-AF65-F5344CB8AC3E}">
+        <p14:creationId xmlns:p14="http://schemas.microsoft.com/office/powerpoint/2010/main" val="684120815"/>
+      </p:ext>
+    </p:extLst>
+  </p:cSld>
+  <p:clrMapOvr>
+    <a:masterClrMapping/>
+  </p:clrMapOvr>
+  <p:timing>
+    <p:tnLst>
+      <p:par>
+        <p:cTn id="1" dur="indefinite" restart="never" nodeType="tmRoot">
+          <p:childTnLst>
+            <p:seq concurrent="1" nextAc="seek">
+              <p:cTn id="2" dur="indefinite" nodeType="mainSeq">
+                <p:childTnLst>
+                  <p:par>
+                    <p:cTn id="3" fill="hold">
+                      <p:stCondLst>
+                        <p:cond delay="indefinite"/>
+                      </p:stCondLst>
+                      <p:childTnLst>
+                        <p:par>
+                          <p:cTn id="4" fill="hold">
+                            <p:stCondLst>
+                              <p:cond delay="0"/>
+                            </p:stCondLst>
+                            <p:childTnLst>
+                              <p:par>
+                                <p:cTn id="5" presetID="35" presetClass="path" presetSubtype="0" accel="50000" decel="50000" fill="hold" nodeType="clickEffect">
+                                  <p:stCondLst>
+                                    <p:cond delay="0"/>
+                                  </p:stCondLst>
+                                  <p:childTnLst>
+                                    <p:animMotion origin="layout" path="M -1.04167E-6 -7.40741E-7 L -0.45586 0.00208 " pathEditMode="relative" rAng="0" ptsTypes="AA">
+                                      <p:cBhvr>
+                                        <p:cTn id="6" dur="1500" fill="hold"/>
+                                        <p:tgtEl>
+                                          <p:spTgt spid="9"/>
+                                        </p:tgtEl>
+                                        <p:attrNameLst>
+                                          <p:attrName>ppt_x</p:attrName>
+                                          <p:attrName>ppt_y</p:attrName>
+                                        </p:attrNameLst>
+                                      </p:cBhvr>
+                                      <p:rCtr x="-22799" y="93"/>
+                                    </p:animMotion>
+                                  </p:childTnLst>
+                                </p:cTn>
+                              </p:par>
+                              <p:par>
+                                <p:cTn id="7" presetID="2" presetClass="entr" presetSubtype="2" fill="hold" grpId="0" nodeType="withEffect">
+                                  <p:stCondLst>
+                                    <p:cond delay="0"/>
+                                  </p:stCondLst>
+                                  <p:childTnLst>
+                                    <p:set>
+                                      <p:cBhvr>
+                                        <p:cTn id="8" dur="1" fill="hold">
+                                          <p:stCondLst>
+                                            <p:cond delay="0"/>
+                                          </p:stCondLst>
+                                        </p:cTn>
+                                        <p:tgtEl>
+                                          <p:spTgt spid="4">
+                                            <p:txEl>
+                                              <p:pRg st="0" end="0"/>
+                                            </p:txEl>
+                                          </p:spTgt>
+                                        </p:tgtEl>
+                                        <p:attrNameLst>
+                                          <p:attrName>style.visibility</p:attrName>
+                                        </p:attrNameLst>
+                                      </p:cBhvr>
+                                      <p:to>
+                                        <p:strVal val="visible"/>
+                                      </p:to>
+                                    </p:set>
+                                    <p:anim calcmode="lin" valueType="num">
+                                      <p:cBhvr additive="base">
+                                        <p:cTn id="9" dur="1000" fill="hold"/>
+                                        <p:tgtEl>
+                                          <p:spTgt spid="4">
+                                            <p:txEl>
+                                              <p:pRg st="0" end="0"/>
+                                            </p:txEl>
+                                          </p:spTgt>
+                                        </p:tgtEl>
+                                        <p:attrNameLst>
+                                          <p:attrName>ppt_x</p:attrName>
+                                        </p:attrNameLst>
+                                      </p:cBhvr>
+                                      <p:tavLst>
+                                        <p:tav tm="0">
+                                          <p:val>
+                                            <p:strVal val="1+#ppt_w/2"/>
+                                          </p:val>
+                                        </p:tav>
+                                        <p:tav tm="100000">
+                                          <p:val>
+                                            <p:strVal val="#ppt_x"/>
+                                          </p:val>
+                                        </p:tav>
+                                      </p:tavLst>
+                                    </p:anim>
+                                    <p:anim calcmode="lin" valueType="num">
+                                      <p:cBhvr additive="base">
+                                        <p:cTn id="10" dur="1000" fill="hold"/>
+                                        <p:tgtEl>
+                                          <p:spTgt spid="4">
+                                            <p:txEl>
+                                              <p:pRg st="0" end="0"/>
+                                            </p:txEl>
+                                          </p:spTgt>
+                                        </p:tgtEl>
+                                        <p:attrNameLst>
+                                          <p:attrName>ppt_y</p:attrName>
+                                        </p:attrNameLst>
+                                      </p:cBhvr>
+                                      <p:tavLst>
+                                        <p:tav tm="0">
+                                          <p:val>
+                                            <p:strVal val="#ppt_y"/>
+                                          </p:val>
+                                        </p:tav>
+                                        <p:tav tm="100000">
+                                          <p:val>
+                                            <p:strVal val="#ppt_y"/>
+                                          </p:val>
+                                        </p:tav>
+                                      </p:tavLst>
+                                    </p:anim>
+                                  </p:childTnLst>
+                                </p:cTn>
+                              </p:par>
+                              <p:par>
+                                <p:cTn id="11" presetID="2" presetClass="entr" presetSubtype="2" fill="hold" grpId="0" nodeType="withEffect">
+                                  <p:stCondLst>
+                                    <p:cond delay="500"/>
+                                  </p:stCondLst>
+                                  <p:childTnLst>
+                                    <p:set>
+                                      <p:cBhvr>
+                                        <p:cTn id="12" dur="1" fill="hold">
+                                          <p:stCondLst>
+                                            <p:cond delay="0"/>
+                                          </p:stCondLst>
+                                        </p:cTn>
+                                        <p:tgtEl>
+                                          <p:spTgt spid="4">
+                                            <p:txEl>
+                                              <p:pRg st="1" end="1"/>
+                                            </p:txEl>
+                                          </p:spTgt>
+                                        </p:tgtEl>
+                                        <p:attrNameLst>
+                                          <p:attrName>style.visibility</p:attrName>
+                                        </p:attrNameLst>
+                                      </p:cBhvr>
+                                      <p:to>
+                                        <p:strVal val="visible"/>
+                                      </p:to>
+                                    </p:set>
+                                    <p:anim calcmode="lin" valueType="num">
+                                      <p:cBhvr additive="base">
+                                        <p:cTn id="13" dur="1000" fill="hold"/>
+                                        <p:tgtEl>
+                                          <p:spTgt spid="4">
+                                            <p:txEl>
+                                              <p:pRg st="1" end="1"/>
+                                            </p:txEl>
+                                          </p:spTgt>
+                                        </p:tgtEl>
+                                        <p:attrNameLst>
+                                          <p:attrName>ppt_x</p:attrName>
+                                        </p:attrNameLst>
+                                      </p:cBhvr>
+                                      <p:tavLst>
+                                        <p:tav tm="0">
+                                          <p:val>
+                                            <p:strVal val="1+#ppt_w/2"/>
+                                          </p:val>
+                                        </p:tav>
+                                        <p:tav tm="100000">
+                                          <p:val>
+                                            <p:strVal val="#ppt_x"/>
+                                          </p:val>
+                                        </p:tav>
+                                      </p:tavLst>
+                                    </p:anim>
+                                    <p:anim calcmode="lin" valueType="num">
+                                      <p:cBhvr additive="base">
+                                        <p:cTn id="14" dur="1000" fill="hold"/>
+                                        <p:tgtEl>
+                                          <p:spTgt spid="4">
+                                            <p:txEl>
+                                              <p:pRg st="1" end="1"/>
+                                            </p:txEl>
+                                          </p:spTgt>
+                                        </p:tgtEl>
+                                        <p:attrNameLst>
+                                          <p:attrName>ppt_y</p:attrName>
+                                        </p:attrNameLst>
+                                      </p:cBhvr>
+                                      <p:tavLst>
+                                        <p:tav tm="0">
+                                          <p:val>
+                                            <p:strVal val="#ppt_y"/>
+                                          </p:val>
+                                        </p:tav>
+                                        <p:tav tm="100000">
+                                          <p:val>
+                                            <p:strVal val="#ppt_y"/>
+                                          </p:val>
+                                        </p:tav>
+                                      </p:tavLst>
+                                    </p:anim>
+                                  </p:childTnLst>
+                                </p:cTn>
+                              </p:par>
+                            </p:childTnLst>
+                          </p:cTn>
+                        </p:par>
+                      </p:childTnLst>
+                    </p:cTn>
+                  </p:par>
+                </p:childTnLst>
+              </p:cTn>
+              <p:prevCondLst>
+                <p:cond evt="onPrev" delay="0">
+                  <p:tgtEl>
+                    <p:sldTgt/>
+                  </p:tgtEl>
+                </p:cond>
+              </p:prevCondLst>
+              <p:nextCondLst>
+                <p:cond evt="onNext" delay="0">
+                  <p:tgtEl>
+                    <p:sldTgt/>
+                  </p:tgtEl>
+                </p:cond>
+              </p:nextCondLst>
+            </p:seq>
+          </p:childTnLst>
+        </p:cTn>
+      </p:par>
+    </p:tnLst>
+    <p:bldLst>
+      <p:bldP spid="4" grpId="0" uiExpand="1" build="p"/>
+    </p:bldLst>
+  </p:timing>
+</p:sld>
+</file>
+
+<file path=ppt/slides/slide11.xml><?xml version="1.0" encoding="utf-8"?>
+<p:sld xmlns:a="http://schemas.openxmlformats.org/drawingml/2006/main" xmlns:r="http://schemas.openxmlformats.org/officeDocument/2006/relationships" xmlns:p="http://schemas.openxmlformats.org/presentationml/2006/main">
+  <p:cSld>
+    <p:spTree>
+      <p:nvGrpSpPr>
+        <p:cNvPr id="1" name=""/>
+        <p:cNvGrpSpPr/>
+        <p:nvPr/>
+      </p:nvGrpSpPr>
+      <p:grpSpPr>
+        <a:xfrm>
+          <a:off x="0" y="0"/>
+          <a:ext cx="0" cy="0"/>
+          <a:chOff x="0" y="0"/>
+          <a:chExt cx="0" cy="0"/>
+        </a:xfrm>
+      </p:grpSpPr>
+      <p:sp>
+        <p:nvSpPr>
+          <p:cNvPr id="2" name="Titel 1"/>
+          <p:cNvSpPr>
+            <a:spLocks noGrp="1"/>
+          </p:cNvSpPr>
+          <p:nvPr>
+            <p:ph type="title"/>
+          </p:nvPr>
+        </p:nvSpPr>
+        <p:spPr/>
+        <p:txBody>
+          <a:bodyPr/>
+          <a:lstStyle/>
+          <a:p>
+            <a:r>
+              <a:rPr lang="de-DE" dirty="0" smtClean="0"/>
+              <a:t>Objekt-Orientiert</a:t>
+            </a:r>
+            <a:endParaRPr lang="de-DE" dirty="0"/>
+          </a:p>
+        </p:txBody>
+      </p:sp>
+      <p:sp>
+        <p:nvSpPr>
+          <p:cNvPr id="3" name="Inhaltsplatzhalter 2"/>
+          <p:cNvSpPr>
+            <a:spLocks noGrp="1"/>
+          </p:cNvSpPr>
+          <p:nvPr>
+            <p:ph sz="half" idx="1"/>
+          </p:nvPr>
+        </p:nvSpPr>
+        <p:spPr/>
+        <p:txBody>
+          <a:bodyPr>
+            <a:normAutofit/>
+          </a:bodyPr>
+          <a:lstStyle/>
+          <a:p>
+            <a:pPr marL="0" indent="0">
+              <a:buNone/>
+            </a:pPr>
+            <a:r>
+              <a:rPr lang="de-DE" sz="2400" dirty="0" smtClean="0"/>
+              <a:t>Ja Aber</a:t>
+            </a:r>
+            <a:endParaRPr lang="de-DE" sz="2400" dirty="0"/>
+          </a:p>
+        </p:txBody>
+      </p:sp>
+      <p:sp>
+        <p:nvSpPr>
+          <p:cNvPr id="4" name="Inhaltsplatzhalter 3"/>
+          <p:cNvSpPr>
+            <a:spLocks noGrp="1"/>
+          </p:cNvSpPr>
+          <p:nvPr>
+            <p:ph sz="half" idx="2"/>
+          </p:nvPr>
+        </p:nvSpPr>
+        <p:spPr/>
+        <p:txBody>
+          <a:bodyPr/>
+          <a:lstStyle/>
+          <a:p>
+            <a:pPr marL="0" indent="0">
+              <a:buNone/>
+            </a:pPr>
+            <a:r>
+              <a:rPr lang="de-DE" sz="2400" dirty="0" smtClean="0"/>
+              <a:t>Nein</a:t>
+            </a:r>
+            <a:endParaRPr lang="de-DE" sz="2400" dirty="0"/>
+          </a:p>
+        </p:txBody>
+      </p:sp>
+    </p:spTree>
+    <p:extLst>
+      <p:ext uri="{BB962C8B-B14F-4D97-AF65-F5344CB8AC3E}">
+        <p14:creationId xmlns:p14="http://schemas.microsoft.com/office/powerpoint/2010/main" val="3574350751"/>
+      </p:ext>
+    </p:extLst>
+  </p:cSld>
+  <p:clrMapOvr>
+    <a:masterClrMapping/>
+  </p:clrMapOvr>
+</p:sld>
+</file>
+
+<file path=ppt/slides/slide12.xml><?xml version="1.0" encoding="utf-8"?>
+<p:sld xmlns:a="http://schemas.openxmlformats.org/drawingml/2006/main" xmlns:r="http://schemas.openxmlformats.org/officeDocument/2006/relationships" xmlns:p="http://schemas.openxmlformats.org/presentationml/2006/main">
+  <p:cSld>
+    <p:spTree>
+      <p:nvGrpSpPr>
+        <p:cNvPr id="1" name=""/>
+        <p:cNvGrpSpPr/>
+        <p:nvPr/>
+      </p:nvGrpSpPr>
+      <p:grpSpPr>
+        <a:xfrm>
+          <a:off x="0" y="0"/>
+          <a:ext cx="0" cy="0"/>
+          <a:chOff x="0" y="0"/>
+          <a:chExt cx="0" cy="0"/>
+        </a:xfrm>
+      </p:grpSpPr>
+      <p:sp>
+        <p:nvSpPr>
+          <p:cNvPr id="5" name="Titel 4"/>
+          <p:cNvSpPr>
+            <a:spLocks noGrp="1"/>
+          </p:cNvSpPr>
+          <p:nvPr>
+            <p:ph type="title"/>
+          </p:nvPr>
+        </p:nvSpPr>
+        <p:spPr/>
+        <p:txBody>
+          <a:bodyPr/>
+          <a:lstStyle/>
+          <a:p>
+            <a:r>
+              <a:rPr lang="en-US" dirty="0" smtClean="0"/>
+              <a:t>Channel</a:t>
+            </a:r>
+            <a:endParaRPr lang="de-DE" dirty="0"/>
+          </a:p>
+        </p:txBody>
+      </p:sp>
+      <p:pic>
+        <p:nvPicPr>
+          <p:cNvPr id="10" name="Inhaltsplatzhalter 9"/>
+          <p:cNvPicPr>
+            <a:picLocks noGrp="1" noChangeAspect="1"/>
+          </p:cNvPicPr>
+          <p:nvPr>
+            <p:ph sz="half" idx="2"/>
+          </p:nvPr>
+        </p:nvPicPr>
+        <p:blipFill>
+          <a:blip r:embed="rId2"/>
+          <a:stretch>
+            <a:fillRect/>
+          </a:stretch>
+        </p:blipFill>
+        <p:spPr>
+          <a:xfrm>
+            <a:off x="6245290" y="1914071"/>
+            <a:ext cx="5343331" cy="4526293"/>
+          </a:xfrm>
+          <a:prstGeom prst="rect">
+            <a:avLst/>
+          </a:prstGeom>
+        </p:spPr>
+      </p:pic>
+      <p:sp>
+        <p:nvSpPr>
+          <p:cNvPr id="2" name="Inhaltsplatzhalter 1"/>
+          <p:cNvSpPr>
+            <a:spLocks noGrp="1"/>
+          </p:cNvSpPr>
+          <p:nvPr>
+            <p:ph sz="half" idx="1"/>
+          </p:nvPr>
+        </p:nvSpPr>
+        <p:spPr/>
+        <p:txBody>
+          <a:bodyPr/>
+          <a:lstStyle/>
+          <a:p>
+            <a:r>
+              <a:rPr lang="de-DE" dirty="0" err="1" smtClean="0">
+                <a:solidFill>
+                  <a:schemeClr val="accent4">
+                    <a:lumMod val="75000"/>
+                  </a:schemeClr>
+                </a:solidFill>
+              </a:rPr>
+              <a:t>make</a:t>
+            </a:r>
+            <a:r>
+              <a:rPr lang="de-DE" dirty="0" smtClean="0"/>
+              <a:t>(</a:t>
+            </a:r>
+            <a:r>
+              <a:rPr lang="de-DE" dirty="0" err="1" smtClean="0">
+                <a:solidFill>
+                  <a:srgbClr val="00B0F0"/>
+                </a:solidFill>
+              </a:rPr>
+              <a:t>chan</a:t>
+            </a:r>
+            <a:r>
+              <a:rPr lang="de-DE" dirty="0" smtClean="0">
+                <a:solidFill>
+                  <a:srgbClr val="00B0F0"/>
+                </a:solidFill>
+              </a:rPr>
+              <a:t> </a:t>
+            </a:r>
+            <a:r>
+              <a:rPr lang="de-DE" dirty="0" err="1" smtClean="0">
+                <a:solidFill>
+                  <a:srgbClr val="00B0F0"/>
+                </a:solidFill>
+              </a:rPr>
+              <a:t>int</a:t>
+            </a:r>
+            <a:r>
+              <a:rPr lang="de-DE" dirty="0" smtClean="0"/>
+              <a:t>, [</a:t>
+            </a:r>
+            <a:r>
+              <a:rPr lang="de-DE" dirty="0" err="1" smtClean="0"/>
+              <a:t>length</a:t>
+            </a:r>
+            <a:r>
+              <a:rPr lang="de-DE" dirty="0" smtClean="0"/>
+              <a:t>])</a:t>
+            </a:r>
+          </a:p>
+          <a:p>
+            <a:pPr lvl="1"/>
+            <a:r>
+              <a:rPr lang="de-DE" dirty="0" smtClean="0"/>
+              <a:t>Erzeugt einen Kanal (engl.: </a:t>
+            </a:r>
+            <a:r>
+              <a:rPr lang="en-US" dirty="0" smtClean="0"/>
+              <a:t>channel</a:t>
+            </a:r>
+            <a:r>
+              <a:rPr lang="de-DE" dirty="0" smtClean="0"/>
+              <a:t>)</a:t>
+            </a:r>
+          </a:p>
+          <a:p>
+            <a:r>
+              <a:rPr lang="de-DE" dirty="0" smtClean="0">
+                <a:solidFill>
+                  <a:srgbClr val="00B0F0"/>
+                </a:solidFill>
+              </a:rPr>
+              <a:t>a</a:t>
+            </a:r>
+            <a:r>
+              <a:rPr lang="de-DE" dirty="0" smtClean="0"/>
+              <a:t> &lt;-</a:t>
+            </a:r>
+          </a:p>
+          <a:p>
+            <a:pPr lvl="1"/>
+            <a:r>
+              <a:rPr lang="de-DE" dirty="0" smtClean="0"/>
+              <a:t>Fügt einem Kanal etwas hinzu</a:t>
+            </a:r>
+          </a:p>
+          <a:p>
+            <a:r>
+              <a:rPr lang="de-DE" dirty="0"/>
+              <a:t>&lt;- </a:t>
+            </a:r>
+            <a:r>
+              <a:rPr lang="de-DE" dirty="0" smtClean="0">
+                <a:solidFill>
+                  <a:srgbClr val="00B0F0"/>
+                </a:solidFill>
+              </a:rPr>
+              <a:t>a</a:t>
+            </a:r>
+          </a:p>
+          <a:p>
+            <a:pPr lvl="1"/>
+            <a:r>
+              <a:rPr lang="de-DE" dirty="0" smtClean="0"/>
+              <a:t>Nimmt das oberste Element aus dem Kanal</a:t>
+            </a:r>
+          </a:p>
+          <a:p>
+            <a:r>
+              <a:rPr lang="de-DE" dirty="0" err="1">
+                <a:solidFill>
+                  <a:srgbClr val="00B0F0"/>
+                </a:solidFill>
+              </a:rPr>
+              <a:t>g</a:t>
+            </a:r>
+            <a:r>
+              <a:rPr lang="de-DE" dirty="0" err="1" smtClean="0">
+                <a:solidFill>
+                  <a:srgbClr val="00B0F0"/>
+                </a:solidFill>
+              </a:rPr>
+              <a:t>o</a:t>
+            </a:r>
+            <a:r>
+              <a:rPr lang="de-DE" dirty="0" smtClean="0"/>
+              <a:t> </a:t>
+            </a:r>
+            <a:r>
+              <a:rPr lang="de-DE" dirty="0" err="1" smtClean="0">
+                <a:solidFill>
+                  <a:schemeClr val="accent4">
+                    <a:lumMod val="75000"/>
+                  </a:schemeClr>
+                </a:solidFill>
+              </a:rPr>
+              <a:t>func</a:t>
+            </a:r>
+            <a:r>
+              <a:rPr lang="de-DE" dirty="0" smtClean="0"/>
+              <a:t>()</a:t>
+            </a:r>
+          </a:p>
+          <a:p>
+            <a:pPr lvl="1"/>
+            <a:r>
+              <a:rPr lang="de-DE" dirty="0" smtClean="0"/>
+              <a:t>Startet eine Funktion </a:t>
+            </a:r>
+            <a:r>
+              <a:rPr lang="de-DE" dirty="0" err="1" smtClean="0"/>
+              <a:t>asyncron</a:t>
+            </a:r>
+            <a:endParaRPr lang="de-DE" dirty="0" smtClean="0"/>
+          </a:p>
+          <a:p>
+            <a:endParaRPr lang="de-DE" dirty="0"/>
+          </a:p>
+        </p:txBody>
+      </p:sp>
+    </p:spTree>
+    <p:extLst>
+      <p:ext uri="{BB962C8B-B14F-4D97-AF65-F5344CB8AC3E}">
+        <p14:creationId xmlns:p14="http://schemas.microsoft.com/office/powerpoint/2010/main" val="2744995096"/>
+      </p:ext>
+    </p:extLst>
+  </p:cSld>
+  <p:clrMapOvr>
+    <a:masterClrMapping/>
+  </p:clrMapOvr>
+  <p:timing>
+    <p:tnLst>
+      <p:par>
+        <p:cTn id="1" dur="indefinite" restart="never" nodeType="tmRoot"/>
+      </p:par>
+    </p:tnLst>
+  </p:timing>
+</p:sld>
+</file>
+
+<file path=ppt/slides/slide13.xml><?xml version="1.0" encoding="utf-8"?>
+<p:sld xmlns:a="http://schemas.openxmlformats.org/drawingml/2006/main" xmlns:r="http://schemas.openxmlformats.org/officeDocument/2006/relationships" xmlns:p="http://schemas.openxmlformats.org/presentationml/2006/main">
+  <p:cSld>
+    <p:spTree>
+      <p:nvGrpSpPr>
+        <p:cNvPr id="1" name=""/>
+        <p:cNvGrpSpPr/>
+        <p:nvPr/>
+      </p:nvGrpSpPr>
+      <p:grpSpPr>
+        <a:xfrm>
+          <a:off x="0" y="0"/>
+          <a:ext cx="0" cy="0"/>
+          <a:chOff x="0" y="0"/>
+          <a:chExt cx="0" cy="0"/>
+        </a:xfrm>
+      </p:grpSpPr>
+      <p:sp>
+        <p:nvSpPr>
+          <p:cNvPr id="2" name="Titel 1"/>
+          <p:cNvSpPr>
+            <a:spLocks noGrp="1"/>
+          </p:cNvSpPr>
+          <p:nvPr>
+            <p:ph type="title"/>
+          </p:nvPr>
+        </p:nvSpPr>
+        <p:spPr/>
+        <p:txBody>
+          <a:bodyPr/>
+          <a:lstStyle/>
+          <a:p>
+            <a:r>
+              <a:rPr lang="de-DE" dirty="0"/>
+              <a:t>Was passiert hier?</a:t>
+            </a:r>
+          </a:p>
+        </p:txBody>
+      </p:sp>
+      <p:sp>
+        <p:nvSpPr>
+          <p:cNvPr id="7" name="Inhaltsplatzhalter 6"/>
+          <p:cNvSpPr>
+            <a:spLocks noGrp="1"/>
+          </p:cNvSpPr>
+          <p:nvPr>
+            <p:ph sz="half" idx="2"/>
+          </p:nvPr>
+        </p:nvSpPr>
+        <p:spPr/>
+        <p:txBody>
+          <a:bodyPr/>
+          <a:lstStyle/>
+          <a:p>
+            <a:endParaRPr lang="de-DE"/>
+          </a:p>
+        </p:txBody>
+      </p:sp>
+      <p:pic>
+        <p:nvPicPr>
+          <p:cNvPr id="8" name="Inhaltsplatzhalter 9"/>
+          <p:cNvPicPr>
+            <a:picLocks noChangeAspect="1"/>
+          </p:cNvPicPr>
+          <p:nvPr/>
+        </p:nvPicPr>
+        <p:blipFill>
+          <a:blip r:embed="rId2"/>
+          <a:stretch>
+            <a:fillRect/>
+          </a:stretch>
+        </p:blipFill>
+        <p:spPr>
+          <a:xfrm>
+            <a:off x="4822150" y="1906489"/>
+            <a:ext cx="5397005" cy="4571760"/>
+          </a:xfrm>
+          <a:prstGeom prst="rect">
+            <a:avLst/>
+          </a:prstGeom>
+          <a:effectLst>
+            <a:outerShdw blurRad="50800" dir="14400000">
+              <a:srgbClr val="000000">
+                <a:alpha val="40000"/>
+              </a:srgbClr>
+            </a:outerShdw>
+          </a:effectLst>
+        </p:spPr>
+      </p:pic>
+      <p:pic>
+        <p:nvPicPr>
+          <p:cNvPr id="9" name="Inhaltsplatzhalter 7"/>
+          <p:cNvPicPr>
+            <a:picLocks noChangeAspect="1"/>
+          </p:cNvPicPr>
+          <p:nvPr/>
+        </p:nvPicPr>
+        <p:blipFill>
+          <a:blip r:embed="rId3"/>
+          <a:stretch>
+            <a:fillRect/>
+          </a:stretch>
+        </p:blipFill>
+        <p:spPr>
+          <a:xfrm>
+            <a:off x="350573" y="2426774"/>
+            <a:ext cx="4581498" cy="3638550"/>
+          </a:xfrm>
+          <a:prstGeom prst="rect">
+            <a:avLst/>
+          </a:prstGeom>
+          <a:effectLst>
+            <a:outerShdw blurRad="50800" dir="14400000">
+              <a:srgbClr val="000000">
+                <a:alpha val="40000"/>
+              </a:srgbClr>
+            </a:outerShdw>
+          </a:effectLst>
+        </p:spPr>
+      </p:pic>
+      <p:pic>
+        <p:nvPicPr>
+          <p:cNvPr id="5" name="Inhaltsplatzhalter 4"/>
+          <p:cNvPicPr>
+            <a:picLocks noGrp="1" noChangeAspect="1"/>
+          </p:cNvPicPr>
+          <p:nvPr>
+            <p:ph sz="half" idx="1"/>
+          </p:nvPr>
+        </p:nvPicPr>
+        <p:blipFill rotWithShape="1">
+          <a:blip r:embed="rId4"/>
+          <a:srcRect t="152" r="49020"/>
+          <a:stretch/>
+        </p:blipFill>
+        <p:spPr>
+          <a:xfrm>
+            <a:off x="9400014" y="2363754"/>
+            <a:ext cx="2639396" cy="1828615"/>
+          </a:xfrm>
+          <a:prstGeom prst="rect">
+            <a:avLst/>
+          </a:prstGeom>
+        </p:spPr>
+      </p:pic>
+      <p:pic>
+        <p:nvPicPr>
+          <p:cNvPr id="10" name="Inhaltsplatzhalter 4"/>
+          <p:cNvPicPr>
+            <a:picLocks noChangeAspect="1"/>
+          </p:cNvPicPr>
+          <p:nvPr/>
+        </p:nvPicPr>
+        <p:blipFill rotWithShape="1">
+          <a:blip r:embed="rId4"/>
+          <a:srcRect l="59608"/>
+          <a:stretch/>
+        </p:blipFill>
+        <p:spPr>
+          <a:xfrm>
+            <a:off x="9902177" y="4780641"/>
+            <a:ext cx="2094230" cy="1831412"/>
+          </a:xfrm>
+          <a:prstGeom prst="rect">
+            <a:avLst/>
+          </a:prstGeom>
+          <a:effectLst>
+            <a:outerShdw blurRad="50800" dir="14400000">
+              <a:srgbClr val="000000">
+                <a:alpha val="40000"/>
+              </a:srgbClr>
+            </a:outerShdw>
+          </a:effectLst>
+        </p:spPr>
+      </p:pic>
+    </p:spTree>
+    <p:extLst>
+      <p:ext uri="{BB962C8B-B14F-4D97-AF65-F5344CB8AC3E}">
+        <p14:creationId xmlns:p14="http://schemas.microsoft.com/office/powerpoint/2010/main" val="3543248055"/>
+      </p:ext>
+    </p:extLst>
+  </p:cSld>
+  <p:clrMapOvr>
+    <a:masterClrMapping/>
+  </p:clrMapOvr>
+  <p:timing>
+    <p:tnLst>
+      <p:par>
+        <p:cTn id="1" dur="indefinite" restart="never" nodeType="tmRoot">
+          <p:childTnLst>
+            <p:seq concurrent="1" nextAc="seek">
+              <p:cTn id="2" dur="indefinite" nodeType="mainSeq">
+                <p:childTnLst>
+                  <p:par>
+                    <p:cTn id="3" fill="hold">
+                      <p:stCondLst>
+                        <p:cond delay="indefinite"/>
+                      </p:stCondLst>
+                      <p:childTnLst>
+                        <p:par>
+                          <p:cTn id="4" fill="hold">
+                            <p:stCondLst>
+                              <p:cond delay="0"/>
+                            </p:stCondLst>
+                            <p:childTnLst>
+                              <p:par>
+                                <p:cTn id="5" presetID="2" presetClass="entr" presetSubtype="2" fill="hold" nodeType="clickEffect">
+                                  <p:stCondLst>
+                                    <p:cond delay="0"/>
+                                  </p:stCondLst>
+                                  <p:childTnLst>
+                                    <p:set>
+                                      <p:cBhvr>
+                                        <p:cTn id="6" dur="1" fill="hold">
+                                          <p:stCondLst>
+                                            <p:cond delay="0"/>
+                                          </p:stCondLst>
+                                        </p:cTn>
+                                        <p:tgtEl>
+                                          <p:spTgt spid="5"/>
+                                        </p:tgtEl>
+                                        <p:attrNameLst>
+                                          <p:attrName>style.visibility</p:attrName>
+                                        </p:attrNameLst>
+                                      </p:cBhvr>
+                                      <p:to>
+                                        <p:strVal val="visible"/>
+                                      </p:to>
+                                    </p:set>
+                                    <p:anim calcmode="lin" valueType="num">
+                                      <p:cBhvr additive="base">
+                                        <p:cTn id="7" dur="500" fill="hold"/>
+                                        <p:tgtEl>
+                                          <p:spTgt spid="5"/>
+                                        </p:tgtEl>
+                                        <p:attrNameLst>
+                                          <p:attrName>ppt_x</p:attrName>
+                                        </p:attrNameLst>
+                                      </p:cBhvr>
+                                      <p:tavLst>
+                                        <p:tav tm="0">
+                                          <p:val>
+                                            <p:strVal val="1+#ppt_w/2"/>
+                                          </p:val>
+                                        </p:tav>
+                                        <p:tav tm="100000">
+                                          <p:val>
+                                            <p:strVal val="#ppt_x"/>
+                                          </p:val>
+                                        </p:tav>
+                                      </p:tavLst>
+                                    </p:anim>
+                                    <p:anim calcmode="lin" valueType="num">
+                                      <p:cBhvr additive="base">
+                                        <p:cTn id="8" dur="500" fill="hold"/>
+                                        <p:tgtEl>
+                                          <p:spTgt spid="5"/>
+                                        </p:tgtEl>
+                                        <p:attrNameLst>
+                                          <p:attrName>ppt_y</p:attrName>
+                                        </p:attrNameLst>
+                                      </p:cBhvr>
+                                      <p:tavLst>
+                                        <p:tav tm="0">
+                                          <p:val>
+                                            <p:strVal val="#ppt_y"/>
+                                          </p:val>
+                                        </p:tav>
+                                        <p:tav tm="100000">
+                                          <p:val>
+                                            <p:strVal val="#ppt_y"/>
+                                          </p:val>
+                                        </p:tav>
+                                      </p:tavLst>
+                                    </p:anim>
+                                  </p:childTnLst>
+                                </p:cTn>
+                              </p:par>
+                              <p:par>
+                                <p:cTn id="9" presetID="2" presetClass="entr" presetSubtype="2" fill="hold" nodeType="withEffect">
+                                  <p:stCondLst>
+                                    <p:cond delay="0"/>
+                                  </p:stCondLst>
+                                  <p:childTnLst>
+                                    <p:set>
+                                      <p:cBhvr>
+                                        <p:cTn id="10" dur="1" fill="hold">
+                                          <p:stCondLst>
+                                            <p:cond delay="0"/>
+                                          </p:stCondLst>
+                                        </p:cTn>
+                                        <p:tgtEl>
+                                          <p:spTgt spid="10"/>
+                                        </p:tgtEl>
+                                        <p:attrNameLst>
+                                          <p:attrName>style.visibility</p:attrName>
+                                        </p:attrNameLst>
+                                      </p:cBhvr>
+                                      <p:to>
+                                        <p:strVal val="visible"/>
+                                      </p:to>
+                                    </p:set>
+                                    <p:anim calcmode="lin" valueType="num">
+                                      <p:cBhvr additive="base">
+                                        <p:cTn id="11" dur="500" fill="hold"/>
+                                        <p:tgtEl>
+                                          <p:spTgt spid="10"/>
+                                        </p:tgtEl>
+                                        <p:attrNameLst>
+                                          <p:attrName>ppt_x</p:attrName>
+                                        </p:attrNameLst>
+                                      </p:cBhvr>
+                                      <p:tavLst>
+                                        <p:tav tm="0">
+                                          <p:val>
+                                            <p:strVal val="1+#ppt_w/2"/>
+                                          </p:val>
+                                        </p:tav>
+                                        <p:tav tm="100000">
+                                          <p:val>
+                                            <p:strVal val="#ppt_x"/>
+                                          </p:val>
+                                        </p:tav>
+                                      </p:tavLst>
+                                    </p:anim>
+                                    <p:anim calcmode="lin" valueType="num">
+                                      <p:cBhvr additive="base">
+                                        <p:cTn id="12" dur="500" fill="hold"/>
+                                        <p:tgtEl>
+                                          <p:spTgt spid="10"/>
+                                        </p:tgtEl>
+                                        <p:attrNameLst>
+                                          <p:attrName>ppt_y</p:attrName>
+                                        </p:attrNameLst>
+                                      </p:cBhvr>
+                                      <p:tavLst>
+                                        <p:tav tm="0">
+                                          <p:val>
+                                            <p:strVal val="#ppt_y"/>
+                                          </p:val>
+                                        </p:tav>
+                                        <p:tav tm="100000">
+                                          <p:val>
+                                            <p:strVal val="#ppt_y"/>
+                                          </p:val>
+                                        </p:tav>
+                                      </p:tavLst>
+                                    </p:anim>
+                                  </p:childTnLst>
+                                </p:cTn>
+                              </p:par>
+                            </p:childTnLst>
+                          </p:cTn>
+                        </p:par>
+                      </p:childTnLst>
+                    </p:cTn>
+                  </p:par>
+                </p:childTnLst>
+              </p:cTn>
+              <p:prevCondLst>
+                <p:cond evt="onPrev" delay="0">
+                  <p:tgtEl>
+                    <p:sldTgt/>
+                  </p:tgtEl>
+                </p:cond>
+              </p:prevCondLst>
+              <p:nextCondLst>
+                <p:cond evt="onNext" delay="0">
+                  <p:tgtEl>
+                    <p:sldTgt/>
+                  </p:tgtEl>
+                </p:cond>
+              </p:nextCondLst>
+            </p:seq>
+          </p:childTnLst>
+        </p:cTn>
+      </p:par>
+    </p:tnLst>
+  </p:timing>
+</p:sld>
+</file>
+
+<file path=ppt/slides/slide14.xml><?xml version="1.0" encoding="utf-8"?>
+<p:sld xmlns:a="http://schemas.openxmlformats.org/drawingml/2006/main" xmlns:r="http://schemas.openxmlformats.org/officeDocument/2006/relationships" xmlns:p="http://schemas.openxmlformats.org/presentationml/2006/main">
+  <p:cSld>
+    <p:spTree>
+      <p:nvGrpSpPr>
+        <p:cNvPr id="1" name=""/>
+        <p:cNvGrpSpPr/>
+        <p:nvPr/>
+      </p:nvGrpSpPr>
+      <p:grpSpPr>
+        <a:xfrm>
+          <a:off x="0" y="0"/>
+          <a:ext cx="0" cy="0"/>
+          <a:chOff x="0" y="0"/>
+          <a:chExt cx="0" cy="0"/>
+        </a:xfrm>
+      </p:grpSpPr>
+      <p:sp>
+        <p:nvSpPr>
+          <p:cNvPr id="2" name="Titel 1"/>
+          <p:cNvSpPr>
+            <a:spLocks noGrp="1"/>
+          </p:cNvSpPr>
+          <p:nvPr>
+            <p:ph type="title"/>
+          </p:nvPr>
+        </p:nvSpPr>
+        <p:spPr/>
+        <p:txBody>
+          <a:bodyPr/>
+          <a:lstStyle/>
+          <a:p>
+            <a:r>
+              <a:rPr lang="en-US" dirty="0" smtClean="0"/>
+              <a:t>“Such </a:t>
+            </a:r>
+            <a:r>
+              <a:rPr lang="en-US" dirty="0"/>
+              <a:t>a future has no place for stop-the-world GC pauses</a:t>
+            </a:r>
+            <a:r>
+              <a:rPr lang="en-US" dirty="0" smtClean="0"/>
+              <a:t>, …”</a:t>
+            </a:r>
+            <a:endParaRPr lang="de-DE" dirty="0"/>
+          </a:p>
+        </p:txBody>
+      </p:sp>
+      <p:sp>
+        <p:nvSpPr>
+          <p:cNvPr id="3" name="Textplatzhalter 2"/>
+          <p:cNvSpPr>
+            <a:spLocks noGrp="1"/>
+          </p:cNvSpPr>
+          <p:nvPr>
+            <p:ph type="body" idx="1"/>
+          </p:nvPr>
+        </p:nvSpPr>
+        <p:spPr/>
+        <p:txBody>
+          <a:bodyPr/>
+          <a:lstStyle/>
+          <a:p>
+            <a:r>
+              <a:rPr lang="en-US" dirty="0"/>
+              <a:t>The Go Programming Language </a:t>
+            </a:r>
+            <a:r>
+              <a:rPr lang="en-US" dirty="0" smtClean="0"/>
+              <a:t>Blog (12.12.2015)</a:t>
+            </a:r>
+            <a:endParaRPr lang="de-DE" dirty="0"/>
+          </a:p>
+        </p:txBody>
+      </p:sp>
+      <p:sp>
+        <p:nvSpPr>
+          <p:cNvPr id="4" name="Textplatzhalter 3"/>
+          <p:cNvSpPr>
+            <a:spLocks noGrp="1"/>
+          </p:cNvSpPr>
+          <p:nvPr>
+            <p:ph type="body" sz="quarter" idx="16"/>
+          </p:nvPr>
+        </p:nvSpPr>
+        <p:spPr/>
+        <p:txBody>
+          <a:bodyPr/>
+          <a:lstStyle/>
+          <a:p>
+            <a:r>
+              <a:rPr lang="de-DE" dirty="0" smtClean="0"/>
+              <a:t>Mark </a:t>
+            </a:r>
+            <a:r>
+              <a:rPr lang="de-DE" dirty="0" err="1" smtClean="0"/>
+              <a:t>and</a:t>
+            </a:r>
+            <a:r>
+              <a:rPr lang="de-DE" dirty="0" smtClean="0"/>
+              <a:t> </a:t>
+            </a:r>
+            <a:r>
+              <a:rPr lang="de-DE" dirty="0" err="1" smtClean="0"/>
+              <a:t>Sweep</a:t>
+            </a:r>
+            <a:endParaRPr lang="de-DE" dirty="0" smtClean="0"/>
+          </a:p>
+          <a:p>
+            <a:pPr marL="285750" indent="-285750">
+              <a:buFont typeface="Arial" panose="020B0604020202020204" pitchFamily="34" charset="0"/>
+              <a:buChar char="•"/>
+            </a:pPr>
+            <a:r>
+              <a:rPr lang="de-DE" dirty="0" smtClean="0"/>
+              <a:t>Sicherheit </a:t>
+            </a:r>
+            <a:r>
+              <a:rPr lang="de-DE" dirty="0" err="1" smtClean="0"/>
+              <a:t>first</a:t>
+            </a:r>
+            <a:endParaRPr lang="de-DE" dirty="0"/>
+          </a:p>
+          <a:p>
+            <a:pPr marL="285750" indent="-285750">
+              <a:buFont typeface="Arial" panose="020B0604020202020204" pitchFamily="34" charset="0"/>
+              <a:buChar char="•"/>
+            </a:pPr>
+            <a:r>
+              <a:rPr lang="de-DE" dirty="0" smtClean="0"/>
+              <a:t>Die </a:t>
+            </a:r>
+            <a:r>
+              <a:rPr lang="de-DE" dirty="0" err="1" smtClean="0"/>
+              <a:t>Stop</a:t>
+            </a:r>
+            <a:r>
+              <a:rPr lang="de-DE" dirty="0" smtClean="0"/>
+              <a:t>-</a:t>
+            </a:r>
+            <a:r>
+              <a:rPr lang="de-DE" dirty="0" err="1" smtClean="0"/>
+              <a:t>the</a:t>
+            </a:r>
+            <a:r>
+              <a:rPr lang="de-DE" dirty="0" smtClean="0"/>
+              <a:t>-World Zeit liegt immer unter 10 Millisekunden</a:t>
+            </a:r>
+            <a:endParaRPr lang="de-DE" dirty="0"/>
+          </a:p>
+        </p:txBody>
+      </p:sp>
+    </p:spTree>
+    <p:extLst>
+      <p:ext uri="{BB962C8B-B14F-4D97-AF65-F5344CB8AC3E}">
+        <p14:creationId xmlns:p14="http://schemas.microsoft.com/office/powerpoint/2010/main" val="225050886"/>
+      </p:ext>
+    </p:extLst>
+  </p:cSld>
+  <p:clrMapOvr>
+    <a:masterClrMapping/>
+  </p:clrMapOvr>
+  <p:timing>
+    <p:tnLst>
+      <p:par>
+        <p:cTn id="1" dur="indefinite" restart="never" nodeType="tmRoot"/>
+      </p:par>
+    </p:tnLst>
+  </p:timing>
+</p:sld>
+</file>
+
+<file path=ppt/slides/slide15.xml><?xml version="1.0" encoding="utf-8"?>
+<p:sld xmlns:a="http://schemas.openxmlformats.org/drawingml/2006/main" xmlns:r="http://schemas.openxmlformats.org/officeDocument/2006/relationships" xmlns:p="http://schemas.openxmlformats.org/presentationml/2006/main">
+  <p:cSld>
+    <p:spTree>
+      <p:nvGrpSpPr>
+        <p:cNvPr id="1" name=""/>
+        <p:cNvGrpSpPr/>
+        <p:nvPr/>
+      </p:nvGrpSpPr>
+      <p:grpSpPr>
+        <a:xfrm>
+          <a:off x="0" y="0"/>
+          <a:ext cx="0" cy="0"/>
+          <a:chOff x="0" y="0"/>
+          <a:chExt cx="0" cy="0"/>
+        </a:xfrm>
+      </p:grpSpPr>
+      <p:sp>
+        <p:nvSpPr>
+          <p:cNvPr id="9" name="Titel 8"/>
+          <p:cNvSpPr>
+            <a:spLocks noGrp="1"/>
+          </p:cNvSpPr>
+          <p:nvPr>
+            <p:ph type="title"/>
+          </p:nvPr>
+        </p:nvSpPr>
+        <p:spPr/>
+        <p:txBody>
+          <a:bodyPr/>
+          <a:lstStyle/>
+          <a:p>
+            <a:r>
+              <a:rPr lang="de-DE" dirty="0" err="1"/>
+              <a:t>Garbage</a:t>
+            </a:r>
+            <a:r>
+              <a:rPr lang="de-DE" dirty="0"/>
+              <a:t> </a:t>
+            </a:r>
+            <a:r>
+              <a:rPr lang="de-DE" dirty="0" err="1" smtClean="0"/>
+              <a:t>collector</a:t>
+            </a:r>
+            <a:endParaRPr lang="de-DE" dirty="0"/>
+          </a:p>
+        </p:txBody>
+      </p:sp>
+      <p:pic>
+        <p:nvPicPr>
+          <p:cNvPr id="11" name="Inhaltsplatzhalter 10"/>
+          <p:cNvPicPr>
+            <a:picLocks noGrp="1" noChangeAspect="1"/>
+          </p:cNvPicPr>
+          <p:nvPr>
+            <p:ph idx="1"/>
+          </p:nvPr>
+        </p:nvPicPr>
+        <p:blipFill>
+          <a:blip r:embed="rId2"/>
+          <a:stretch>
+            <a:fillRect/>
+          </a:stretch>
+        </p:blipFill>
+        <p:spPr>
+          <a:xfrm>
+            <a:off x="2003726" y="2440215"/>
+            <a:ext cx="8184546" cy="3636963"/>
+          </a:xfrm>
+          <a:prstGeom prst="rect">
+            <a:avLst/>
+          </a:prstGeom>
+        </p:spPr>
+      </p:pic>
+    </p:spTree>
+    <p:extLst>
+      <p:ext uri="{BB962C8B-B14F-4D97-AF65-F5344CB8AC3E}">
+        <p14:creationId xmlns:p14="http://schemas.microsoft.com/office/powerpoint/2010/main" val="3746056057"/>
       </p:ext>
     </p:extLst>
   </p:cSld>
@@ -5446,7 +6968,7 @@
           <a:lstStyle/>
           <a:p>
             <a:r>
-              <a:rPr lang="en-US" dirty="0" err="1" smtClean="0"/>
+              <a:rPr lang="de-DE" dirty="0" smtClean="0"/>
               <a:t>Inhalt</a:t>
             </a:r>
             <a:endParaRPr lang="de-DE" dirty="0"/>
@@ -5527,7 +7049,7 @@
           </a:p>
           <a:p>
             <a:r>
-              <a:rPr lang="en-US" dirty="0" err="1" smtClean="0"/>
+              <a:rPr lang="de-DE" dirty="0" smtClean="0"/>
               <a:t>Fragen</a:t>
             </a:r>
             <a:r>
@@ -5535,10 +7057,9 @@
               <a:t> und </a:t>
             </a:r>
             <a:r>
-              <a:rPr lang="en-US" dirty="0" err="1" smtClean="0"/>
-              <a:t>Diskusion</a:t>
-            </a:r>
-            <a:endParaRPr lang="en-US" dirty="0" smtClean="0"/>
+              <a:rPr lang="de-DE" dirty="0" smtClean="0"/>
+              <a:t>Diskussion</a:t>
+            </a:r>
           </a:p>
           <a:p>
             <a:endParaRPr lang="de-DE" dirty="0" smtClean="0"/>
@@ -5664,15 +7185,7 @@
             </a:pPr>
             <a:r>
               <a:rPr lang="de-DE" dirty="0" smtClean="0"/>
-              <a:t>open </a:t>
-            </a:r>
-            <a:r>
-              <a:rPr lang="de-DE" dirty="0" err="1" smtClean="0"/>
-              <a:t>source</a:t>
-            </a:r>
-            <a:r>
-              <a:rPr lang="de-DE" dirty="0" smtClean="0"/>
-              <a:t> </a:t>
+              <a:t>open source </a:t>
             </a:r>
           </a:p>
           <a:p>
@@ -5704,13 +7217,8 @@
             </a:r>
             <a:r>
               <a:rPr lang="de-DE" dirty="0" smtClean="0"/>
-              <a:t>ehr als 30,000 </a:t>
-            </a:r>
-            <a:r>
-              <a:rPr lang="de-DE" dirty="0" err="1" smtClean="0"/>
-              <a:t>commits</a:t>
-            </a:r>
-            <a:endParaRPr lang="de-DE" dirty="0" smtClean="0"/>
+              <a:t>ehr als 30,000 commits</a:t>
+            </a:r>
           </a:p>
           <a:p>
             <a:pPr marL="171450" indent="-171450">
@@ -5719,13 +7227,8 @@
             </a:pPr>
             <a:r>
               <a:rPr lang="de-DE" dirty="0" smtClean="0"/>
-              <a:t>Mit 22 </a:t>
-            </a:r>
-            <a:r>
-              <a:rPr lang="de-DE" dirty="0" err="1" smtClean="0"/>
-              <a:t>Repositories</a:t>
-            </a:r>
-            <a:endParaRPr lang="de-DE" dirty="0" smtClean="0"/>
+              <a:t>Mit 22 Repositories</a:t>
+            </a:r>
           </a:p>
           <a:p>
             <a:pPr marL="171450" indent="-171450">
@@ -5734,27 +7237,15 @@
             </a:pPr>
             <a:r>
               <a:rPr lang="de-DE" dirty="0" smtClean="0"/>
-              <a:t>Ein „</a:t>
-            </a:r>
-            <a:r>
-              <a:rPr lang="de-DE" dirty="0" err="1" smtClean="0"/>
-              <a:t>ecosystem</a:t>
+              <a:t>Ein „ecosystem“ mit mehr als 90,000 Go </a:t>
+            </a:r>
+            <a:r>
+              <a:rPr lang="de-DE" dirty="0"/>
+              <a:t>R</a:t>
             </a:r>
             <a:r>
               <a:rPr lang="de-DE" dirty="0" smtClean="0"/>
-              <a:t>“ mit mehr als 90,000 Go </a:t>
-            </a:r>
-            <a:r>
-              <a:rPr lang="de-DE" dirty="0" err="1"/>
-              <a:t>R</a:t>
-            </a:r>
-            <a:r>
-              <a:rPr lang="de-DE" dirty="0" err="1" smtClean="0"/>
-              <a:t>epositories</a:t>
-            </a:r>
-            <a:r>
-              <a:rPr lang="de-DE" dirty="0" smtClean="0"/>
-              <a:t>.</a:t>
+              <a:t>epositories.</a:t>
             </a:r>
             <a:endParaRPr lang="de-DE" dirty="0"/>
           </a:p>
@@ -6107,7 +7598,7 @@
             </a:pPr>
             <a:r>
               <a:rPr lang="en-US" dirty="0" smtClean="0"/>
-              <a:t>-&gt; Hallo Martin. How are you</a:t>
+              <a:t>-&gt; Hallo Martin. How are you?</a:t>
             </a:r>
             <a:endParaRPr lang="de-DE" dirty="0"/>
           </a:p>
@@ -6267,6 +7758,3052 @@
     </p:tnLst>
     <p:bldLst>
       <p:bldP spid="6" grpId="0"/>
+    </p:bldLst>
+  </p:timing>
+</p:sld>
+</file>
+
+<file path=ppt/slides/slide5.xml><?xml version="1.0" encoding="utf-8"?>
+<p:sld xmlns:a="http://schemas.openxmlformats.org/drawingml/2006/main" xmlns:r="http://schemas.openxmlformats.org/officeDocument/2006/relationships" xmlns:p="http://schemas.openxmlformats.org/presentationml/2006/main">
+  <p:cSld>
+    <p:spTree>
+      <p:nvGrpSpPr>
+        <p:cNvPr id="1" name=""/>
+        <p:cNvGrpSpPr/>
+        <p:nvPr/>
+      </p:nvGrpSpPr>
+      <p:grpSpPr>
+        <a:xfrm>
+          <a:off x="0" y="0"/>
+          <a:ext cx="0" cy="0"/>
+          <a:chOff x="0" y="0"/>
+          <a:chExt cx="0" cy="0"/>
+        </a:xfrm>
+      </p:grpSpPr>
+      <p:sp>
+        <p:nvSpPr>
+          <p:cNvPr id="2" name="Titel 1"/>
+          <p:cNvSpPr>
+            <a:spLocks noGrp="1"/>
+          </p:cNvSpPr>
+          <p:nvPr>
+            <p:ph type="title"/>
+          </p:nvPr>
+        </p:nvSpPr>
+        <p:spPr/>
+        <p:txBody>
+          <a:bodyPr/>
+          <a:lstStyle/>
+          <a:p>
+            <a:r>
+              <a:rPr lang="de-DE" dirty="0" smtClean="0"/>
+              <a:t>Projekt Struktur</a:t>
+            </a:r>
+            <a:endParaRPr lang="de-DE" dirty="0"/>
+          </a:p>
+        </p:txBody>
+      </p:sp>
+      <p:pic>
+        <p:nvPicPr>
+          <p:cNvPr id="5" name="Inhaltsplatzhalter 4"/>
+          <p:cNvPicPr>
+            <a:picLocks noGrp="1" noChangeAspect="1"/>
+          </p:cNvPicPr>
+          <p:nvPr>
+            <p:ph sz="half" idx="1"/>
+          </p:nvPr>
+        </p:nvPicPr>
+        <p:blipFill>
+          <a:blip r:embed="rId2">
+            <a:extLst>
+              <a:ext uri="{28A0092B-C50C-407E-A947-70E740481C1C}">
+                <a14:useLocalDpi xmlns:a14="http://schemas.microsoft.com/office/drawing/2010/main" val="0"/>
+              </a:ext>
+            </a:extLst>
+          </a:blip>
+          <a:stretch>
+            <a:fillRect/>
+          </a:stretch>
+        </p:blipFill>
+        <p:spPr>
+          <a:xfrm>
+            <a:off x="991039" y="2653951"/>
+            <a:ext cx="2948399" cy="3638550"/>
+          </a:xfrm>
+        </p:spPr>
+      </p:pic>
+      <p:sp>
+        <p:nvSpPr>
+          <p:cNvPr id="4" name="Inhaltsplatzhalter 3"/>
+          <p:cNvSpPr>
+            <a:spLocks noGrp="1"/>
+          </p:cNvSpPr>
+          <p:nvPr>
+            <p:ph sz="half" idx="2"/>
+          </p:nvPr>
+        </p:nvSpPr>
+        <p:spPr>
+          <a:xfrm>
+            <a:off x="2039209" y="3378754"/>
+            <a:ext cx="5194583" cy="446485"/>
+          </a:xfrm>
+        </p:spPr>
+        <p:txBody>
+          <a:bodyPr/>
+          <a:lstStyle/>
+          <a:p>
+            <a:r>
+              <a:rPr lang="en-US" dirty="0" smtClean="0"/>
+              <a:t>Github Name </a:t>
+            </a:r>
+            <a:r>
+              <a:rPr lang="de-DE" dirty="0" smtClean="0"/>
+              <a:t>z.B</a:t>
+            </a:r>
+            <a:r>
+              <a:rPr lang="en-US" dirty="0" smtClean="0"/>
+              <a:t>. martinstarman</a:t>
+            </a:r>
+            <a:endParaRPr lang="de-DE" dirty="0"/>
+          </a:p>
+        </p:txBody>
+      </p:sp>
+      <p:sp>
+        <p:nvSpPr>
+          <p:cNvPr id="6" name="Inhaltsplatzhalter 3"/>
+          <p:cNvSpPr txBox="1">
+            <a:spLocks/>
+          </p:cNvSpPr>
+          <p:nvPr/>
+        </p:nvSpPr>
+        <p:spPr>
+          <a:xfrm>
+            <a:off x="1561947" y="2769994"/>
+            <a:ext cx="5194583" cy="446485"/>
+          </a:xfrm>
+          <a:prstGeom prst="rect">
+            <a:avLst/>
+          </a:prstGeom>
+          <a:effectLst>
+            <a:outerShdw blurRad="50800" dir="14400000">
+              <a:srgbClr val="000000">
+                <a:alpha val="40000"/>
+              </a:srgbClr>
+            </a:outerShdw>
+          </a:effectLst>
+        </p:spPr>
+        <p:txBody>
+          <a:bodyPr vert="horz" lIns="91440" tIns="45720" rIns="91440" bIns="45720" rtlCol="0" anchor="ctr">
+            <a:normAutofit/>
+          </a:bodyPr>
+          <a:lstStyle>
+            <a:lvl1pPr marL="342900" indent="-342900" algn="l" defTabSz="457200" rtl="0" eaLnBrk="1" latinLnBrk="0" hangingPunct="1">
+              <a:spcBef>
+                <a:spcPct val="20000"/>
+              </a:spcBef>
+              <a:spcAft>
+                <a:spcPts val="600"/>
+              </a:spcAft>
+              <a:buClr>
+                <a:schemeClr val="accent1"/>
+              </a:buClr>
+              <a:buFont typeface="Wingdings 2" charset="2"/>
+              <a:buChar char=""/>
+              <a:defRPr sz="1800" kern="1200">
+                <a:solidFill>
+                  <a:schemeClr val="tx1"/>
+                </a:solidFill>
+                <a:latin typeface="+mn-lt"/>
+                <a:ea typeface="+mn-ea"/>
+                <a:cs typeface="+mn-cs"/>
+              </a:defRPr>
+            </a:lvl1pPr>
+            <a:lvl2pPr marL="742950" indent="-285750" algn="l" defTabSz="457200" rtl="0" eaLnBrk="1" latinLnBrk="0" hangingPunct="1">
+              <a:spcBef>
+                <a:spcPct val="20000"/>
+              </a:spcBef>
+              <a:spcAft>
+                <a:spcPts val="600"/>
+              </a:spcAft>
+              <a:buClr>
+                <a:schemeClr val="accent1"/>
+              </a:buClr>
+              <a:buFont typeface="Wingdings 2" charset="2"/>
+              <a:buChar char=""/>
+              <a:defRPr sz="1600" kern="1200">
+                <a:solidFill>
+                  <a:schemeClr val="tx1"/>
+                </a:solidFill>
+                <a:latin typeface="+mn-lt"/>
+                <a:ea typeface="+mn-ea"/>
+                <a:cs typeface="+mn-cs"/>
+              </a:defRPr>
+            </a:lvl2pPr>
+            <a:lvl3pPr marL="1143000" indent="-228600" algn="l" defTabSz="457200" rtl="0" eaLnBrk="1" latinLnBrk="0" hangingPunct="1">
+              <a:spcBef>
+                <a:spcPct val="20000"/>
+              </a:spcBef>
+              <a:spcAft>
+                <a:spcPts val="600"/>
+              </a:spcAft>
+              <a:buClr>
+                <a:schemeClr val="accent1"/>
+              </a:buClr>
+              <a:buFont typeface="Wingdings 2" charset="2"/>
+              <a:buChar char=""/>
+              <a:defRPr sz="1400" kern="1200">
+                <a:solidFill>
+                  <a:schemeClr val="tx1"/>
+                </a:solidFill>
+                <a:latin typeface="+mn-lt"/>
+                <a:ea typeface="+mn-ea"/>
+                <a:cs typeface="+mn-cs"/>
+              </a:defRPr>
+            </a:lvl3pPr>
+            <a:lvl4pPr marL="1600200" indent="-228600" algn="l" defTabSz="457200" rtl="0" eaLnBrk="1" latinLnBrk="0" hangingPunct="1">
+              <a:spcBef>
+                <a:spcPct val="20000"/>
+              </a:spcBef>
+              <a:spcAft>
+                <a:spcPts val="600"/>
+              </a:spcAft>
+              <a:buClr>
+                <a:schemeClr val="accent1"/>
+              </a:buClr>
+              <a:buFont typeface="Wingdings 2" charset="2"/>
+              <a:buChar char=""/>
+              <a:defRPr sz="1200" kern="1200">
+                <a:solidFill>
+                  <a:schemeClr val="tx1"/>
+                </a:solidFill>
+                <a:latin typeface="+mn-lt"/>
+                <a:ea typeface="+mn-ea"/>
+                <a:cs typeface="+mn-cs"/>
+              </a:defRPr>
+            </a:lvl4pPr>
+            <a:lvl5pPr marL="2057400" indent="-228600" algn="l" defTabSz="457200" rtl="0" eaLnBrk="1" latinLnBrk="0" hangingPunct="1">
+              <a:spcBef>
+                <a:spcPct val="20000"/>
+              </a:spcBef>
+              <a:spcAft>
+                <a:spcPts val="600"/>
+              </a:spcAft>
+              <a:buClr>
+                <a:schemeClr val="accent1"/>
+              </a:buClr>
+              <a:buFont typeface="Wingdings 2" charset="2"/>
+              <a:buChar char=""/>
+              <a:defRPr sz="1200" kern="1200">
+                <a:solidFill>
+                  <a:schemeClr val="tx1"/>
+                </a:solidFill>
+                <a:latin typeface="+mn-lt"/>
+                <a:ea typeface="+mn-ea"/>
+                <a:cs typeface="+mn-cs"/>
+              </a:defRPr>
+            </a:lvl5pPr>
+            <a:lvl6pPr marL="2400000" indent="-228600" algn="l" defTabSz="457200" rtl="0" eaLnBrk="1" latinLnBrk="0" hangingPunct="1">
+              <a:spcBef>
+                <a:spcPct val="20000"/>
+              </a:spcBef>
+              <a:spcAft>
+                <a:spcPts val="600"/>
+              </a:spcAft>
+              <a:buClr>
+                <a:schemeClr val="accent1"/>
+              </a:buClr>
+              <a:buFont typeface="Wingdings 2" charset="2"/>
+              <a:buChar char=""/>
+              <a:defRPr sz="1200" kern="1200">
+                <a:solidFill>
+                  <a:schemeClr val="tx1"/>
+                </a:solidFill>
+                <a:latin typeface="+mn-lt"/>
+                <a:ea typeface="+mn-ea"/>
+                <a:cs typeface="+mn-cs"/>
+              </a:defRPr>
+            </a:lvl6pPr>
+            <a:lvl7pPr marL="2800000" indent="-228600" algn="l" defTabSz="457200" rtl="0" eaLnBrk="1" latinLnBrk="0" hangingPunct="1">
+              <a:spcBef>
+                <a:spcPct val="20000"/>
+              </a:spcBef>
+              <a:spcAft>
+                <a:spcPts val="600"/>
+              </a:spcAft>
+              <a:buClr>
+                <a:schemeClr val="accent1"/>
+              </a:buClr>
+              <a:buFont typeface="Wingdings 2" charset="2"/>
+              <a:buChar char=""/>
+              <a:defRPr sz="1200" kern="1200">
+                <a:solidFill>
+                  <a:schemeClr val="tx1"/>
+                </a:solidFill>
+                <a:latin typeface="+mn-lt"/>
+                <a:ea typeface="+mn-ea"/>
+                <a:cs typeface="+mn-cs"/>
+              </a:defRPr>
+            </a:lvl7pPr>
+            <a:lvl8pPr marL="3200000" indent="-228600" algn="l" defTabSz="457200" rtl="0" eaLnBrk="1" latinLnBrk="0" hangingPunct="1">
+              <a:spcBef>
+                <a:spcPct val="20000"/>
+              </a:spcBef>
+              <a:spcAft>
+                <a:spcPts val="600"/>
+              </a:spcAft>
+              <a:buClr>
+                <a:schemeClr val="accent1"/>
+              </a:buClr>
+              <a:buFont typeface="Wingdings 2" charset="2"/>
+              <a:buChar char=""/>
+              <a:defRPr sz="1200" kern="1200">
+                <a:solidFill>
+                  <a:schemeClr val="tx1"/>
+                </a:solidFill>
+                <a:latin typeface="+mn-lt"/>
+                <a:ea typeface="+mn-ea"/>
+                <a:cs typeface="+mn-cs"/>
+              </a:defRPr>
+            </a:lvl8pPr>
+            <a:lvl9pPr marL="3600000" indent="-228600" algn="l" defTabSz="457200" rtl="0" eaLnBrk="1" latinLnBrk="0" hangingPunct="1">
+              <a:spcBef>
+                <a:spcPct val="20000"/>
+              </a:spcBef>
+              <a:spcAft>
+                <a:spcPts val="600"/>
+              </a:spcAft>
+              <a:buClr>
+                <a:schemeClr val="accent1"/>
+              </a:buClr>
+              <a:buFont typeface="Wingdings 2" charset="2"/>
+              <a:buChar char=""/>
+              <a:defRPr sz="1200" kern="1200">
+                <a:solidFill>
+                  <a:schemeClr val="tx1"/>
+                </a:solidFill>
+                <a:latin typeface="+mn-lt"/>
+                <a:ea typeface="+mn-ea"/>
+                <a:cs typeface="+mn-cs"/>
+              </a:defRPr>
+            </a:lvl9pPr>
+          </a:lstStyle>
+          <a:p>
+            <a:r>
+              <a:rPr lang="en-US" dirty="0" smtClean="0"/>
+              <a:t>github.com</a:t>
+            </a:r>
+            <a:endParaRPr lang="de-DE" dirty="0"/>
+          </a:p>
+        </p:txBody>
+      </p:sp>
+      <p:sp>
+        <p:nvSpPr>
+          <p:cNvPr id="7" name="Inhaltsplatzhalter 3"/>
+          <p:cNvSpPr txBox="1">
+            <a:spLocks/>
+          </p:cNvSpPr>
+          <p:nvPr/>
+        </p:nvSpPr>
+        <p:spPr>
+          <a:xfrm>
+            <a:off x="2521221" y="3987514"/>
+            <a:ext cx="5849421" cy="446485"/>
+          </a:xfrm>
+          <a:prstGeom prst="rect">
+            <a:avLst/>
+          </a:prstGeom>
+          <a:effectLst>
+            <a:outerShdw blurRad="50800" dir="14400000">
+              <a:srgbClr val="000000">
+                <a:alpha val="40000"/>
+              </a:srgbClr>
+            </a:outerShdw>
+          </a:effectLst>
+        </p:spPr>
+        <p:txBody>
+          <a:bodyPr vert="horz" lIns="91440" tIns="45720" rIns="91440" bIns="45720" rtlCol="0" anchor="ctr">
+            <a:normAutofit/>
+          </a:bodyPr>
+          <a:lstStyle>
+            <a:lvl1pPr marL="342900" indent="-342900" algn="l" defTabSz="457200" rtl="0" eaLnBrk="1" latinLnBrk="0" hangingPunct="1">
+              <a:spcBef>
+                <a:spcPct val="20000"/>
+              </a:spcBef>
+              <a:spcAft>
+                <a:spcPts val="600"/>
+              </a:spcAft>
+              <a:buClr>
+                <a:schemeClr val="accent1"/>
+              </a:buClr>
+              <a:buFont typeface="Wingdings 2" charset="2"/>
+              <a:buChar char=""/>
+              <a:defRPr sz="1800" kern="1200">
+                <a:solidFill>
+                  <a:schemeClr val="tx1"/>
+                </a:solidFill>
+                <a:latin typeface="+mn-lt"/>
+                <a:ea typeface="+mn-ea"/>
+                <a:cs typeface="+mn-cs"/>
+              </a:defRPr>
+            </a:lvl1pPr>
+            <a:lvl2pPr marL="742950" indent="-285750" algn="l" defTabSz="457200" rtl="0" eaLnBrk="1" latinLnBrk="0" hangingPunct="1">
+              <a:spcBef>
+                <a:spcPct val="20000"/>
+              </a:spcBef>
+              <a:spcAft>
+                <a:spcPts val="600"/>
+              </a:spcAft>
+              <a:buClr>
+                <a:schemeClr val="accent1"/>
+              </a:buClr>
+              <a:buFont typeface="Wingdings 2" charset="2"/>
+              <a:buChar char=""/>
+              <a:defRPr sz="1600" kern="1200">
+                <a:solidFill>
+                  <a:schemeClr val="tx1"/>
+                </a:solidFill>
+                <a:latin typeface="+mn-lt"/>
+                <a:ea typeface="+mn-ea"/>
+                <a:cs typeface="+mn-cs"/>
+              </a:defRPr>
+            </a:lvl2pPr>
+            <a:lvl3pPr marL="1143000" indent="-228600" algn="l" defTabSz="457200" rtl="0" eaLnBrk="1" latinLnBrk="0" hangingPunct="1">
+              <a:spcBef>
+                <a:spcPct val="20000"/>
+              </a:spcBef>
+              <a:spcAft>
+                <a:spcPts val="600"/>
+              </a:spcAft>
+              <a:buClr>
+                <a:schemeClr val="accent1"/>
+              </a:buClr>
+              <a:buFont typeface="Wingdings 2" charset="2"/>
+              <a:buChar char=""/>
+              <a:defRPr sz="1400" kern="1200">
+                <a:solidFill>
+                  <a:schemeClr val="tx1"/>
+                </a:solidFill>
+                <a:latin typeface="+mn-lt"/>
+                <a:ea typeface="+mn-ea"/>
+                <a:cs typeface="+mn-cs"/>
+              </a:defRPr>
+            </a:lvl3pPr>
+            <a:lvl4pPr marL="1600200" indent="-228600" algn="l" defTabSz="457200" rtl="0" eaLnBrk="1" latinLnBrk="0" hangingPunct="1">
+              <a:spcBef>
+                <a:spcPct val="20000"/>
+              </a:spcBef>
+              <a:spcAft>
+                <a:spcPts val="600"/>
+              </a:spcAft>
+              <a:buClr>
+                <a:schemeClr val="accent1"/>
+              </a:buClr>
+              <a:buFont typeface="Wingdings 2" charset="2"/>
+              <a:buChar char=""/>
+              <a:defRPr sz="1200" kern="1200">
+                <a:solidFill>
+                  <a:schemeClr val="tx1"/>
+                </a:solidFill>
+                <a:latin typeface="+mn-lt"/>
+                <a:ea typeface="+mn-ea"/>
+                <a:cs typeface="+mn-cs"/>
+              </a:defRPr>
+            </a:lvl4pPr>
+            <a:lvl5pPr marL="2057400" indent="-228600" algn="l" defTabSz="457200" rtl="0" eaLnBrk="1" latinLnBrk="0" hangingPunct="1">
+              <a:spcBef>
+                <a:spcPct val="20000"/>
+              </a:spcBef>
+              <a:spcAft>
+                <a:spcPts val="600"/>
+              </a:spcAft>
+              <a:buClr>
+                <a:schemeClr val="accent1"/>
+              </a:buClr>
+              <a:buFont typeface="Wingdings 2" charset="2"/>
+              <a:buChar char=""/>
+              <a:defRPr sz="1200" kern="1200">
+                <a:solidFill>
+                  <a:schemeClr val="tx1"/>
+                </a:solidFill>
+                <a:latin typeface="+mn-lt"/>
+                <a:ea typeface="+mn-ea"/>
+                <a:cs typeface="+mn-cs"/>
+              </a:defRPr>
+            </a:lvl5pPr>
+            <a:lvl6pPr marL="2400000" indent="-228600" algn="l" defTabSz="457200" rtl="0" eaLnBrk="1" latinLnBrk="0" hangingPunct="1">
+              <a:spcBef>
+                <a:spcPct val="20000"/>
+              </a:spcBef>
+              <a:spcAft>
+                <a:spcPts val="600"/>
+              </a:spcAft>
+              <a:buClr>
+                <a:schemeClr val="accent1"/>
+              </a:buClr>
+              <a:buFont typeface="Wingdings 2" charset="2"/>
+              <a:buChar char=""/>
+              <a:defRPr sz="1200" kern="1200">
+                <a:solidFill>
+                  <a:schemeClr val="tx1"/>
+                </a:solidFill>
+                <a:latin typeface="+mn-lt"/>
+                <a:ea typeface="+mn-ea"/>
+                <a:cs typeface="+mn-cs"/>
+              </a:defRPr>
+            </a:lvl6pPr>
+            <a:lvl7pPr marL="2800000" indent="-228600" algn="l" defTabSz="457200" rtl="0" eaLnBrk="1" latinLnBrk="0" hangingPunct="1">
+              <a:spcBef>
+                <a:spcPct val="20000"/>
+              </a:spcBef>
+              <a:spcAft>
+                <a:spcPts val="600"/>
+              </a:spcAft>
+              <a:buClr>
+                <a:schemeClr val="accent1"/>
+              </a:buClr>
+              <a:buFont typeface="Wingdings 2" charset="2"/>
+              <a:buChar char=""/>
+              <a:defRPr sz="1200" kern="1200">
+                <a:solidFill>
+                  <a:schemeClr val="tx1"/>
+                </a:solidFill>
+                <a:latin typeface="+mn-lt"/>
+                <a:ea typeface="+mn-ea"/>
+                <a:cs typeface="+mn-cs"/>
+              </a:defRPr>
+            </a:lvl7pPr>
+            <a:lvl8pPr marL="3200000" indent="-228600" algn="l" defTabSz="457200" rtl="0" eaLnBrk="1" latinLnBrk="0" hangingPunct="1">
+              <a:spcBef>
+                <a:spcPct val="20000"/>
+              </a:spcBef>
+              <a:spcAft>
+                <a:spcPts val="600"/>
+              </a:spcAft>
+              <a:buClr>
+                <a:schemeClr val="accent1"/>
+              </a:buClr>
+              <a:buFont typeface="Wingdings 2" charset="2"/>
+              <a:buChar char=""/>
+              <a:defRPr sz="1200" kern="1200">
+                <a:solidFill>
+                  <a:schemeClr val="tx1"/>
+                </a:solidFill>
+                <a:latin typeface="+mn-lt"/>
+                <a:ea typeface="+mn-ea"/>
+                <a:cs typeface="+mn-cs"/>
+              </a:defRPr>
+            </a:lvl8pPr>
+            <a:lvl9pPr marL="3600000" indent="-228600" algn="l" defTabSz="457200" rtl="0" eaLnBrk="1" latinLnBrk="0" hangingPunct="1">
+              <a:spcBef>
+                <a:spcPct val="20000"/>
+              </a:spcBef>
+              <a:spcAft>
+                <a:spcPts val="600"/>
+              </a:spcAft>
+              <a:buClr>
+                <a:schemeClr val="accent1"/>
+              </a:buClr>
+              <a:buFont typeface="Wingdings 2" charset="2"/>
+              <a:buChar char=""/>
+              <a:defRPr sz="1200" kern="1200">
+                <a:solidFill>
+                  <a:schemeClr val="tx1"/>
+                </a:solidFill>
+                <a:latin typeface="+mn-lt"/>
+                <a:ea typeface="+mn-ea"/>
+                <a:cs typeface="+mn-cs"/>
+              </a:defRPr>
+            </a:lvl9pPr>
+          </a:lstStyle>
+          <a:p>
+            <a:r>
+              <a:rPr lang="de-DE" dirty="0"/>
+              <a:t>Projektname</a:t>
+            </a:r>
+            <a:r>
+              <a:rPr lang="en-US" dirty="0"/>
+              <a:t> </a:t>
+            </a:r>
+            <a:r>
+              <a:rPr lang="de-DE" dirty="0" smtClean="0"/>
+              <a:t>wobei</a:t>
+            </a:r>
+            <a:r>
+              <a:rPr lang="en-US" dirty="0" smtClean="0"/>
+              <a:t> gilt “prefix-</a:t>
+            </a:r>
+            <a:r>
+              <a:rPr lang="en-US" dirty="0"/>
+              <a:t>P</a:t>
+            </a:r>
+            <a:r>
+              <a:rPr lang="en-US" dirty="0" smtClean="0"/>
+              <a:t>ackagename”</a:t>
+            </a:r>
+            <a:endParaRPr lang="de-DE" dirty="0"/>
+          </a:p>
+        </p:txBody>
+      </p:sp>
+      <p:sp>
+        <p:nvSpPr>
+          <p:cNvPr id="8" name="Inhaltsplatzhalter 3"/>
+          <p:cNvSpPr txBox="1">
+            <a:spLocks/>
+          </p:cNvSpPr>
+          <p:nvPr/>
+        </p:nvSpPr>
+        <p:spPr>
+          <a:xfrm>
+            <a:off x="2986235" y="4546743"/>
+            <a:ext cx="7003741" cy="446485"/>
+          </a:xfrm>
+          <a:prstGeom prst="rect">
+            <a:avLst/>
+          </a:prstGeom>
+          <a:effectLst>
+            <a:outerShdw blurRad="50800" dir="14400000">
+              <a:srgbClr val="000000">
+                <a:alpha val="40000"/>
+              </a:srgbClr>
+            </a:outerShdw>
+          </a:effectLst>
+        </p:spPr>
+        <p:txBody>
+          <a:bodyPr vert="horz" lIns="91440" tIns="45720" rIns="91440" bIns="45720" rtlCol="0" anchor="ctr">
+            <a:normAutofit/>
+          </a:bodyPr>
+          <a:lstStyle>
+            <a:lvl1pPr marL="342900" indent="-342900" algn="l" defTabSz="457200" rtl="0" eaLnBrk="1" latinLnBrk="0" hangingPunct="1">
+              <a:spcBef>
+                <a:spcPct val="20000"/>
+              </a:spcBef>
+              <a:spcAft>
+                <a:spcPts val="600"/>
+              </a:spcAft>
+              <a:buClr>
+                <a:schemeClr val="accent1"/>
+              </a:buClr>
+              <a:buFont typeface="Wingdings 2" charset="2"/>
+              <a:buChar char=""/>
+              <a:defRPr sz="1800" kern="1200">
+                <a:solidFill>
+                  <a:schemeClr val="tx1"/>
+                </a:solidFill>
+                <a:latin typeface="+mn-lt"/>
+                <a:ea typeface="+mn-ea"/>
+                <a:cs typeface="+mn-cs"/>
+              </a:defRPr>
+            </a:lvl1pPr>
+            <a:lvl2pPr marL="742950" indent="-285750" algn="l" defTabSz="457200" rtl="0" eaLnBrk="1" latinLnBrk="0" hangingPunct="1">
+              <a:spcBef>
+                <a:spcPct val="20000"/>
+              </a:spcBef>
+              <a:spcAft>
+                <a:spcPts val="600"/>
+              </a:spcAft>
+              <a:buClr>
+                <a:schemeClr val="accent1"/>
+              </a:buClr>
+              <a:buFont typeface="Wingdings 2" charset="2"/>
+              <a:buChar char=""/>
+              <a:defRPr sz="1600" kern="1200">
+                <a:solidFill>
+                  <a:schemeClr val="tx1"/>
+                </a:solidFill>
+                <a:latin typeface="+mn-lt"/>
+                <a:ea typeface="+mn-ea"/>
+                <a:cs typeface="+mn-cs"/>
+              </a:defRPr>
+            </a:lvl2pPr>
+            <a:lvl3pPr marL="1143000" indent="-228600" algn="l" defTabSz="457200" rtl="0" eaLnBrk="1" latinLnBrk="0" hangingPunct="1">
+              <a:spcBef>
+                <a:spcPct val="20000"/>
+              </a:spcBef>
+              <a:spcAft>
+                <a:spcPts val="600"/>
+              </a:spcAft>
+              <a:buClr>
+                <a:schemeClr val="accent1"/>
+              </a:buClr>
+              <a:buFont typeface="Wingdings 2" charset="2"/>
+              <a:buChar char=""/>
+              <a:defRPr sz="1400" kern="1200">
+                <a:solidFill>
+                  <a:schemeClr val="tx1"/>
+                </a:solidFill>
+                <a:latin typeface="+mn-lt"/>
+                <a:ea typeface="+mn-ea"/>
+                <a:cs typeface="+mn-cs"/>
+              </a:defRPr>
+            </a:lvl3pPr>
+            <a:lvl4pPr marL="1600200" indent="-228600" algn="l" defTabSz="457200" rtl="0" eaLnBrk="1" latinLnBrk="0" hangingPunct="1">
+              <a:spcBef>
+                <a:spcPct val="20000"/>
+              </a:spcBef>
+              <a:spcAft>
+                <a:spcPts val="600"/>
+              </a:spcAft>
+              <a:buClr>
+                <a:schemeClr val="accent1"/>
+              </a:buClr>
+              <a:buFont typeface="Wingdings 2" charset="2"/>
+              <a:buChar char=""/>
+              <a:defRPr sz="1200" kern="1200">
+                <a:solidFill>
+                  <a:schemeClr val="tx1"/>
+                </a:solidFill>
+                <a:latin typeface="+mn-lt"/>
+                <a:ea typeface="+mn-ea"/>
+                <a:cs typeface="+mn-cs"/>
+              </a:defRPr>
+            </a:lvl4pPr>
+            <a:lvl5pPr marL="2057400" indent="-228600" algn="l" defTabSz="457200" rtl="0" eaLnBrk="1" latinLnBrk="0" hangingPunct="1">
+              <a:spcBef>
+                <a:spcPct val="20000"/>
+              </a:spcBef>
+              <a:spcAft>
+                <a:spcPts val="600"/>
+              </a:spcAft>
+              <a:buClr>
+                <a:schemeClr val="accent1"/>
+              </a:buClr>
+              <a:buFont typeface="Wingdings 2" charset="2"/>
+              <a:buChar char=""/>
+              <a:defRPr sz="1200" kern="1200">
+                <a:solidFill>
+                  <a:schemeClr val="tx1"/>
+                </a:solidFill>
+                <a:latin typeface="+mn-lt"/>
+                <a:ea typeface="+mn-ea"/>
+                <a:cs typeface="+mn-cs"/>
+              </a:defRPr>
+            </a:lvl5pPr>
+            <a:lvl6pPr marL="2400000" indent="-228600" algn="l" defTabSz="457200" rtl="0" eaLnBrk="1" latinLnBrk="0" hangingPunct="1">
+              <a:spcBef>
+                <a:spcPct val="20000"/>
+              </a:spcBef>
+              <a:spcAft>
+                <a:spcPts val="600"/>
+              </a:spcAft>
+              <a:buClr>
+                <a:schemeClr val="accent1"/>
+              </a:buClr>
+              <a:buFont typeface="Wingdings 2" charset="2"/>
+              <a:buChar char=""/>
+              <a:defRPr sz="1200" kern="1200">
+                <a:solidFill>
+                  <a:schemeClr val="tx1"/>
+                </a:solidFill>
+                <a:latin typeface="+mn-lt"/>
+                <a:ea typeface="+mn-ea"/>
+                <a:cs typeface="+mn-cs"/>
+              </a:defRPr>
+            </a:lvl6pPr>
+            <a:lvl7pPr marL="2800000" indent="-228600" algn="l" defTabSz="457200" rtl="0" eaLnBrk="1" latinLnBrk="0" hangingPunct="1">
+              <a:spcBef>
+                <a:spcPct val="20000"/>
+              </a:spcBef>
+              <a:spcAft>
+                <a:spcPts val="600"/>
+              </a:spcAft>
+              <a:buClr>
+                <a:schemeClr val="accent1"/>
+              </a:buClr>
+              <a:buFont typeface="Wingdings 2" charset="2"/>
+              <a:buChar char=""/>
+              <a:defRPr sz="1200" kern="1200">
+                <a:solidFill>
+                  <a:schemeClr val="tx1"/>
+                </a:solidFill>
+                <a:latin typeface="+mn-lt"/>
+                <a:ea typeface="+mn-ea"/>
+                <a:cs typeface="+mn-cs"/>
+              </a:defRPr>
+            </a:lvl7pPr>
+            <a:lvl8pPr marL="3200000" indent="-228600" algn="l" defTabSz="457200" rtl="0" eaLnBrk="1" latinLnBrk="0" hangingPunct="1">
+              <a:spcBef>
+                <a:spcPct val="20000"/>
+              </a:spcBef>
+              <a:spcAft>
+                <a:spcPts val="600"/>
+              </a:spcAft>
+              <a:buClr>
+                <a:schemeClr val="accent1"/>
+              </a:buClr>
+              <a:buFont typeface="Wingdings 2" charset="2"/>
+              <a:buChar char=""/>
+              <a:defRPr sz="1200" kern="1200">
+                <a:solidFill>
+                  <a:schemeClr val="tx1"/>
+                </a:solidFill>
+                <a:latin typeface="+mn-lt"/>
+                <a:ea typeface="+mn-ea"/>
+                <a:cs typeface="+mn-cs"/>
+              </a:defRPr>
+            </a:lvl8pPr>
+            <a:lvl9pPr marL="3600000" indent="-228600" algn="l" defTabSz="457200" rtl="0" eaLnBrk="1" latinLnBrk="0" hangingPunct="1">
+              <a:spcBef>
+                <a:spcPct val="20000"/>
+              </a:spcBef>
+              <a:spcAft>
+                <a:spcPts val="600"/>
+              </a:spcAft>
+              <a:buClr>
+                <a:schemeClr val="accent1"/>
+              </a:buClr>
+              <a:buFont typeface="Wingdings 2" charset="2"/>
+              <a:buChar char=""/>
+              <a:defRPr sz="1200" kern="1200">
+                <a:solidFill>
+                  <a:schemeClr val="tx1"/>
+                </a:solidFill>
+                <a:latin typeface="+mn-lt"/>
+                <a:ea typeface="+mn-ea"/>
+                <a:cs typeface="+mn-cs"/>
+              </a:defRPr>
+            </a:lvl9pPr>
+          </a:lstStyle>
+          <a:p>
+            <a:r>
+              <a:rPr lang="de-DE" dirty="0" smtClean="0"/>
+              <a:t>Sub-Projektname</a:t>
+            </a:r>
+            <a:r>
+              <a:rPr lang="en-US" dirty="0" smtClean="0"/>
+              <a:t> </a:t>
+            </a:r>
+            <a:r>
+              <a:rPr lang="de-DE" dirty="0" smtClean="0"/>
+              <a:t>wobei</a:t>
+            </a:r>
+            <a:r>
+              <a:rPr lang="en-US" dirty="0" smtClean="0"/>
+              <a:t> gilt “prefix-(Sub)</a:t>
+            </a:r>
+            <a:r>
+              <a:rPr lang="en-US" dirty="0" err="1" smtClean="0"/>
+              <a:t>Packagename</a:t>
+            </a:r>
+            <a:r>
+              <a:rPr lang="en-US" dirty="0" smtClean="0"/>
+              <a:t>”</a:t>
+            </a:r>
+            <a:endParaRPr lang="de-DE" dirty="0"/>
+          </a:p>
+        </p:txBody>
+      </p:sp>
+      <p:sp>
+        <p:nvSpPr>
+          <p:cNvPr id="9" name="Inhaltsplatzhalter 3"/>
+          <p:cNvSpPr txBox="1">
+            <a:spLocks/>
+          </p:cNvSpPr>
+          <p:nvPr/>
+        </p:nvSpPr>
+        <p:spPr>
+          <a:xfrm>
+            <a:off x="3413073" y="5177595"/>
+            <a:ext cx="7466420" cy="446485"/>
+          </a:xfrm>
+          <a:prstGeom prst="rect">
+            <a:avLst/>
+          </a:prstGeom>
+          <a:effectLst>
+            <a:outerShdw blurRad="50800" dir="14400000">
+              <a:srgbClr val="000000">
+                <a:alpha val="40000"/>
+              </a:srgbClr>
+            </a:outerShdw>
+          </a:effectLst>
+        </p:spPr>
+        <p:txBody>
+          <a:bodyPr vert="horz" lIns="91440" tIns="45720" rIns="91440" bIns="45720" rtlCol="0" anchor="ctr">
+            <a:normAutofit/>
+          </a:bodyPr>
+          <a:lstStyle>
+            <a:lvl1pPr marL="342900" indent="-342900" algn="l" defTabSz="457200" rtl="0" eaLnBrk="1" latinLnBrk="0" hangingPunct="1">
+              <a:spcBef>
+                <a:spcPct val="20000"/>
+              </a:spcBef>
+              <a:spcAft>
+                <a:spcPts val="600"/>
+              </a:spcAft>
+              <a:buClr>
+                <a:schemeClr val="accent1"/>
+              </a:buClr>
+              <a:buFont typeface="Wingdings 2" charset="2"/>
+              <a:buChar char=""/>
+              <a:defRPr sz="1800" kern="1200">
+                <a:solidFill>
+                  <a:schemeClr val="tx1"/>
+                </a:solidFill>
+                <a:latin typeface="+mn-lt"/>
+                <a:ea typeface="+mn-ea"/>
+                <a:cs typeface="+mn-cs"/>
+              </a:defRPr>
+            </a:lvl1pPr>
+            <a:lvl2pPr marL="742950" indent="-285750" algn="l" defTabSz="457200" rtl="0" eaLnBrk="1" latinLnBrk="0" hangingPunct="1">
+              <a:spcBef>
+                <a:spcPct val="20000"/>
+              </a:spcBef>
+              <a:spcAft>
+                <a:spcPts val="600"/>
+              </a:spcAft>
+              <a:buClr>
+                <a:schemeClr val="accent1"/>
+              </a:buClr>
+              <a:buFont typeface="Wingdings 2" charset="2"/>
+              <a:buChar char=""/>
+              <a:defRPr sz="1600" kern="1200">
+                <a:solidFill>
+                  <a:schemeClr val="tx1"/>
+                </a:solidFill>
+                <a:latin typeface="+mn-lt"/>
+                <a:ea typeface="+mn-ea"/>
+                <a:cs typeface="+mn-cs"/>
+              </a:defRPr>
+            </a:lvl2pPr>
+            <a:lvl3pPr marL="1143000" indent="-228600" algn="l" defTabSz="457200" rtl="0" eaLnBrk="1" latinLnBrk="0" hangingPunct="1">
+              <a:spcBef>
+                <a:spcPct val="20000"/>
+              </a:spcBef>
+              <a:spcAft>
+                <a:spcPts val="600"/>
+              </a:spcAft>
+              <a:buClr>
+                <a:schemeClr val="accent1"/>
+              </a:buClr>
+              <a:buFont typeface="Wingdings 2" charset="2"/>
+              <a:buChar char=""/>
+              <a:defRPr sz="1400" kern="1200">
+                <a:solidFill>
+                  <a:schemeClr val="tx1"/>
+                </a:solidFill>
+                <a:latin typeface="+mn-lt"/>
+                <a:ea typeface="+mn-ea"/>
+                <a:cs typeface="+mn-cs"/>
+              </a:defRPr>
+            </a:lvl3pPr>
+            <a:lvl4pPr marL="1600200" indent="-228600" algn="l" defTabSz="457200" rtl="0" eaLnBrk="1" latinLnBrk="0" hangingPunct="1">
+              <a:spcBef>
+                <a:spcPct val="20000"/>
+              </a:spcBef>
+              <a:spcAft>
+                <a:spcPts val="600"/>
+              </a:spcAft>
+              <a:buClr>
+                <a:schemeClr val="accent1"/>
+              </a:buClr>
+              <a:buFont typeface="Wingdings 2" charset="2"/>
+              <a:buChar char=""/>
+              <a:defRPr sz="1200" kern="1200">
+                <a:solidFill>
+                  <a:schemeClr val="tx1"/>
+                </a:solidFill>
+                <a:latin typeface="+mn-lt"/>
+                <a:ea typeface="+mn-ea"/>
+                <a:cs typeface="+mn-cs"/>
+              </a:defRPr>
+            </a:lvl4pPr>
+            <a:lvl5pPr marL="2057400" indent="-228600" algn="l" defTabSz="457200" rtl="0" eaLnBrk="1" latinLnBrk="0" hangingPunct="1">
+              <a:spcBef>
+                <a:spcPct val="20000"/>
+              </a:spcBef>
+              <a:spcAft>
+                <a:spcPts val="600"/>
+              </a:spcAft>
+              <a:buClr>
+                <a:schemeClr val="accent1"/>
+              </a:buClr>
+              <a:buFont typeface="Wingdings 2" charset="2"/>
+              <a:buChar char=""/>
+              <a:defRPr sz="1200" kern="1200">
+                <a:solidFill>
+                  <a:schemeClr val="tx1"/>
+                </a:solidFill>
+                <a:latin typeface="+mn-lt"/>
+                <a:ea typeface="+mn-ea"/>
+                <a:cs typeface="+mn-cs"/>
+              </a:defRPr>
+            </a:lvl5pPr>
+            <a:lvl6pPr marL="2400000" indent="-228600" algn="l" defTabSz="457200" rtl="0" eaLnBrk="1" latinLnBrk="0" hangingPunct="1">
+              <a:spcBef>
+                <a:spcPct val="20000"/>
+              </a:spcBef>
+              <a:spcAft>
+                <a:spcPts val="600"/>
+              </a:spcAft>
+              <a:buClr>
+                <a:schemeClr val="accent1"/>
+              </a:buClr>
+              <a:buFont typeface="Wingdings 2" charset="2"/>
+              <a:buChar char=""/>
+              <a:defRPr sz="1200" kern="1200">
+                <a:solidFill>
+                  <a:schemeClr val="tx1"/>
+                </a:solidFill>
+                <a:latin typeface="+mn-lt"/>
+                <a:ea typeface="+mn-ea"/>
+                <a:cs typeface="+mn-cs"/>
+              </a:defRPr>
+            </a:lvl6pPr>
+            <a:lvl7pPr marL="2800000" indent="-228600" algn="l" defTabSz="457200" rtl="0" eaLnBrk="1" latinLnBrk="0" hangingPunct="1">
+              <a:spcBef>
+                <a:spcPct val="20000"/>
+              </a:spcBef>
+              <a:spcAft>
+                <a:spcPts val="600"/>
+              </a:spcAft>
+              <a:buClr>
+                <a:schemeClr val="accent1"/>
+              </a:buClr>
+              <a:buFont typeface="Wingdings 2" charset="2"/>
+              <a:buChar char=""/>
+              <a:defRPr sz="1200" kern="1200">
+                <a:solidFill>
+                  <a:schemeClr val="tx1"/>
+                </a:solidFill>
+                <a:latin typeface="+mn-lt"/>
+                <a:ea typeface="+mn-ea"/>
+                <a:cs typeface="+mn-cs"/>
+              </a:defRPr>
+            </a:lvl7pPr>
+            <a:lvl8pPr marL="3200000" indent="-228600" algn="l" defTabSz="457200" rtl="0" eaLnBrk="1" latinLnBrk="0" hangingPunct="1">
+              <a:spcBef>
+                <a:spcPct val="20000"/>
+              </a:spcBef>
+              <a:spcAft>
+                <a:spcPts val="600"/>
+              </a:spcAft>
+              <a:buClr>
+                <a:schemeClr val="accent1"/>
+              </a:buClr>
+              <a:buFont typeface="Wingdings 2" charset="2"/>
+              <a:buChar char=""/>
+              <a:defRPr sz="1200" kern="1200">
+                <a:solidFill>
+                  <a:schemeClr val="tx1"/>
+                </a:solidFill>
+                <a:latin typeface="+mn-lt"/>
+                <a:ea typeface="+mn-ea"/>
+                <a:cs typeface="+mn-cs"/>
+              </a:defRPr>
+            </a:lvl8pPr>
+            <a:lvl9pPr marL="3600000" indent="-228600" algn="l" defTabSz="457200" rtl="0" eaLnBrk="1" latinLnBrk="0" hangingPunct="1">
+              <a:spcBef>
+                <a:spcPct val="20000"/>
+              </a:spcBef>
+              <a:spcAft>
+                <a:spcPts val="600"/>
+              </a:spcAft>
+              <a:buClr>
+                <a:schemeClr val="accent1"/>
+              </a:buClr>
+              <a:buFont typeface="Wingdings 2" charset="2"/>
+              <a:buChar char=""/>
+              <a:defRPr sz="1200" kern="1200">
+                <a:solidFill>
+                  <a:schemeClr val="tx1"/>
+                </a:solidFill>
+                <a:latin typeface="+mn-lt"/>
+                <a:ea typeface="+mn-ea"/>
+                <a:cs typeface="+mn-cs"/>
+              </a:defRPr>
+            </a:lvl9pPr>
+          </a:lstStyle>
+          <a:p>
+            <a:r>
+              <a:rPr lang="en-US" dirty="0" smtClean="0"/>
+              <a:t>GO </a:t>
+            </a:r>
+            <a:r>
+              <a:rPr lang="de-DE" dirty="0" smtClean="0"/>
+              <a:t>Dateien beginnend mit „</a:t>
+            </a:r>
+            <a:r>
+              <a:rPr lang="de-DE" dirty="0" err="1" smtClean="0"/>
+              <a:t>package</a:t>
+            </a:r>
+            <a:r>
+              <a:rPr lang="de-DE" dirty="0" smtClean="0"/>
+              <a:t> </a:t>
+            </a:r>
+            <a:r>
+              <a:rPr lang="en-US" dirty="0"/>
+              <a:t>(Sub)</a:t>
+            </a:r>
+            <a:r>
+              <a:rPr lang="en-US" dirty="0" err="1"/>
+              <a:t>Packagename</a:t>
+            </a:r>
+            <a:r>
+              <a:rPr lang="de-DE" dirty="0" smtClean="0"/>
+              <a:t>“</a:t>
+            </a:r>
+            <a:endParaRPr lang="de-DE" dirty="0"/>
+          </a:p>
+        </p:txBody>
+      </p:sp>
+      <p:sp>
+        <p:nvSpPr>
+          <p:cNvPr id="10" name="Inhaltsplatzhalter 3"/>
+          <p:cNvSpPr txBox="1">
+            <a:spLocks/>
+          </p:cNvSpPr>
+          <p:nvPr/>
+        </p:nvSpPr>
+        <p:spPr>
+          <a:xfrm>
+            <a:off x="2986235" y="5808447"/>
+            <a:ext cx="7756410" cy="446485"/>
+          </a:xfrm>
+          <a:prstGeom prst="rect">
+            <a:avLst/>
+          </a:prstGeom>
+          <a:effectLst>
+            <a:outerShdw blurRad="50800" dir="14400000">
+              <a:srgbClr val="000000">
+                <a:alpha val="40000"/>
+              </a:srgbClr>
+            </a:outerShdw>
+          </a:effectLst>
+        </p:spPr>
+        <p:txBody>
+          <a:bodyPr vert="horz" lIns="91440" tIns="45720" rIns="91440" bIns="45720" rtlCol="0" anchor="ctr">
+            <a:normAutofit fontScale="92500"/>
+          </a:bodyPr>
+          <a:lstStyle>
+            <a:lvl1pPr marL="342900" indent="-342900" algn="l" defTabSz="457200" rtl="0" eaLnBrk="1" latinLnBrk="0" hangingPunct="1">
+              <a:spcBef>
+                <a:spcPct val="20000"/>
+              </a:spcBef>
+              <a:spcAft>
+                <a:spcPts val="600"/>
+              </a:spcAft>
+              <a:buClr>
+                <a:schemeClr val="accent1"/>
+              </a:buClr>
+              <a:buFont typeface="Wingdings 2" charset="2"/>
+              <a:buChar char=""/>
+              <a:defRPr sz="1800" kern="1200">
+                <a:solidFill>
+                  <a:schemeClr val="tx1"/>
+                </a:solidFill>
+                <a:latin typeface="+mn-lt"/>
+                <a:ea typeface="+mn-ea"/>
+                <a:cs typeface="+mn-cs"/>
+              </a:defRPr>
+            </a:lvl1pPr>
+            <a:lvl2pPr marL="742950" indent="-285750" algn="l" defTabSz="457200" rtl="0" eaLnBrk="1" latinLnBrk="0" hangingPunct="1">
+              <a:spcBef>
+                <a:spcPct val="20000"/>
+              </a:spcBef>
+              <a:spcAft>
+                <a:spcPts val="600"/>
+              </a:spcAft>
+              <a:buClr>
+                <a:schemeClr val="accent1"/>
+              </a:buClr>
+              <a:buFont typeface="Wingdings 2" charset="2"/>
+              <a:buChar char=""/>
+              <a:defRPr sz="1600" kern="1200">
+                <a:solidFill>
+                  <a:schemeClr val="tx1"/>
+                </a:solidFill>
+                <a:latin typeface="+mn-lt"/>
+                <a:ea typeface="+mn-ea"/>
+                <a:cs typeface="+mn-cs"/>
+              </a:defRPr>
+            </a:lvl2pPr>
+            <a:lvl3pPr marL="1143000" indent="-228600" algn="l" defTabSz="457200" rtl="0" eaLnBrk="1" latinLnBrk="0" hangingPunct="1">
+              <a:spcBef>
+                <a:spcPct val="20000"/>
+              </a:spcBef>
+              <a:spcAft>
+                <a:spcPts val="600"/>
+              </a:spcAft>
+              <a:buClr>
+                <a:schemeClr val="accent1"/>
+              </a:buClr>
+              <a:buFont typeface="Wingdings 2" charset="2"/>
+              <a:buChar char=""/>
+              <a:defRPr sz="1400" kern="1200">
+                <a:solidFill>
+                  <a:schemeClr val="tx1"/>
+                </a:solidFill>
+                <a:latin typeface="+mn-lt"/>
+                <a:ea typeface="+mn-ea"/>
+                <a:cs typeface="+mn-cs"/>
+              </a:defRPr>
+            </a:lvl3pPr>
+            <a:lvl4pPr marL="1600200" indent="-228600" algn="l" defTabSz="457200" rtl="0" eaLnBrk="1" latinLnBrk="0" hangingPunct="1">
+              <a:spcBef>
+                <a:spcPct val="20000"/>
+              </a:spcBef>
+              <a:spcAft>
+                <a:spcPts val="600"/>
+              </a:spcAft>
+              <a:buClr>
+                <a:schemeClr val="accent1"/>
+              </a:buClr>
+              <a:buFont typeface="Wingdings 2" charset="2"/>
+              <a:buChar char=""/>
+              <a:defRPr sz="1200" kern="1200">
+                <a:solidFill>
+                  <a:schemeClr val="tx1"/>
+                </a:solidFill>
+                <a:latin typeface="+mn-lt"/>
+                <a:ea typeface="+mn-ea"/>
+                <a:cs typeface="+mn-cs"/>
+              </a:defRPr>
+            </a:lvl4pPr>
+            <a:lvl5pPr marL="2057400" indent="-228600" algn="l" defTabSz="457200" rtl="0" eaLnBrk="1" latinLnBrk="0" hangingPunct="1">
+              <a:spcBef>
+                <a:spcPct val="20000"/>
+              </a:spcBef>
+              <a:spcAft>
+                <a:spcPts val="600"/>
+              </a:spcAft>
+              <a:buClr>
+                <a:schemeClr val="accent1"/>
+              </a:buClr>
+              <a:buFont typeface="Wingdings 2" charset="2"/>
+              <a:buChar char=""/>
+              <a:defRPr sz="1200" kern="1200">
+                <a:solidFill>
+                  <a:schemeClr val="tx1"/>
+                </a:solidFill>
+                <a:latin typeface="+mn-lt"/>
+                <a:ea typeface="+mn-ea"/>
+                <a:cs typeface="+mn-cs"/>
+              </a:defRPr>
+            </a:lvl5pPr>
+            <a:lvl6pPr marL="2400000" indent="-228600" algn="l" defTabSz="457200" rtl="0" eaLnBrk="1" latinLnBrk="0" hangingPunct="1">
+              <a:spcBef>
+                <a:spcPct val="20000"/>
+              </a:spcBef>
+              <a:spcAft>
+                <a:spcPts val="600"/>
+              </a:spcAft>
+              <a:buClr>
+                <a:schemeClr val="accent1"/>
+              </a:buClr>
+              <a:buFont typeface="Wingdings 2" charset="2"/>
+              <a:buChar char=""/>
+              <a:defRPr sz="1200" kern="1200">
+                <a:solidFill>
+                  <a:schemeClr val="tx1"/>
+                </a:solidFill>
+                <a:latin typeface="+mn-lt"/>
+                <a:ea typeface="+mn-ea"/>
+                <a:cs typeface="+mn-cs"/>
+              </a:defRPr>
+            </a:lvl6pPr>
+            <a:lvl7pPr marL="2800000" indent="-228600" algn="l" defTabSz="457200" rtl="0" eaLnBrk="1" latinLnBrk="0" hangingPunct="1">
+              <a:spcBef>
+                <a:spcPct val="20000"/>
+              </a:spcBef>
+              <a:spcAft>
+                <a:spcPts val="600"/>
+              </a:spcAft>
+              <a:buClr>
+                <a:schemeClr val="accent1"/>
+              </a:buClr>
+              <a:buFont typeface="Wingdings 2" charset="2"/>
+              <a:buChar char=""/>
+              <a:defRPr sz="1200" kern="1200">
+                <a:solidFill>
+                  <a:schemeClr val="tx1"/>
+                </a:solidFill>
+                <a:latin typeface="+mn-lt"/>
+                <a:ea typeface="+mn-ea"/>
+                <a:cs typeface="+mn-cs"/>
+              </a:defRPr>
+            </a:lvl7pPr>
+            <a:lvl8pPr marL="3200000" indent="-228600" algn="l" defTabSz="457200" rtl="0" eaLnBrk="1" latinLnBrk="0" hangingPunct="1">
+              <a:spcBef>
+                <a:spcPct val="20000"/>
+              </a:spcBef>
+              <a:spcAft>
+                <a:spcPts val="600"/>
+              </a:spcAft>
+              <a:buClr>
+                <a:schemeClr val="accent1"/>
+              </a:buClr>
+              <a:buFont typeface="Wingdings 2" charset="2"/>
+              <a:buChar char=""/>
+              <a:defRPr sz="1200" kern="1200">
+                <a:solidFill>
+                  <a:schemeClr val="tx1"/>
+                </a:solidFill>
+                <a:latin typeface="+mn-lt"/>
+                <a:ea typeface="+mn-ea"/>
+                <a:cs typeface="+mn-cs"/>
+              </a:defRPr>
+            </a:lvl8pPr>
+            <a:lvl9pPr marL="3600000" indent="-228600" algn="l" defTabSz="457200" rtl="0" eaLnBrk="1" latinLnBrk="0" hangingPunct="1">
+              <a:spcBef>
+                <a:spcPct val="20000"/>
+              </a:spcBef>
+              <a:spcAft>
+                <a:spcPts val="600"/>
+              </a:spcAft>
+              <a:buClr>
+                <a:schemeClr val="accent1"/>
+              </a:buClr>
+              <a:buFont typeface="Wingdings 2" charset="2"/>
+              <a:buChar char=""/>
+              <a:defRPr sz="1200" kern="1200">
+                <a:solidFill>
+                  <a:schemeClr val="tx1"/>
+                </a:solidFill>
+                <a:latin typeface="+mn-lt"/>
+                <a:ea typeface="+mn-ea"/>
+                <a:cs typeface="+mn-cs"/>
+              </a:defRPr>
+            </a:lvl9pPr>
+          </a:lstStyle>
+          <a:p>
+            <a:r>
+              <a:rPr lang="en-US" dirty="0" smtClean="0"/>
+              <a:t>GO </a:t>
+            </a:r>
+            <a:r>
+              <a:rPr lang="de-DE" dirty="0" smtClean="0"/>
+              <a:t>Dateien beginnend mit „</a:t>
+            </a:r>
+            <a:r>
+              <a:rPr lang="de-DE" dirty="0" err="1" smtClean="0"/>
+              <a:t>package</a:t>
+            </a:r>
+            <a:r>
+              <a:rPr lang="de-DE" dirty="0" smtClean="0"/>
+              <a:t> </a:t>
+            </a:r>
+            <a:r>
+              <a:rPr lang="en-US" dirty="0" err="1" smtClean="0"/>
+              <a:t>Packagename</a:t>
+            </a:r>
+            <a:r>
+              <a:rPr lang="en-US" dirty="0" smtClean="0"/>
+              <a:t> </a:t>
+            </a:r>
+            <a:r>
+              <a:rPr lang="en-US" dirty="0" err="1" smtClean="0"/>
+              <a:t>oder</a:t>
+            </a:r>
+            <a:r>
+              <a:rPr lang="en-US" dirty="0" smtClean="0"/>
+              <a:t> main</a:t>
+            </a:r>
+            <a:r>
+              <a:rPr lang="de-DE" dirty="0" smtClean="0"/>
+              <a:t>“</a:t>
+            </a:r>
+            <a:endParaRPr lang="de-DE" dirty="0"/>
+          </a:p>
+        </p:txBody>
+      </p:sp>
+    </p:spTree>
+    <p:extLst>
+      <p:ext uri="{BB962C8B-B14F-4D97-AF65-F5344CB8AC3E}">
+        <p14:creationId xmlns:p14="http://schemas.microsoft.com/office/powerpoint/2010/main" val="3213114292"/>
+      </p:ext>
+    </p:extLst>
+  </p:cSld>
+  <p:clrMapOvr>
+    <a:masterClrMapping/>
+  </p:clrMapOvr>
+  <p:timing>
+    <p:tnLst>
+      <p:par>
+        <p:cTn id="1" dur="indefinite" restart="never" nodeType="tmRoot"/>
+      </p:par>
+    </p:tnLst>
+  </p:timing>
+</p:sld>
+</file>
+
+<file path=ppt/slides/slide6.xml><?xml version="1.0" encoding="utf-8"?>
+<p:sld xmlns:a="http://schemas.openxmlformats.org/drawingml/2006/main" xmlns:r="http://schemas.openxmlformats.org/officeDocument/2006/relationships" xmlns:p="http://schemas.openxmlformats.org/presentationml/2006/main">
+  <p:cSld>
+    <p:spTree>
+      <p:nvGrpSpPr>
+        <p:cNvPr id="1" name=""/>
+        <p:cNvGrpSpPr/>
+        <p:nvPr/>
+      </p:nvGrpSpPr>
+      <p:grpSpPr>
+        <a:xfrm>
+          <a:off x="0" y="0"/>
+          <a:ext cx="0" cy="0"/>
+          <a:chOff x="0" y="0"/>
+          <a:chExt cx="0" cy="0"/>
+        </a:xfrm>
+      </p:grpSpPr>
+      <p:sp>
+        <p:nvSpPr>
+          <p:cNvPr id="5" name="Titel 4"/>
+          <p:cNvSpPr>
+            <a:spLocks noGrp="1"/>
+          </p:cNvSpPr>
+          <p:nvPr>
+            <p:ph type="title"/>
+          </p:nvPr>
+        </p:nvSpPr>
+        <p:spPr/>
+        <p:txBody>
+          <a:bodyPr/>
+          <a:lstStyle/>
+          <a:p>
+            <a:r>
+              <a:rPr lang="en-US" dirty="0"/>
+              <a:t>Design </a:t>
+            </a:r>
+            <a:r>
+              <a:rPr lang="de-DE" dirty="0" smtClean="0"/>
+              <a:t>Entscheidungen</a:t>
+            </a:r>
+            <a:endParaRPr lang="de-DE" dirty="0"/>
+          </a:p>
+        </p:txBody>
+      </p:sp>
+      <p:sp>
+        <p:nvSpPr>
+          <p:cNvPr id="6" name="Textplatzhalter 5"/>
+          <p:cNvSpPr>
+            <a:spLocks noGrp="1"/>
+          </p:cNvSpPr>
+          <p:nvPr>
+            <p:ph type="body" idx="1"/>
+          </p:nvPr>
+        </p:nvSpPr>
+        <p:spPr/>
+        <p:txBody>
+          <a:bodyPr/>
+          <a:lstStyle/>
+          <a:p>
+            <a:r>
+              <a:rPr lang="de-DE" dirty="0" smtClean="0"/>
+              <a:t>Syntax </a:t>
+            </a:r>
+            <a:r>
+              <a:rPr lang="de-DE" dirty="0" smtClean="0"/>
+              <a:t>&amp; C</a:t>
+            </a:r>
+            <a:r>
+              <a:rPr lang="de-DE" dirty="0" smtClean="0"/>
+              <a:t>o</a:t>
+            </a:r>
+            <a:endParaRPr lang="de-DE" dirty="0"/>
+          </a:p>
+        </p:txBody>
+      </p:sp>
+    </p:spTree>
+    <p:extLst>
+      <p:ext uri="{BB962C8B-B14F-4D97-AF65-F5344CB8AC3E}">
+        <p14:creationId xmlns:p14="http://schemas.microsoft.com/office/powerpoint/2010/main" val="1251587420"/>
+      </p:ext>
+    </p:extLst>
+  </p:cSld>
+  <p:clrMapOvr>
+    <a:masterClrMapping/>
+  </p:clrMapOvr>
+  <p:timing>
+    <p:tnLst>
+      <p:par>
+        <p:cTn id="1" dur="indefinite" restart="never" nodeType="tmRoot"/>
+      </p:par>
+    </p:tnLst>
+  </p:timing>
+</p:sld>
+</file>
+
+<file path=ppt/slides/slide7.xml><?xml version="1.0" encoding="utf-8"?>
+<p:sld xmlns:a="http://schemas.openxmlformats.org/drawingml/2006/main" xmlns:r="http://schemas.openxmlformats.org/officeDocument/2006/relationships" xmlns:p="http://schemas.openxmlformats.org/presentationml/2006/main">
+  <p:cSld>
+    <p:spTree>
+      <p:nvGrpSpPr>
+        <p:cNvPr id="1" name=""/>
+        <p:cNvGrpSpPr/>
+        <p:nvPr/>
+      </p:nvGrpSpPr>
+      <p:grpSpPr>
+        <a:xfrm>
+          <a:off x="0" y="0"/>
+          <a:ext cx="0" cy="0"/>
+          <a:chOff x="0" y="0"/>
+          <a:chExt cx="0" cy="0"/>
+        </a:xfrm>
+      </p:grpSpPr>
+      <p:sp>
+        <p:nvSpPr>
+          <p:cNvPr id="4" name="Titel 3"/>
+          <p:cNvSpPr>
+            <a:spLocks noGrp="1"/>
+          </p:cNvSpPr>
+          <p:nvPr>
+            <p:ph type="title"/>
+          </p:nvPr>
+        </p:nvSpPr>
+        <p:spPr/>
+        <p:txBody>
+          <a:bodyPr/>
+          <a:lstStyle/>
+          <a:p>
+            <a:r>
+              <a:rPr lang="en-US" sz="2800" dirty="0" smtClean="0"/>
+              <a:t>“Old </a:t>
+            </a:r>
+            <a:r>
+              <a:rPr lang="en-US" sz="2800" dirty="0"/>
+              <a:t>programs read like quiet conversations between a well-spoken research worker and a well-studied mechanical colleague, not as a debate with a </a:t>
+            </a:r>
+            <a:r>
+              <a:rPr lang="en-US" sz="2800" dirty="0" smtClean="0"/>
+              <a:t>compiler.”</a:t>
+            </a:r>
+            <a:endParaRPr lang="de-DE" sz="2800" dirty="0"/>
+          </a:p>
+        </p:txBody>
+      </p:sp>
+      <p:sp>
+        <p:nvSpPr>
+          <p:cNvPr id="5" name="Textplatzhalter 4"/>
+          <p:cNvSpPr>
+            <a:spLocks noGrp="1"/>
+          </p:cNvSpPr>
+          <p:nvPr>
+            <p:ph type="body" idx="1"/>
+          </p:nvPr>
+        </p:nvSpPr>
+        <p:spPr/>
+        <p:txBody>
+          <a:bodyPr/>
+          <a:lstStyle/>
+          <a:p>
+            <a:r>
+              <a:rPr lang="de-DE" dirty="0"/>
+              <a:t>Dick Gabriel</a:t>
+            </a:r>
+          </a:p>
+        </p:txBody>
+      </p:sp>
+      <p:sp>
+        <p:nvSpPr>
+          <p:cNvPr id="6" name="Textplatzhalter 5"/>
+          <p:cNvSpPr>
+            <a:spLocks noGrp="1"/>
+          </p:cNvSpPr>
+          <p:nvPr>
+            <p:ph type="body" sz="quarter" idx="16"/>
+          </p:nvPr>
+        </p:nvSpPr>
+        <p:spPr/>
+        <p:txBody>
+          <a:bodyPr/>
+          <a:lstStyle/>
+          <a:p>
+            <a:pPr marL="285750" indent="-285750">
+              <a:buFont typeface="Arial" panose="020B0604020202020204" pitchFamily="34" charset="0"/>
+              <a:buChar char="•"/>
+            </a:pPr>
+            <a:r>
+              <a:rPr lang="de-DE" dirty="0" smtClean="0"/>
+              <a:t>Leicht zu Lesen</a:t>
+            </a:r>
+          </a:p>
+          <a:p>
+            <a:pPr marL="285750" indent="-285750">
+              <a:buFont typeface="Arial" panose="020B0604020202020204" pitchFamily="34" charset="0"/>
+              <a:buChar char="•"/>
+            </a:pPr>
+            <a:r>
+              <a:rPr lang="de-DE" dirty="0" smtClean="0"/>
+              <a:t>Leicht zu Schreiben</a:t>
+            </a:r>
+          </a:p>
+          <a:p>
+            <a:pPr marL="285750" indent="-285750">
+              <a:buFont typeface="Arial" panose="020B0604020202020204" pitchFamily="34" charset="0"/>
+              <a:buChar char="•"/>
+            </a:pPr>
+            <a:r>
+              <a:rPr lang="de-DE" dirty="0" smtClean="0"/>
+              <a:t>Simpel und Schnell</a:t>
+            </a:r>
+          </a:p>
+          <a:p>
+            <a:endParaRPr lang="de-DE" dirty="0"/>
+          </a:p>
+        </p:txBody>
+      </p:sp>
+    </p:spTree>
+    <p:extLst>
+      <p:ext uri="{BB962C8B-B14F-4D97-AF65-F5344CB8AC3E}">
+        <p14:creationId xmlns:p14="http://schemas.microsoft.com/office/powerpoint/2010/main" val="372543681"/>
+      </p:ext>
+    </p:extLst>
+  </p:cSld>
+  <p:clrMapOvr>
+    <a:masterClrMapping/>
+  </p:clrMapOvr>
+</p:sld>
+</file>
+
+<file path=ppt/slides/slide8.xml><?xml version="1.0" encoding="utf-8"?>
+<p:sld xmlns:a="http://schemas.openxmlformats.org/drawingml/2006/main" xmlns:r="http://schemas.openxmlformats.org/officeDocument/2006/relationships" xmlns:p="http://schemas.openxmlformats.org/presentationml/2006/main">
+  <p:cSld>
+    <p:spTree>
+      <p:nvGrpSpPr>
+        <p:cNvPr id="1" name=""/>
+        <p:cNvGrpSpPr/>
+        <p:nvPr/>
+      </p:nvGrpSpPr>
+      <p:grpSpPr>
+        <a:xfrm>
+          <a:off x="0" y="0"/>
+          <a:ext cx="0" cy="0"/>
+          <a:chOff x="0" y="0"/>
+          <a:chExt cx="0" cy="0"/>
+        </a:xfrm>
+      </p:grpSpPr>
+      <p:sp>
+        <p:nvSpPr>
+          <p:cNvPr id="5" name="Titel 4"/>
+          <p:cNvSpPr>
+            <a:spLocks noGrp="1"/>
+          </p:cNvSpPr>
+          <p:nvPr>
+            <p:ph type="title"/>
+          </p:nvPr>
+        </p:nvSpPr>
+        <p:spPr/>
+        <p:txBody>
+          <a:bodyPr/>
+          <a:lstStyle/>
+          <a:p>
+            <a:r>
+              <a:rPr lang="de-DE" dirty="0" smtClean="0"/>
+              <a:t>Was passiert hier?</a:t>
+            </a:r>
+            <a:endParaRPr lang="de-DE" dirty="0"/>
+          </a:p>
+        </p:txBody>
+      </p:sp>
+      <p:pic>
+        <p:nvPicPr>
+          <p:cNvPr id="8" name="Inhaltsplatzhalter 7"/>
+          <p:cNvPicPr>
+            <a:picLocks noGrp="1" noChangeAspect="1"/>
+          </p:cNvPicPr>
+          <p:nvPr>
+            <p:ph sz="half" idx="1"/>
+          </p:nvPr>
+        </p:nvPicPr>
+        <p:blipFill>
+          <a:blip r:embed="rId2"/>
+          <a:stretch>
+            <a:fillRect/>
+          </a:stretch>
+        </p:blipFill>
+        <p:spPr>
+          <a:xfrm>
+            <a:off x="1120788" y="2222500"/>
+            <a:ext cx="4581498" cy="3638550"/>
+          </a:xfrm>
+          <a:prstGeom prst="rect">
+            <a:avLst/>
+          </a:prstGeom>
+        </p:spPr>
+      </p:pic>
+      <p:pic>
+        <p:nvPicPr>
+          <p:cNvPr id="10" name="Inhaltsplatzhalter 9"/>
+          <p:cNvPicPr>
+            <a:picLocks noGrp="1" noChangeAspect="1"/>
+          </p:cNvPicPr>
+          <p:nvPr>
+            <p:ph sz="half" idx="2"/>
+          </p:nvPr>
+        </p:nvPicPr>
+        <p:blipFill>
+          <a:blip r:embed="rId3"/>
+          <a:stretch>
+            <a:fillRect/>
+          </a:stretch>
+        </p:blipFill>
+        <p:spPr>
+          <a:xfrm>
+            <a:off x="6214188" y="2131785"/>
+            <a:ext cx="5343331" cy="4526293"/>
+          </a:xfrm>
+          <a:prstGeom prst="rect">
+            <a:avLst/>
+          </a:prstGeom>
+        </p:spPr>
+      </p:pic>
+    </p:spTree>
+    <p:extLst>
+      <p:ext uri="{BB962C8B-B14F-4D97-AF65-F5344CB8AC3E}">
+        <p14:creationId xmlns:p14="http://schemas.microsoft.com/office/powerpoint/2010/main" val="1104741729"/>
+      </p:ext>
+    </p:extLst>
+  </p:cSld>
+  <p:clrMapOvr>
+    <a:masterClrMapping/>
+  </p:clrMapOvr>
+  <p:timing>
+    <p:tnLst>
+      <p:par>
+        <p:cTn id="1" dur="indefinite" restart="never" nodeType="tmRoot"/>
+      </p:par>
+    </p:tnLst>
+  </p:timing>
+</p:sld>
+</file>
+
+<file path=ppt/slides/slide9.xml><?xml version="1.0" encoding="utf-8"?>
+<p:sld xmlns:a="http://schemas.openxmlformats.org/drawingml/2006/main" xmlns:r="http://schemas.openxmlformats.org/officeDocument/2006/relationships" xmlns:p="http://schemas.openxmlformats.org/presentationml/2006/main">
+  <p:cSld>
+    <p:spTree>
+      <p:nvGrpSpPr>
+        <p:cNvPr id="1" name=""/>
+        <p:cNvGrpSpPr/>
+        <p:nvPr/>
+      </p:nvGrpSpPr>
+      <p:grpSpPr>
+        <a:xfrm>
+          <a:off x="0" y="0"/>
+          <a:ext cx="0" cy="0"/>
+          <a:chOff x="0" y="0"/>
+          <a:chExt cx="0" cy="0"/>
+        </a:xfrm>
+      </p:grpSpPr>
+      <p:sp>
+        <p:nvSpPr>
+          <p:cNvPr id="2" name="Titel 1"/>
+          <p:cNvSpPr>
+            <a:spLocks noGrp="1"/>
+          </p:cNvSpPr>
+          <p:nvPr>
+            <p:ph type="title"/>
+          </p:nvPr>
+        </p:nvSpPr>
+        <p:spPr/>
+        <p:txBody>
+          <a:bodyPr/>
+          <a:lstStyle/>
+          <a:p>
+            <a:r>
+              <a:rPr lang="de-DE" dirty="0" smtClean="0"/>
+              <a:t>Zuweisungen</a:t>
+            </a:r>
+            <a:endParaRPr lang="de-DE" dirty="0"/>
+          </a:p>
+        </p:txBody>
+      </p:sp>
+      <p:sp>
+        <p:nvSpPr>
+          <p:cNvPr id="3" name="Inhaltsplatzhalter 2"/>
+          <p:cNvSpPr>
+            <a:spLocks noGrp="1"/>
+          </p:cNvSpPr>
+          <p:nvPr>
+            <p:ph sz="half" idx="1"/>
+          </p:nvPr>
+        </p:nvSpPr>
+        <p:spPr>
+          <a:xfrm>
+            <a:off x="53601" y="2228509"/>
+            <a:ext cx="7703248" cy="3638763"/>
+          </a:xfrm>
+        </p:spPr>
+        <p:txBody>
+          <a:bodyPr/>
+          <a:lstStyle/>
+          <a:p>
+            <a:r>
+              <a:rPr lang="de-DE" dirty="0" err="1">
+                <a:solidFill>
+                  <a:srgbClr val="00B0F0"/>
+                </a:solidFill>
+              </a:rPr>
+              <a:t>v</a:t>
+            </a:r>
+            <a:r>
+              <a:rPr lang="de-DE" dirty="0" err="1" smtClean="0">
+                <a:solidFill>
+                  <a:srgbClr val="00B0F0"/>
+                </a:solidFill>
+              </a:rPr>
+              <a:t>ar</a:t>
+            </a:r>
+            <a:r>
+              <a:rPr lang="de-DE" dirty="0" smtClean="0">
+                <a:solidFill>
+                  <a:srgbClr val="00B0F0"/>
+                </a:solidFill>
+              </a:rPr>
+              <a:t> </a:t>
+            </a:r>
+            <a:r>
+              <a:rPr lang="de-DE" dirty="0" err="1" smtClean="0"/>
+              <a:t>name</a:t>
+            </a:r>
+            <a:r>
+              <a:rPr lang="de-DE" dirty="0" smtClean="0"/>
+              <a:t>, email </a:t>
+            </a:r>
+            <a:r>
+              <a:rPr lang="de-DE" dirty="0" err="1" smtClean="0">
+                <a:solidFill>
+                  <a:schemeClr val="accent4">
+                    <a:lumMod val="75000"/>
+                  </a:schemeClr>
+                </a:solidFill>
+              </a:rPr>
+              <a:t>string</a:t>
+            </a:r>
+            <a:endParaRPr lang="de-DE" dirty="0" smtClean="0">
+              <a:solidFill>
+                <a:schemeClr val="accent4">
+                  <a:lumMod val="75000"/>
+                </a:schemeClr>
+              </a:solidFill>
+            </a:endParaRPr>
+          </a:p>
+          <a:p>
+            <a:r>
+              <a:rPr lang="de-DE" dirty="0"/>
+              <a:t>e</a:t>
+            </a:r>
+            <a:r>
+              <a:rPr lang="de-DE" dirty="0" smtClean="0"/>
+              <a:t>mail := </a:t>
+            </a:r>
+            <a:r>
+              <a:rPr lang="de-DE" dirty="0" smtClean="0">
+                <a:solidFill>
+                  <a:srgbClr val="FFC000"/>
+                </a:solidFill>
+              </a:rPr>
+              <a:t>„mannheim@hs-mannheim.de“</a:t>
+            </a:r>
+          </a:p>
+          <a:p>
+            <a:r>
+              <a:rPr lang="de-DE" dirty="0" err="1">
+                <a:solidFill>
+                  <a:srgbClr val="00B0F0"/>
+                </a:solidFill>
+              </a:rPr>
+              <a:t>func</a:t>
+            </a:r>
+            <a:r>
+              <a:rPr lang="de-DE" dirty="0"/>
+              <a:t> </a:t>
+            </a:r>
+            <a:r>
+              <a:rPr lang="de-DE" dirty="0" err="1"/>
+              <a:t>nameAndEmail</a:t>
+            </a:r>
+            <a:r>
+              <a:rPr lang="de-DE" dirty="0"/>
+              <a:t>(</a:t>
+            </a:r>
+            <a:r>
+              <a:rPr lang="de-DE" dirty="0" err="1"/>
+              <a:t>oldName</a:t>
+            </a:r>
+            <a:r>
+              <a:rPr lang="de-DE" dirty="0"/>
+              <a:t> </a:t>
+            </a:r>
+            <a:r>
+              <a:rPr lang="de-DE" dirty="0" err="1">
+                <a:solidFill>
+                  <a:schemeClr val="accent4">
+                    <a:lumMod val="75000"/>
+                  </a:schemeClr>
+                </a:solidFill>
+              </a:rPr>
+              <a:t>string</a:t>
+            </a:r>
+            <a:r>
+              <a:rPr lang="de-DE" dirty="0"/>
+              <a:t>)(</a:t>
+            </a:r>
+            <a:r>
+              <a:rPr lang="de-DE" dirty="0" err="1">
+                <a:solidFill>
+                  <a:schemeClr val="accent4">
+                    <a:lumMod val="75000"/>
+                  </a:schemeClr>
+                </a:solidFill>
+              </a:rPr>
+              <a:t>string</a:t>
+            </a:r>
+            <a:r>
+              <a:rPr lang="de-DE" dirty="0"/>
+              <a:t>, </a:t>
+            </a:r>
+            <a:r>
+              <a:rPr lang="de-DE" dirty="0" err="1">
+                <a:solidFill>
+                  <a:schemeClr val="accent4">
+                    <a:lumMod val="75000"/>
+                  </a:schemeClr>
+                </a:solidFill>
+              </a:rPr>
+              <a:t>string</a:t>
+            </a:r>
+            <a:r>
+              <a:rPr lang="de-DE" dirty="0" smtClean="0"/>
+              <a:t>) {…}</a:t>
+            </a:r>
+            <a:endParaRPr lang="de-DE" dirty="0"/>
+          </a:p>
+          <a:p>
+            <a:r>
+              <a:rPr lang="de-DE" dirty="0" err="1"/>
+              <a:t>name</a:t>
+            </a:r>
+            <a:r>
+              <a:rPr lang="de-DE" dirty="0"/>
+              <a:t>, email := </a:t>
+            </a:r>
+            <a:r>
+              <a:rPr lang="de-DE" dirty="0" err="1"/>
+              <a:t>nameAndEmail</a:t>
+            </a:r>
+            <a:r>
+              <a:rPr lang="de-DE" dirty="0"/>
+              <a:t>(</a:t>
+            </a:r>
+            <a:r>
+              <a:rPr lang="de-DE" dirty="0">
+                <a:solidFill>
+                  <a:srgbClr val="FFC000"/>
+                </a:solidFill>
+              </a:rPr>
+              <a:t>„Old Name</a:t>
+            </a:r>
+            <a:r>
+              <a:rPr lang="de-DE" dirty="0" smtClean="0">
+                <a:solidFill>
+                  <a:srgbClr val="FFC000"/>
+                </a:solidFill>
+              </a:rPr>
+              <a:t>“</a:t>
+            </a:r>
+            <a:r>
+              <a:rPr lang="de-DE" dirty="0" smtClean="0"/>
+              <a:t>)</a:t>
+            </a:r>
+            <a:endParaRPr lang="de-DE" dirty="0"/>
+          </a:p>
+        </p:txBody>
+      </p:sp>
+      <p:pic>
+        <p:nvPicPr>
+          <p:cNvPr id="5" name="Grafik 4"/>
+          <p:cNvPicPr>
+            <a:picLocks noChangeAspect="1"/>
+          </p:cNvPicPr>
+          <p:nvPr/>
+        </p:nvPicPr>
+        <p:blipFill>
+          <a:blip r:embed="rId2"/>
+          <a:stretch>
+            <a:fillRect/>
+          </a:stretch>
+        </p:blipFill>
+        <p:spPr>
+          <a:xfrm>
+            <a:off x="6620899" y="1927160"/>
+            <a:ext cx="5527558" cy="4871746"/>
+          </a:xfrm>
+          <a:prstGeom prst="rect">
+            <a:avLst/>
+          </a:prstGeom>
+        </p:spPr>
+      </p:pic>
+      <p:sp>
+        <p:nvSpPr>
+          <p:cNvPr id="6" name="Inhaltsplatzhalter 2"/>
+          <p:cNvSpPr>
+            <a:spLocks noGrp="1"/>
+          </p:cNvSpPr>
+          <p:nvPr>
+            <p:ph sz="half" idx="1"/>
+          </p:nvPr>
+        </p:nvSpPr>
+        <p:spPr>
+          <a:xfrm>
+            <a:off x="6620899" y="1927160"/>
+            <a:ext cx="5722048" cy="4871746"/>
+          </a:xfrm>
+        </p:spPr>
+        <p:txBody>
+          <a:bodyPr>
+            <a:normAutofit/>
+          </a:bodyPr>
+          <a:lstStyle/>
+          <a:p>
+            <a:pPr marL="0" indent="0">
+              <a:buNone/>
+            </a:pPr>
+            <a:r>
+              <a:rPr lang="de-DE" dirty="0" smtClean="0"/>
+              <a:t>-&gt; a </a:t>
+            </a:r>
+            <a:r>
+              <a:rPr lang="de-DE" dirty="0"/>
+              <a:t>ist = </a:t>
+            </a:r>
+            <a:r>
+              <a:rPr lang="de-DE" dirty="0" err="1"/>
+              <a:t>int</a:t>
+            </a:r>
+            <a:endParaRPr lang="de-DE" dirty="0"/>
+          </a:p>
+          <a:p>
+            <a:pPr marL="0" indent="0">
+              <a:buNone/>
+            </a:pPr>
+            <a:r>
+              <a:rPr lang="de-DE" dirty="0"/>
+              <a:t>-&gt; </a:t>
+            </a:r>
+            <a:r>
+              <a:rPr lang="de-DE" dirty="0" smtClean="0"/>
+              <a:t>b </a:t>
+            </a:r>
+            <a:r>
+              <a:rPr lang="de-DE" dirty="0"/>
+              <a:t>ist = float64</a:t>
+            </a:r>
+          </a:p>
+          <a:p>
+            <a:pPr marL="0" indent="0">
+              <a:buNone/>
+            </a:pPr>
+            <a:r>
+              <a:rPr lang="de-DE" dirty="0"/>
+              <a:t>-&gt; </a:t>
+            </a:r>
+            <a:r>
+              <a:rPr lang="de-DE" dirty="0" smtClean="0"/>
+              <a:t>c </a:t>
+            </a:r>
+            <a:r>
+              <a:rPr lang="de-DE" dirty="0"/>
+              <a:t>ist = (</a:t>
+            </a:r>
+            <a:r>
+              <a:rPr lang="de-DE" dirty="0" err="1"/>
+              <a:t>int</a:t>
+            </a:r>
+            <a:r>
+              <a:rPr lang="de-DE" dirty="0"/>
+              <a:t>)1</a:t>
+            </a:r>
+          </a:p>
+          <a:p>
+            <a:pPr marL="0" indent="0">
+              <a:buNone/>
+            </a:pPr>
+            <a:r>
+              <a:rPr lang="de-DE" dirty="0"/>
+              <a:t>-&gt; </a:t>
+            </a:r>
+            <a:r>
+              <a:rPr lang="de-DE" dirty="0" smtClean="0"/>
+              <a:t>d </a:t>
+            </a:r>
+            <a:r>
+              <a:rPr lang="de-DE" dirty="0"/>
+              <a:t>ist = (</a:t>
+            </a:r>
+            <a:r>
+              <a:rPr lang="de-DE" dirty="0" err="1"/>
+              <a:t>int</a:t>
+            </a:r>
+            <a:r>
+              <a:rPr lang="de-DE" dirty="0"/>
+              <a:t>)2</a:t>
+            </a:r>
+          </a:p>
+          <a:p>
+            <a:pPr marL="0" indent="0">
+              <a:buNone/>
+            </a:pPr>
+            <a:r>
+              <a:rPr lang="de-DE" dirty="0"/>
+              <a:t>-&gt; </a:t>
+            </a:r>
+            <a:r>
+              <a:rPr lang="de-DE" dirty="0" smtClean="0"/>
+              <a:t>Next </a:t>
+            </a:r>
+            <a:r>
+              <a:rPr lang="de-DE" dirty="0" err="1"/>
+              <a:t>Fib</a:t>
+            </a:r>
+            <a:r>
+              <a:rPr lang="de-DE" dirty="0"/>
+              <a:t> ist = (</a:t>
+            </a:r>
+            <a:r>
+              <a:rPr lang="de-DE" dirty="0" err="1"/>
+              <a:t>int</a:t>
+            </a:r>
+            <a:r>
+              <a:rPr lang="de-DE" dirty="0"/>
+              <a:t>)1</a:t>
+            </a:r>
+          </a:p>
+          <a:p>
+            <a:pPr marL="0" indent="0">
+              <a:buNone/>
+            </a:pPr>
+            <a:r>
+              <a:rPr lang="de-DE" dirty="0"/>
+              <a:t>-&gt; </a:t>
+            </a:r>
+            <a:r>
+              <a:rPr lang="de-DE" dirty="0" smtClean="0"/>
+              <a:t>Next </a:t>
+            </a:r>
+            <a:r>
+              <a:rPr lang="de-DE" dirty="0" err="1"/>
+              <a:t>Fib</a:t>
+            </a:r>
+            <a:r>
+              <a:rPr lang="de-DE" dirty="0"/>
+              <a:t> ist = (</a:t>
+            </a:r>
+            <a:r>
+              <a:rPr lang="de-DE" dirty="0" err="1"/>
+              <a:t>int</a:t>
+            </a:r>
+            <a:r>
+              <a:rPr lang="de-DE" dirty="0"/>
+              <a:t>)2</a:t>
+            </a:r>
+          </a:p>
+          <a:p>
+            <a:pPr marL="0" indent="0">
+              <a:buNone/>
+            </a:pPr>
+            <a:r>
+              <a:rPr lang="de-DE" dirty="0"/>
+              <a:t>-&gt; </a:t>
+            </a:r>
+            <a:r>
+              <a:rPr lang="de-DE" dirty="0" smtClean="0"/>
+              <a:t>Next </a:t>
+            </a:r>
+            <a:r>
+              <a:rPr lang="de-DE" dirty="0" err="1"/>
+              <a:t>Fib</a:t>
+            </a:r>
+            <a:r>
+              <a:rPr lang="de-DE" dirty="0"/>
+              <a:t> ist = (</a:t>
+            </a:r>
+            <a:r>
+              <a:rPr lang="de-DE" dirty="0" err="1"/>
+              <a:t>int</a:t>
+            </a:r>
+            <a:r>
+              <a:rPr lang="de-DE" dirty="0"/>
+              <a:t>)3</a:t>
+            </a:r>
+          </a:p>
+          <a:p>
+            <a:pPr marL="0" indent="0">
+              <a:buNone/>
+            </a:pPr>
+            <a:r>
+              <a:rPr lang="de-DE" dirty="0"/>
+              <a:t>-&gt; </a:t>
+            </a:r>
+            <a:r>
+              <a:rPr lang="de-DE" dirty="0" smtClean="0"/>
+              <a:t> …</a:t>
+            </a:r>
+          </a:p>
+          <a:p>
+            <a:pPr marL="0" indent="0">
+              <a:buNone/>
+            </a:pPr>
+            <a:r>
+              <a:rPr lang="de-DE" dirty="0" smtClean="0"/>
+              <a:t>-&gt; 2015/12/17 </a:t>
+            </a:r>
+            <a:r>
+              <a:rPr lang="de-DE" dirty="0"/>
+              <a:t>08:40:08 </a:t>
+            </a:r>
+            <a:r>
+              <a:rPr lang="en-US" dirty="0" smtClean="0"/>
+              <a:t>a or b smaller then </a:t>
+            </a:r>
+            <a:r>
+              <a:rPr lang="de-DE" dirty="0" smtClean="0"/>
+              <a:t>0</a:t>
+            </a:r>
+          </a:p>
+        </p:txBody>
+      </p:sp>
+    </p:spTree>
+    <p:extLst>
+      <p:ext uri="{BB962C8B-B14F-4D97-AF65-F5344CB8AC3E}">
+        <p14:creationId xmlns:p14="http://schemas.microsoft.com/office/powerpoint/2010/main" val="2192989458"/>
+      </p:ext>
+    </p:extLst>
+  </p:cSld>
+  <p:clrMapOvr>
+    <a:masterClrMapping/>
+  </p:clrMapOvr>
+  <p:timing>
+    <p:tnLst>
+      <p:par>
+        <p:cTn id="1" dur="indefinite" restart="never" nodeType="tmRoot">
+          <p:childTnLst>
+            <p:seq concurrent="1" nextAc="seek">
+              <p:cTn id="2" dur="indefinite" nodeType="mainSeq">
+                <p:childTnLst>
+                  <p:par>
+                    <p:cTn id="3" fill="hold">
+                      <p:stCondLst>
+                        <p:cond delay="indefinite"/>
+                      </p:stCondLst>
+                      <p:childTnLst>
+                        <p:par>
+                          <p:cTn id="4" fill="hold">
+                            <p:stCondLst>
+                              <p:cond delay="0"/>
+                            </p:stCondLst>
+                            <p:childTnLst>
+                              <p:par>
+                                <p:cTn id="5" presetID="35" presetClass="path" presetSubtype="0" accel="50000" decel="50000" fill="hold" nodeType="clickEffect">
+                                  <p:stCondLst>
+                                    <p:cond delay="0"/>
+                                  </p:stCondLst>
+                                  <p:childTnLst>
+                                    <p:animMotion origin="layout" path="M -1.66667E-6 -1.11111E-6 L -0.54127 -0.00208 " pathEditMode="relative" rAng="0" ptsTypes="AA">
+                                      <p:cBhvr>
+                                        <p:cTn id="6" dur="2000" fill="hold"/>
+                                        <p:tgtEl>
+                                          <p:spTgt spid="5"/>
+                                        </p:tgtEl>
+                                        <p:attrNameLst>
+                                          <p:attrName>ppt_x</p:attrName>
+                                          <p:attrName>ppt_y</p:attrName>
+                                        </p:attrNameLst>
+                                      </p:cBhvr>
+                                      <p:rCtr x="-27070" y="-116"/>
+                                    </p:animMotion>
+                                  </p:childTnLst>
+                                </p:cTn>
+                              </p:par>
+                              <p:par>
+                                <p:cTn id="7" presetID="2" presetClass="entr" presetSubtype="2" fill="hold" grpId="0" nodeType="withEffect">
+                                  <p:stCondLst>
+                                    <p:cond delay="500"/>
+                                  </p:stCondLst>
+                                  <p:childTnLst>
+                                    <p:set>
+                                      <p:cBhvr>
+                                        <p:cTn id="8" dur="1" fill="hold">
+                                          <p:stCondLst>
+                                            <p:cond delay="0"/>
+                                          </p:stCondLst>
+                                        </p:cTn>
+                                        <p:tgtEl>
+                                          <p:spTgt spid="6">
+                                            <p:txEl>
+                                              <p:pRg st="0" end="0"/>
+                                            </p:txEl>
+                                          </p:spTgt>
+                                        </p:tgtEl>
+                                        <p:attrNameLst>
+                                          <p:attrName>style.visibility</p:attrName>
+                                        </p:attrNameLst>
+                                      </p:cBhvr>
+                                      <p:to>
+                                        <p:strVal val="visible"/>
+                                      </p:to>
+                                    </p:set>
+                                    <p:anim calcmode="lin" valueType="num">
+                                      <p:cBhvr additive="base">
+                                        <p:cTn id="9" dur="1250" fill="hold"/>
+                                        <p:tgtEl>
+                                          <p:spTgt spid="6">
+                                            <p:txEl>
+                                              <p:pRg st="0" end="0"/>
+                                            </p:txEl>
+                                          </p:spTgt>
+                                        </p:tgtEl>
+                                        <p:attrNameLst>
+                                          <p:attrName>ppt_x</p:attrName>
+                                        </p:attrNameLst>
+                                      </p:cBhvr>
+                                      <p:tavLst>
+                                        <p:tav tm="0">
+                                          <p:val>
+                                            <p:strVal val="1+#ppt_w/2"/>
+                                          </p:val>
+                                        </p:tav>
+                                        <p:tav tm="100000">
+                                          <p:val>
+                                            <p:strVal val="#ppt_x"/>
+                                          </p:val>
+                                        </p:tav>
+                                      </p:tavLst>
+                                    </p:anim>
+                                    <p:anim calcmode="lin" valueType="num">
+                                      <p:cBhvr additive="base">
+                                        <p:cTn id="10" dur="1250" fill="hold"/>
+                                        <p:tgtEl>
+                                          <p:spTgt spid="6">
+                                            <p:txEl>
+                                              <p:pRg st="0" end="0"/>
+                                            </p:txEl>
+                                          </p:spTgt>
+                                        </p:tgtEl>
+                                        <p:attrNameLst>
+                                          <p:attrName>ppt_y</p:attrName>
+                                        </p:attrNameLst>
+                                      </p:cBhvr>
+                                      <p:tavLst>
+                                        <p:tav tm="0">
+                                          <p:val>
+                                            <p:strVal val="#ppt_y"/>
+                                          </p:val>
+                                        </p:tav>
+                                        <p:tav tm="100000">
+                                          <p:val>
+                                            <p:strVal val="#ppt_y"/>
+                                          </p:val>
+                                        </p:tav>
+                                      </p:tavLst>
+                                    </p:anim>
+                                  </p:childTnLst>
+                                </p:cTn>
+                              </p:par>
+                              <p:par>
+                                <p:cTn id="11" presetID="2" presetClass="entr" presetSubtype="2" fill="hold" grpId="0" nodeType="withEffect">
+                                  <p:stCondLst>
+                                    <p:cond delay="500"/>
+                                  </p:stCondLst>
+                                  <p:childTnLst>
+                                    <p:set>
+                                      <p:cBhvr>
+                                        <p:cTn id="12" dur="1" fill="hold">
+                                          <p:stCondLst>
+                                            <p:cond delay="0"/>
+                                          </p:stCondLst>
+                                        </p:cTn>
+                                        <p:tgtEl>
+                                          <p:spTgt spid="6">
+                                            <p:txEl>
+                                              <p:pRg st="1" end="1"/>
+                                            </p:txEl>
+                                          </p:spTgt>
+                                        </p:tgtEl>
+                                        <p:attrNameLst>
+                                          <p:attrName>style.visibility</p:attrName>
+                                        </p:attrNameLst>
+                                      </p:cBhvr>
+                                      <p:to>
+                                        <p:strVal val="visible"/>
+                                      </p:to>
+                                    </p:set>
+                                    <p:anim calcmode="lin" valueType="num">
+                                      <p:cBhvr additive="base">
+                                        <p:cTn id="13" dur="1250" fill="hold"/>
+                                        <p:tgtEl>
+                                          <p:spTgt spid="6">
+                                            <p:txEl>
+                                              <p:pRg st="1" end="1"/>
+                                            </p:txEl>
+                                          </p:spTgt>
+                                        </p:tgtEl>
+                                        <p:attrNameLst>
+                                          <p:attrName>ppt_x</p:attrName>
+                                        </p:attrNameLst>
+                                      </p:cBhvr>
+                                      <p:tavLst>
+                                        <p:tav tm="0">
+                                          <p:val>
+                                            <p:strVal val="1+#ppt_w/2"/>
+                                          </p:val>
+                                        </p:tav>
+                                        <p:tav tm="100000">
+                                          <p:val>
+                                            <p:strVal val="#ppt_x"/>
+                                          </p:val>
+                                        </p:tav>
+                                      </p:tavLst>
+                                    </p:anim>
+                                    <p:anim calcmode="lin" valueType="num">
+                                      <p:cBhvr additive="base">
+                                        <p:cTn id="14" dur="1250" fill="hold"/>
+                                        <p:tgtEl>
+                                          <p:spTgt spid="6">
+                                            <p:txEl>
+                                              <p:pRg st="1" end="1"/>
+                                            </p:txEl>
+                                          </p:spTgt>
+                                        </p:tgtEl>
+                                        <p:attrNameLst>
+                                          <p:attrName>ppt_y</p:attrName>
+                                        </p:attrNameLst>
+                                      </p:cBhvr>
+                                      <p:tavLst>
+                                        <p:tav tm="0">
+                                          <p:val>
+                                            <p:strVal val="#ppt_y"/>
+                                          </p:val>
+                                        </p:tav>
+                                        <p:tav tm="100000">
+                                          <p:val>
+                                            <p:strVal val="#ppt_y"/>
+                                          </p:val>
+                                        </p:tav>
+                                      </p:tavLst>
+                                    </p:anim>
+                                  </p:childTnLst>
+                                </p:cTn>
+                              </p:par>
+                              <p:par>
+                                <p:cTn id="15" presetID="2" presetClass="entr" presetSubtype="2" fill="hold" grpId="0" nodeType="withEffect">
+                                  <p:stCondLst>
+                                    <p:cond delay="500"/>
+                                  </p:stCondLst>
+                                  <p:childTnLst>
+                                    <p:set>
+                                      <p:cBhvr>
+                                        <p:cTn id="16" dur="1" fill="hold">
+                                          <p:stCondLst>
+                                            <p:cond delay="0"/>
+                                          </p:stCondLst>
+                                        </p:cTn>
+                                        <p:tgtEl>
+                                          <p:spTgt spid="6">
+                                            <p:txEl>
+                                              <p:pRg st="2" end="2"/>
+                                            </p:txEl>
+                                          </p:spTgt>
+                                        </p:tgtEl>
+                                        <p:attrNameLst>
+                                          <p:attrName>style.visibility</p:attrName>
+                                        </p:attrNameLst>
+                                      </p:cBhvr>
+                                      <p:to>
+                                        <p:strVal val="visible"/>
+                                      </p:to>
+                                    </p:set>
+                                    <p:anim calcmode="lin" valueType="num">
+                                      <p:cBhvr additive="base">
+                                        <p:cTn id="17" dur="1250" fill="hold"/>
+                                        <p:tgtEl>
+                                          <p:spTgt spid="6">
+                                            <p:txEl>
+                                              <p:pRg st="2" end="2"/>
+                                            </p:txEl>
+                                          </p:spTgt>
+                                        </p:tgtEl>
+                                        <p:attrNameLst>
+                                          <p:attrName>ppt_x</p:attrName>
+                                        </p:attrNameLst>
+                                      </p:cBhvr>
+                                      <p:tavLst>
+                                        <p:tav tm="0">
+                                          <p:val>
+                                            <p:strVal val="1+#ppt_w/2"/>
+                                          </p:val>
+                                        </p:tav>
+                                        <p:tav tm="100000">
+                                          <p:val>
+                                            <p:strVal val="#ppt_x"/>
+                                          </p:val>
+                                        </p:tav>
+                                      </p:tavLst>
+                                    </p:anim>
+                                    <p:anim calcmode="lin" valueType="num">
+                                      <p:cBhvr additive="base">
+                                        <p:cTn id="18" dur="1250" fill="hold"/>
+                                        <p:tgtEl>
+                                          <p:spTgt spid="6">
+                                            <p:txEl>
+                                              <p:pRg st="2" end="2"/>
+                                            </p:txEl>
+                                          </p:spTgt>
+                                        </p:tgtEl>
+                                        <p:attrNameLst>
+                                          <p:attrName>ppt_y</p:attrName>
+                                        </p:attrNameLst>
+                                      </p:cBhvr>
+                                      <p:tavLst>
+                                        <p:tav tm="0">
+                                          <p:val>
+                                            <p:strVal val="#ppt_y"/>
+                                          </p:val>
+                                        </p:tav>
+                                        <p:tav tm="100000">
+                                          <p:val>
+                                            <p:strVal val="#ppt_y"/>
+                                          </p:val>
+                                        </p:tav>
+                                      </p:tavLst>
+                                    </p:anim>
+                                  </p:childTnLst>
+                                </p:cTn>
+                              </p:par>
+                              <p:par>
+                                <p:cTn id="19" presetID="2" presetClass="entr" presetSubtype="2" fill="hold" grpId="0" nodeType="withEffect">
+                                  <p:stCondLst>
+                                    <p:cond delay="500"/>
+                                  </p:stCondLst>
+                                  <p:childTnLst>
+                                    <p:set>
+                                      <p:cBhvr>
+                                        <p:cTn id="20" dur="1" fill="hold">
+                                          <p:stCondLst>
+                                            <p:cond delay="0"/>
+                                          </p:stCondLst>
+                                        </p:cTn>
+                                        <p:tgtEl>
+                                          <p:spTgt spid="6">
+                                            <p:txEl>
+                                              <p:pRg st="3" end="3"/>
+                                            </p:txEl>
+                                          </p:spTgt>
+                                        </p:tgtEl>
+                                        <p:attrNameLst>
+                                          <p:attrName>style.visibility</p:attrName>
+                                        </p:attrNameLst>
+                                      </p:cBhvr>
+                                      <p:to>
+                                        <p:strVal val="visible"/>
+                                      </p:to>
+                                    </p:set>
+                                    <p:anim calcmode="lin" valueType="num">
+                                      <p:cBhvr additive="base">
+                                        <p:cTn id="21" dur="1250" fill="hold"/>
+                                        <p:tgtEl>
+                                          <p:spTgt spid="6">
+                                            <p:txEl>
+                                              <p:pRg st="3" end="3"/>
+                                            </p:txEl>
+                                          </p:spTgt>
+                                        </p:tgtEl>
+                                        <p:attrNameLst>
+                                          <p:attrName>ppt_x</p:attrName>
+                                        </p:attrNameLst>
+                                      </p:cBhvr>
+                                      <p:tavLst>
+                                        <p:tav tm="0">
+                                          <p:val>
+                                            <p:strVal val="1+#ppt_w/2"/>
+                                          </p:val>
+                                        </p:tav>
+                                        <p:tav tm="100000">
+                                          <p:val>
+                                            <p:strVal val="#ppt_x"/>
+                                          </p:val>
+                                        </p:tav>
+                                      </p:tavLst>
+                                    </p:anim>
+                                    <p:anim calcmode="lin" valueType="num">
+                                      <p:cBhvr additive="base">
+                                        <p:cTn id="22" dur="1250" fill="hold"/>
+                                        <p:tgtEl>
+                                          <p:spTgt spid="6">
+                                            <p:txEl>
+                                              <p:pRg st="3" end="3"/>
+                                            </p:txEl>
+                                          </p:spTgt>
+                                        </p:tgtEl>
+                                        <p:attrNameLst>
+                                          <p:attrName>ppt_y</p:attrName>
+                                        </p:attrNameLst>
+                                      </p:cBhvr>
+                                      <p:tavLst>
+                                        <p:tav tm="0">
+                                          <p:val>
+                                            <p:strVal val="#ppt_y"/>
+                                          </p:val>
+                                        </p:tav>
+                                        <p:tav tm="100000">
+                                          <p:val>
+                                            <p:strVal val="#ppt_y"/>
+                                          </p:val>
+                                        </p:tav>
+                                      </p:tavLst>
+                                    </p:anim>
+                                  </p:childTnLst>
+                                </p:cTn>
+                              </p:par>
+                              <p:par>
+                                <p:cTn id="23" presetID="2" presetClass="entr" presetSubtype="2" fill="hold" grpId="0" nodeType="withEffect">
+                                  <p:stCondLst>
+                                    <p:cond delay="500"/>
+                                  </p:stCondLst>
+                                  <p:childTnLst>
+                                    <p:set>
+                                      <p:cBhvr>
+                                        <p:cTn id="24" dur="1" fill="hold">
+                                          <p:stCondLst>
+                                            <p:cond delay="0"/>
+                                          </p:stCondLst>
+                                        </p:cTn>
+                                        <p:tgtEl>
+                                          <p:spTgt spid="6">
+                                            <p:txEl>
+                                              <p:pRg st="4" end="4"/>
+                                            </p:txEl>
+                                          </p:spTgt>
+                                        </p:tgtEl>
+                                        <p:attrNameLst>
+                                          <p:attrName>style.visibility</p:attrName>
+                                        </p:attrNameLst>
+                                      </p:cBhvr>
+                                      <p:to>
+                                        <p:strVal val="visible"/>
+                                      </p:to>
+                                    </p:set>
+                                    <p:anim calcmode="lin" valueType="num">
+                                      <p:cBhvr additive="base">
+                                        <p:cTn id="25" dur="1250" fill="hold"/>
+                                        <p:tgtEl>
+                                          <p:spTgt spid="6">
+                                            <p:txEl>
+                                              <p:pRg st="4" end="4"/>
+                                            </p:txEl>
+                                          </p:spTgt>
+                                        </p:tgtEl>
+                                        <p:attrNameLst>
+                                          <p:attrName>ppt_x</p:attrName>
+                                        </p:attrNameLst>
+                                      </p:cBhvr>
+                                      <p:tavLst>
+                                        <p:tav tm="0">
+                                          <p:val>
+                                            <p:strVal val="1+#ppt_w/2"/>
+                                          </p:val>
+                                        </p:tav>
+                                        <p:tav tm="100000">
+                                          <p:val>
+                                            <p:strVal val="#ppt_x"/>
+                                          </p:val>
+                                        </p:tav>
+                                      </p:tavLst>
+                                    </p:anim>
+                                    <p:anim calcmode="lin" valueType="num">
+                                      <p:cBhvr additive="base">
+                                        <p:cTn id="26" dur="1250" fill="hold"/>
+                                        <p:tgtEl>
+                                          <p:spTgt spid="6">
+                                            <p:txEl>
+                                              <p:pRg st="4" end="4"/>
+                                            </p:txEl>
+                                          </p:spTgt>
+                                        </p:tgtEl>
+                                        <p:attrNameLst>
+                                          <p:attrName>ppt_y</p:attrName>
+                                        </p:attrNameLst>
+                                      </p:cBhvr>
+                                      <p:tavLst>
+                                        <p:tav tm="0">
+                                          <p:val>
+                                            <p:strVal val="#ppt_y"/>
+                                          </p:val>
+                                        </p:tav>
+                                        <p:tav tm="100000">
+                                          <p:val>
+                                            <p:strVal val="#ppt_y"/>
+                                          </p:val>
+                                        </p:tav>
+                                      </p:tavLst>
+                                    </p:anim>
+                                  </p:childTnLst>
+                                </p:cTn>
+                              </p:par>
+                              <p:par>
+                                <p:cTn id="27" presetID="2" presetClass="entr" presetSubtype="2" fill="hold" grpId="0" nodeType="withEffect">
+                                  <p:stCondLst>
+                                    <p:cond delay="500"/>
+                                  </p:stCondLst>
+                                  <p:childTnLst>
+                                    <p:set>
+                                      <p:cBhvr>
+                                        <p:cTn id="28" dur="1" fill="hold">
+                                          <p:stCondLst>
+                                            <p:cond delay="0"/>
+                                          </p:stCondLst>
+                                        </p:cTn>
+                                        <p:tgtEl>
+                                          <p:spTgt spid="6">
+                                            <p:txEl>
+                                              <p:pRg st="5" end="5"/>
+                                            </p:txEl>
+                                          </p:spTgt>
+                                        </p:tgtEl>
+                                        <p:attrNameLst>
+                                          <p:attrName>style.visibility</p:attrName>
+                                        </p:attrNameLst>
+                                      </p:cBhvr>
+                                      <p:to>
+                                        <p:strVal val="visible"/>
+                                      </p:to>
+                                    </p:set>
+                                    <p:anim calcmode="lin" valueType="num">
+                                      <p:cBhvr additive="base">
+                                        <p:cTn id="29" dur="1250" fill="hold"/>
+                                        <p:tgtEl>
+                                          <p:spTgt spid="6">
+                                            <p:txEl>
+                                              <p:pRg st="5" end="5"/>
+                                            </p:txEl>
+                                          </p:spTgt>
+                                        </p:tgtEl>
+                                        <p:attrNameLst>
+                                          <p:attrName>ppt_x</p:attrName>
+                                        </p:attrNameLst>
+                                      </p:cBhvr>
+                                      <p:tavLst>
+                                        <p:tav tm="0">
+                                          <p:val>
+                                            <p:strVal val="1+#ppt_w/2"/>
+                                          </p:val>
+                                        </p:tav>
+                                        <p:tav tm="100000">
+                                          <p:val>
+                                            <p:strVal val="#ppt_x"/>
+                                          </p:val>
+                                        </p:tav>
+                                      </p:tavLst>
+                                    </p:anim>
+                                    <p:anim calcmode="lin" valueType="num">
+                                      <p:cBhvr additive="base">
+                                        <p:cTn id="30" dur="1250" fill="hold"/>
+                                        <p:tgtEl>
+                                          <p:spTgt spid="6">
+                                            <p:txEl>
+                                              <p:pRg st="5" end="5"/>
+                                            </p:txEl>
+                                          </p:spTgt>
+                                        </p:tgtEl>
+                                        <p:attrNameLst>
+                                          <p:attrName>ppt_y</p:attrName>
+                                        </p:attrNameLst>
+                                      </p:cBhvr>
+                                      <p:tavLst>
+                                        <p:tav tm="0">
+                                          <p:val>
+                                            <p:strVal val="#ppt_y"/>
+                                          </p:val>
+                                        </p:tav>
+                                        <p:tav tm="100000">
+                                          <p:val>
+                                            <p:strVal val="#ppt_y"/>
+                                          </p:val>
+                                        </p:tav>
+                                      </p:tavLst>
+                                    </p:anim>
+                                  </p:childTnLst>
+                                </p:cTn>
+                              </p:par>
+                              <p:par>
+                                <p:cTn id="31" presetID="2" presetClass="entr" presetSubtype="2" fill="hold" grpId="0" nodeType="withEffect">
+                                  <p:stCondLst>
+                                    <p:cond delay="500"/>
+                                  </p:stCondLst>
+                                  <p:childTnLst>
+                                    <p:set>
+                                      <p:cBhvr>
+                                        <p:cTn id="32" dur="1" fill="hold">
+                                          <p:stCondLst>
+                                            <p:cond delay="0"/>
+                                          </p:stCondLst>
+                                        </p:cTn>
+                                        <p:tgtEl>
+                                          <p:spTgt spid="6">
+                                            <p:txEl>
+                                              <p:pRg st="6" end="6"/>
+                                            </p:txEl>
+                                          </p:spTgt>
+                                        </p:tgtEl>
+                                        <p:attrNameLst>
+                                          <p:attrName>style.visibility</p:attrName>
+                                        </p:attrNameLst>
+                                      </p:cBhvr>
+                                      <p:to>
+                                        <p:strVal val="visible"/>
+                                      </p:to>
+                                    </p:set>
+                                    <p:anim calcmode="lin" valueType="num">
+                                      <p:cBhvr additive="base">
+                                        <p:cTn id="33" dur="1250" fill="hold"/>
+                                        <p:tgtEl>
+                                          <p:spTgt spid="6">
+                                            <p:txEl>
+                                              <p:pRg st="6" end="6"/>
+                                            </p:txEl>
+                                          </p:spTgt>
+                                        </p:tgtEl>
+                                        <p:attrNameLst>
+                                          <p:attrName>ppt_x</p:attrName>
+                                        </p:attrNameLst>
+                                      </p:cBhvr>
+                                      <p:tavLst>
+                                        <p:tav tm="0">
+                                          <p:val>
+                                            <p:strVal val="1+#ppt_w/2"/>
+                                          </p:val>
+                                        </p:tav>
+                                        <p:tav tm="100000">
+                                          <p:val>
+                                            <p:strVal val="#ppt_x"/>
+                                          </p:val>
+                                        </p:tav>
+                                      </p:tavLst>
+                                    </p:anim>
+                                    <p:anim calcmode="lin" valueType="num">
+                                      <p:cBhvr additive="base">
+                                        <p:cTn id="34" dur="1250" fill="hold"/>
+                                        <p:tgtEl>
+                                          <p:spTgt spid="6">
+                                            <p:txEl>
+                                              <p:pRg st="6" end="6"/>
+                                            </p:txEl>
+                                          </p:spTgt>
+                                        </p:tgtEl>
+                                        <p:attrNameLst>
+                                          <p:attrName>ppt_y</p:attrName>
+                                        </p:attrNameLst>
+                                      </p:cBhvr>
+                                      <p:tavLst>
+                                        <p:tav tm="0">
+                                          <p:val>
+                                            <p:strVal val="#ppt_y"/>
+                                          </p:val>
+                                        </p:tav>
+                                        <p:tav tm="100000">
+                                          <p:val>
+                                            <p:strVal val="#ppt_y"/>
+                                          </p:val>
+                                        </p:tav>
+                                      </p:tavLst>
+                                    </p:anim>
+                                  </p:childTnLst>
+                                </p:cTn>
+                              </p:par>
+                              <p:par>
+                                <p:cTn id="35" presetID="2" presetClass="entr" presetSubtype="2" fill="hold" grpId="0" nodeType="withEffect">
+                                  <p:stCondLst>
+                                    <p:cond delay="500"/>
+                                  </p:stCondLst>
+                                  <p:childTnLst>
+                                    <p:set>
+                                      <p:cBhvr>
+                                        <p:cTn id="36" dur="1" fill="hold">
+                                          <p:stCondLst>
+                                            <p:cond delay="0"/>
+                                          </p:stCondLst>
+                                        </p:cTn>
+                                        <p:tgtEl>
+                                          <p:spTgt spid="6">
+                                            <p:txEl>
+                                              <p:pRg st="7" end="7"/>
+                                            </p:txEl>
+                                          </p:spTgt>
+                                        </p:tgtEl>
+                                        <p:attrNameLst>
+                                          <p:attrName>style.visibility</p:attrName>
+                                        </p:attrNameLst>
+                                      </p:cBhvr>
+                                      <p:to>
+                                        <p:strVal val="visible"/>
+                                      </p:to>
+                                    </p:set>
+                                    <p:anim calcmode="lin" valueType="num">
+                                      <p:cBhvr additive="base">
+                                        <p:cTn id="37" dur="1250" fill="hold"/>
+                                        <p:tgtEl>
+                                          <p:spTgt spid="6">
+                                            <p:txEl>
+                                              <p:pRg st="7" end="7"/>
+                                            </p:txEl>
+                                          </p:spTgt>
+                                        </p:tgtEl>
+                                        <p:attrNameLst>
+                                          <p:attrName>ppt_x</p:attrName>
+                                        </p:attrNameLst>
+                                      </p:cBhvr>
+                                      <p:tavLst>
+                                        <p:tav tm="0">
+                                          <p:val>
+                                            <p:strVal val="1+#ppt_w/2"/>
+                                          </p:val>
+                                        </p:tav>
+                                        <p:tav tm="100000">
+                                          <p:val>
+                                            <p:strVal val="#ppt_x"/>
+                                          </p:val>
+                                        </p:tav>
+                                      </p:tavLst>
+                                    </p:anim>
+                                    <p:anim calcmode="lin" valueType="num">
+                                      <p:cBhvr additive="base">
+                                        <p:cTn id="38" dur="1250" fill="hold"/>
+                                        <p:tgtEl>
+                                          <p:spTgt spid="6">
+                                            <p:txEl>
+                                              <p:pRg st="7" end="7"/>
+                                            </p:txEl>
+                                          </p:spTgt>
+                                        </p:tgtEl>
+                                        <p:attrNameLst>
+                                          <p:attrName>ppt_y</p:attrName>
+                                        </p:attrNameLst>
+                                      </p:cBhvr>
+                                      <p:tavLst>
+                                        <p:tav tm="0">
+                                          <p:val>
+                                            <p:strVal val="#ppt_y"/>
+                                          </p:val>
+                                        </p:tav>
+                                        <p:tav tm="100000">
+                                          <p:val>
+                                            <p:strVal val="#ppt_y"/>
+                                          </p:val>
+                                        </p:tav>
+                                      </p:tavLst>
+                                    </p:anim>
+                                  </p:childTnLst>
+                                </p:cTn>
+                              </p:par>
+                              <p:par>
+                                <p:cTn id="39" presetID="2" presetClass="entr" presetSubtype="2" fill="hold" grpId="0" nodeType="withEffect">
+                                  <p:stCondLst>
+                                    <p:cond delay="500"/>
+                                  </p:stCondLst>
+                                  <p:childTnLst>
+                                    <p:set>
+                                      <p:cBhvr>
+                                        <p:cTn id="40" dur="1" fill="hold">
+                                          <p:stCondLst>
+                                            <p:cond delay="0"/>
+                                          </p:stCondLst>
+                                        </p:cTn>
+                                        <p:tgtEl>
+                                          <p:spTgt spid="6">
+                                            <p:txEl>
+                                              <p:pRg st="8" end="8"/>
+                                            </p:txEl>
+                                          </p:spTgt>
+                                        </p:tgtEl>
+                                        <p:attrNameLst>
+                                          <p:attrName>style.visibility</p:attrName>
+                                        </p:attrNameLst>
+                                      </p:cBhvr>
+                                      <p:to>
+                                        <p:strVal val="visible"/>
+                                      </p:to>
+                                    </p:set>
+                                    <p:anim calcmode="lin" valueType="num">
+                                      <p:cBhvr additive="base">
+                                        <p:cTn id="41" dur="1250" fill="hold"/>
+                                        <p:tgtEl>
+                                          <p:spTgt spid="6">
+                                            <p:txEl>
+                                              <p:pRg st="8" end="8"/>
+                                            </p:txEl>
+                                          </p:spTgt>
+                                        </p:tgtEl>
+                                        <p:attrNameLst>
+                                          <p:attrName>ppt_x</p:attrName>
+                                        </p:attrNameLst>
+                                      </p:cBhvr>
+                                      <p:tavLst>
+                                        <p:tav tm="0">
+                                          <p:val>
+                                            <p:strVal val="1+#ppt_w/2"/>
+                                          </p:val>
+                                        </p:tav>
+                                        <p:tav tm="100000">
+                                          <p:val>
+                                            <p:strVal val="#ppt_x"/>
+                                          </p:val>
+                                        </p:tav>
+                                      </p:tavLst>
+                                    </p:anim>
+                                    <p:anim calcmode="lin" valueType="num">
+                                      <p:cBhvr additive="base">
+                                        <p:cTn id="42" dur="1250" fill="hold"/>
+                                        <p:tgtEl>
+                                          <p:spTgt spid="6">
+                                            <p:txEl>
+                                              <p:pRg st="8" end="8"/>
+                                            </p:txEl>
+                                          </p:spTgt>
+                                        </p:tgtEl>
+                                        <p:attrNameLst>
+                                          <p:attrName>ppt_y</p:attrName>
+                                        </p:attrNameLst>
+                                      </p:cBhvr>
+                                      <p:tavLst>
+                                        <p:tav tm="0">
+                                          <p:val>
+                                            <p:strVal val="#ppt_y"/>
+                                          </p:val>
+                                        </p:tav>
+                                        <p:tav tm="100000">
+                                          <p:val>
+                                            <p:strVal val="#ppt_y"/>
+                                          </p:val>
+                                        </p:tav>
+                                      </p:tavLst>
+                                    </p:anim>
+                                  </p:childTnLst>
+                                </p:cTn>
+                              </p:par>
+                            </p:childTnLst>
+                          </p:cTn>
+                        </p:par>
+                      </p:childTnLst>
+                    </p:cTn>
+                  </p:par>
+                </p:childTnLst>
+              </p:cTn>
+              <p:prevCondLst>
+                <p:cond evt="onPrev" delay="0">
+                  <p:tgtEl>
+                    <p:sldTgt/>
+                  </p:tgtEl>
+                </p:cond>
+              </p:prevCondLst>
+              <p:nextCondLst>
+                <p:cond evt="onNext" delay="0">
+                  <p:tgtEl>
+                    <p:sldTgt/>
+                  </p:tgtEl>
+                </p:cond>
+              </p:nextCondLst>
+            </p:seq>
+          </p:childTnLst>
+        </p:cTn>
+      </p:par>
+    </p:tnLst>
+    <p:bldLst>
+      <p:bldP spid="6" grpId="0" build="p"/>
     </p:bldLst>
   </p:timing>
 </p:sld>

--- a/presentation/Golang.pptx
+++ b/presentation/Golang.pptx
@@ -221,7 +221,7 @@
           <a:effectLst/>
           <a:extLst>
             <a:ext uri="{91240B29-F687-4f45-9708-019B960494DF}">
-              <a14:hiddenLine xmlns:a14="http://schemas.microsoft.com/office/drawing/2010/main" xmlns="" w="9525">
+              <a14:hiddenLine xmlns="" xmlns:a14="http://schemas.microsoft.com/office/drawing/2010/main" w="9525">
                 <a:solidFill>
                   <a:srgbClr val="000000"/>
                 </a:solidFill>
@@ -1731,7 +1731,7 @@
           <a:ln/>
           <a:extLst>
             <a:ext uri="{91240B29-F687-4f45-9708-019B960494DF}">
-              <a14:hiddenLine xmlns:a14="http://schemas.microsoft.com/office/drawing/2010/main" xmlns="" w="9525">
+              <a14:hiddenLine xmlns="" xmlns:a14="http://schemas.microsoft.com/office/drawing/2010/main" w="9525">
                 <a:solidFill>
                   <a:srgbClr val="000000"/>
                 </a:solidFill>
@@ -2003,7 +2003,7 @@
           <a:ln/>
           <a:extLst>
             <a:ext uri="{91240B29-F687-4f45-9708-019B960494DF}">
-              <a14:hiddenLine xmlns:a14="http://schemas.microsoft.com/office/drawing/2010/main" xmlns="" w="9525">
+              <a14:hiddenLine xmlns="" xmlns:a14="http://schemas.microsoft.com/office/drawing/2010/main" w="9525">
                 <a:solidFill>
                   <a:srgbClr val="000000"/>
                 </a:solidFill>
@@ -2283,7 +2283,7 @@
           <a:ln/>
           <a:extLst>
             <a:ext uri="{91240B29-F687-4f45-9708-019B960494DF}">
-              <a14:hiddenLine xmlns:a14="http://schemas.microsoft.com/office/drawing/2010/main" xmlns="" w="9525">
+              <a14:hiddenLine xmlns="" xmlns:a14="http://schemas.microsoft.com/office/drawing/2010/main" w="9525">
                 <a:solidFill>
                   <a:srgbClr val="000000"/>
                 </a:solidFill>
@@ -2903,7 +2903,7 @@
           <a:ln/>
           <a:extLst>
             <a:ext uri="{91240B29-F687-4f45-9708-019B960494DF}">
-              <a14:hiddenLine xmlns:a14="http://schemas.microsoft.com/office/drawing/2010/main" xmlns="" w="9525">
+              <a14:hiddenLine xmlns="" xmlns:a14="http://schemas.microsoft.com/office/drawing/2010/main" w="9525">
                 <a:solidFill>
                   <a:srgbClr val="000000"/>
                 </a:solidFill>
@@ -3239,7 +3239,7 @@
           <a:ln/>
           <a:extLst>
             <a:ext uri="{91240B29-F687-4f45-9708-019B960494DF}">
-              <a14:hiddenLine xmlns:a14="http://schemas.microsoft.com/office/drawing/2010/main" xmlns="" w="9525">
+              <a14:hiddenLine xmlns="" xmlns:a14="http://schemas.microsoft.com/office/drawing/2010/main" w="9525">
                 <a:solidFill>
                   <a:srgbClr val="000000"/>
                 </a:solidFill>
@@ -3713,7 +3713,7 @@
           <a:ln/>
           <a:extLst>
             <a:ext uri="{91240B29-F687-4f45-9708-019B960494DF}">
-              <a14:hiddenLine xmlns:a14="http://schemas.microsoft.com/office/drawing/2010/main" xmlns="" w="9525">
+              <a14:hiddenLine xmlns="" xmlns:a14="http://schemas.microsoft.com/office/drawing/2010/main" w="9525">
                 <a:solidFill>
                   <a:srgbClr val="000000"/>
                 </a:solidFill>
@@ -4136,7 +4136,7 @@
           <a:ln/>
           <a:extLst>
             <a:ext uri="{91240B29-F687-4f45-9708-019B960494DF}">
-              <a14:hiddenLine xmlns:a14="http://schemas.microsoft.com/office/drawing/2010/main" xmlns="" w="9525">
+              <a14:hiddenLine xmlns="" xmlns:a14="http://schemas.microsoft.com/office/drawing/2010/main" w="9525">
                 <a:solidFill>
                   <a:srgbClr val="000000"/>
                 </a:solidFill>
@@ -5399,7 +5399,11 @@
           <a:p>
             <a:r>
               <a:rPr lang="en-US" dirty="0" smtClean="0"/>
-              <a:t>Martin Starman</a:t>
+              <a:t>Martin </a:t>
+            </a:r>
+            <a:r>
+              <a:rPr lang="en-US" dirty="0" smtClean="0"/>
+              <a:t>Starman und Co.</a:t>
             </a:r>
             <a:endParaRPr lang="de-DE" dirty="0"/>
           </a:p>
@@ -6022,6 +6026,13 @@
   <p:clrMapOvr>
     <a:masterClrMapping/>
   </p:clrMapOvr>
+  <p:timing>
+    <p:tnLst>
+      <p:par>
+        <p:cTn id="1" dur="indefinite" restart="never" nodeType="tmRoot"/>
+      </p:par>
+    </p:tnLst>
+  </p:timing>
 </p:sld>
 </file>
 
@@ -9185,15 +9196,7 @@
           <a:p>
             <a:r>
               <a:rPr lang="de-DE" dirty="0" smtClean="0"/>
-              <a:t>Syntax </a:t>
-            </a:r>
-            <a:r>
-              <a:rPr lang="de-DE" dirty="0" smtClean="0"/>
-              <a:t>&amp; C</a:t>
-            </a:r>
-            <a:r>
-              <a:rPr lang="de-DE" dirty="0" smtClean="0"/>
-              <a:t>o</a:t>
+              <a:t>Syntax &amp; Co</a:t>
             </a:r>
             <a:endParaRPr lang="de-DE" dirty="0"/>
           </a:p>
@@ -9348,6 +9351,13 @@
   <p:clrMapOvr>
     <a:masterClrMapping/>
   </p:clrMapOvr>
+  <p:timing>
+    <p:tnLst>
+      <p:par>
+        <p:cTn id="1" dur="indefinite" restart="never" nodeType="tmRoot"/>
+      </p:par>
+    </p:tnLst>
+  </p:timing>
 </p:sld>
 </file>
 
